--- a/Project4_SalesPredictor.pptx
+++ b/Project4_SalesPredictor.pptx
@@ -212,16 +212,24 @@
   <pc:docChgLst>
     <pc:chgData name="John Clos" userId="35f71590851144db" providerId="LiveId" clId="{43B72177-8ECD-4138-8B60-08547D0BC014}"/>
     <pc:docChg chg="custSel addSld modSld">
-      <pc:chgData name="John Clos" userId="35f71590851144db" providerId="LiveId" clId="{43B72177-8ECD-4138-8B60-08547D0BC014}" dt="2021-11-25T19:13:18.054" v="149" actId="20577"/>
+      <pc:chgData name="John Clos" userId="35f71590851144db" providerId="LiveId" clId="{43B72177-8ECD-4138-8B60-08547D0BC014}" dt="2021-11-26T23:28:04.372" v="150" actId="20577"/>
       <pc:docMkLst>
         <pc:docMk/>
       </pc:docMkLst>
       <pc:sldChg chg="modSp mod">
-        <pc:chgData name="John Clos" userId="35f71590851144db" providerId="LiveId" clId="{43B72177-8ECD-4138-8B60-08547D0BC014}" dt="2021-11-25T19:13:18.054" v="149" actId="20577"/>
+        <pc:chgData name="John Clos" userId="35f71590851144db" providerId="LiveId" clId="{43B72177-8ECD-4138-8B60-08547D0BC014}" dt="2021-11-26T23:28:04.372" v="150" actId="20577"/>
         <pc:sldMkLst>
           <pc:docMk/>
           <pc:sldMk cId="344080127" sldId="256"/>
         </pc:sldMkLst>
+        <pc:spChg chg="mod">
+          <ac:chgData name="John Clos" userId="35f71590851144db" providerId="LiveId" clId="{43B72177-8ECD-4138-8B60-08547D0BC014}" dt="2021-11-26T23:28:04.372" v="150" actId="20577"/>
+          <ac:spMkLst>
+            <pc:docMk/>
+            <pc:sldMk cId="344080127" sldId="256"/>
+            <ac:spMk id="2" creationId="{00000000-0000-0000-0000-000000000000}"/>
+          </ac:spMkLst>
+        </pc:spChg>
         <pc:spChg chg="mod">
           <ac:chgData name="John Clos" userId="35f71590851144db" providerId="LiveId" clId="{43B72177-8ECD-4138-8B60-08547D0BC014}" dt="2021-11-25T19:13:18.054" v="149" actId="20577"/>
           <ac:spMkLst>
@@ -13890,7 +13898,7 @@
           <a:p>
             <a:fld id="{AC8CEC3D-96F7-401F-9673-3EE7F75C9C5B}" type="datetimeFigureOut">
               <a:rPr lang="en-US"/>
-              <a:t>11/25/2021</a:t>
+              <a:t>11/26/2021</a:t>
             </a:fld>
             <a:endParaRPr dirty="0"/>
           </a:p>
@@ -14055,7 +14063,7 @@
           <a:p>
             <a:fld id="{F032BCF4-D26D-4DAF-9F57-FE1E61FE7935}" type="datetimeFigureOut">
               <a:rPr lang="en-US"/>
-              <a:t>11/25/2021</a:t>
+              <a:t>11/26/2021</a:t>
             </a:fld>
             <a:endParaRPr dirty="0"/>
           </a:p>
@@ -14882,7 +14890,7 @@
           <a:p>
             <a:fld id="{DAD2365B-5397-4552-89D2-3C31D6B894C4}" type="datetime1">
               <a:rPr lang="en-US" smtClean="0"/>
-              <a:t>11/25/2021</a:t>
+              <a:t>11/26/2021</a:t>
             </a:fld>
             <a:endParaRPr lang="en-US" dirty="0"/>
           </a:p>
@@ -15111,7 +15119,7 @@
           <a:p>
             <a:fld id="{3718D474-84CF-40A5-B032-DFFDE135438A}" type="datetime1">
               <a:rPr lang="en-US" smtClean="0"/>
-              <a:t>11/25/2021</a:t>
+              <a:t>11/26/2021</a:t>
             </a:fld>
             <a:endParaRPr lang="en-US" dirty="0"/>
           </a:p>
@@ -15333,7 +15341,7 @@
           <a:p>
             <a:fld id="{7067C6EF-6B90-465F-AC36-47BDECADBD65}" type="datetime1">
               <a:rPr lang="en-US" smtClean="0"/>
-              <a:t>11/25/2021</a:t>
+              <a:t>11/26/2021</a:t>
             </a:fld>
             <a:endParaRPr lang="en-US" dirty="0"/>
           </a:p>
@@ -15550,7 +15558,7 @@
           <a:p>
             <a:fld id="{ED1E4A86-2703-4937-ABF7-D8FBDB5C3D3E}" type="datetime1">
               <a:rPr lang="en-US" smtClean="0"/>
-              <a:t>11/25/2021</a:t>
+              <a:t>11/26/2021</a:t>
             </a:fld>
             <a:endParaRPr lang="en-US" dirty="0"/>
           </a:p>
@@ -15816,7 +15824,7 @@
           <a:p>
             <a:fld id="{12E02F23-BD92-4B7B-9DFF-42EEC8F21ED4}" type="datetime1">
               <a:rPr lang="en-US" smtClean="0"/>
-              <a:t>11/25/2021</a:t>
+              <a:t>11/26/2021</a:t>
             </a:fld>
             <a:endParaRPr lang="en-US" dirty="0"/>
           </a:p>
@@ -16118,7 +16126,7 @@
           <a:p>
             <a:fld id="{8814B7EA-8738-442B-ADC7-3A7E6F5C49CD}" type="datetime1">
               <a:rPr lang="en-US" smtClean="0"/>
-              <a:t>11/25/2021</a:t>
+              <a:t>11/26/2021</a:t>
             </a:fld>
             <a:endParaRPr lang="en-US" dirty="0"/>
           </a:p>
@@ -16568,7 +16576,7 @@
           <a:p>
             <a:fld id="{8FE5692D-78A6-499F-901A-E660774CC8EE}" type="datetime1">
               <a:rPr lang="en-US" smtClean="0"/>
-              <a:t>11/25/2021</a:t>
+              <a:t>11/26/2021</a:t>
             </a:fld>
             <a:endParaRPr lang="en-US" dirty="0"/>
           </a:p>
@@ -16701,7 +16709,7 @@
           <a:p>
             <a:fld id="{6776F355-F21B-43C0-ABBD-B5AEBBE279A6}" type="datetime1">
               <a:rPr lang="en-US" smtClean="0"/>
-              <a:t>11/25/2021</a:t>
+              <a:t>11/26/2021</a:t>
             </a:fld>
             <a:endParaRPr lang="en-US" dirty="0"/>
           </a:p>
@@ -16811,7 +16819,7 @@
           <a:p>
             <a:fld id="{C0AB95E7-F437-40FB-91EE-0B08B57CB523}" type="datetime1">
               <a:rPr lang="en-US" smtClean="0"/>
-              <a:t>11/25/2021</a:t>
+              <a:t>11/26/2021</a:t>
             </a:fld>
             <a:endParaRPr lang="en-US" dirty="0"/>
           </a:p>
@@ -17111,7 +17119,7 @@
           <a:p>
             <a:fld id="{67709EEF-87D9-4049-9A5D-A2B5E4C83A85}" type="datetime1">
               <a:rPr lang="en-US" smtClean="0"/>
-              <a:t>11/25/2021</a:t>
+              <a:t>11/26/2021</a:t>
             </a:fld>
             <a:endParaRPr lang="en-US" dirty="0"/>
           </a:p>
@@ -17400,7 +17408,7 @@
           <a:p>
             <a:fld id="{CAEBD992-82F2-4752-BCD7-4BDCCFA26099}" type="datetime1">
               <a:rPr lang="en-US" smtClean="0"/>
-              <a:t>11/25/2021</a:t>
+              <a:t>11/26/2021</a:t>
             </a:fld>
             <a:endParaRPr lang="en-US" dirty="0"/>
           </a:p>
@@ -17698,7 +17706,7 @@
             <a:fld id="{7590C4DA-EDE6-465C-B91D-0B6D7078AFBA}" type="datetime1">
               <a:rPr lang="en-US" smtClean="0"/>
               <a:pPr/>
-              <a:t>11/25/2021</a:t>
+              <a:t>11/26/2021</a:t>
             </a:fld>
             <a:endParaRPr lang="en-US" dirty="0"/>
           </a:p>
@@ -18149,7 +18157,14 @@
           <a:p>
             <a:r>
               <a:rPr lang="en-US" dirty="0"/>
-              <a:t>Project 4:  S-Mart Sales Predictor</a:t>
+              <a:t>Project 4:  </a:t>
+            </a:r>
+            <a:br>
+              <a:rPr lang="en-US" dirty="0"/>
+            </a:br>
+            <a:r>
+              <a:rPr lang="en-US" dirty="0"/>
+              <a:t>S-Mart Sales Predictor</a:t>
             </a:r>
           </a:p>
         </p:txBody>
@@ -18526,13 +18541,13 @@
   <p:clrMapOvr>
     <a:masterClrMapping/>
   </p:clrMapOvr>
-  <mc:AlternateContent xmlns:mc="http://schemas.openxmlformats.org/markup-compatibility/2006">
-    <mc:Choice xmlns:p14="http://schemas.microsoft.com/office/powerpoint/2010/main" Requires="p14">
+  <mc:AlternateContent xmlns:mc="http://schemas.openxmlformats.org/markup-compatibility/2006" xmlns:p14="http://schemas.microsoft.com/office/powerpoint/2010/main">
+    <mc:Choice Requires="p14">
       <p:transition spd="med" p14:dur="700">
         <p:fade/>
       </p:transition>
     </mc:Choice>
-    <mc:Fallback>
+    <mc:Fallback xmlns="">
       <p:transition spd="med">
         <p:fade/>
       </p:transition>
@@ -18813,13 +18828,13 @@
   <p:clrMapOvr>
     <a:masterClrMapping/>
   </p:clrMapOvr>
-  <mc:AlternateContent xmlns:mc="http://schemas.openxmlformats.org/markup-compatibility/2006">
-    <mc:Choice xmlns:p14="http://schemas.microsoft.com/office/powerpoint/2010/main" Requires="p14">
+  <mc:AlternateContent xmlns:mc="http://schemas.openxmlformats.org/markup-compatibility/2006" xmlns:p14="http://schemas.microsoft.com/office/powerpoint/2010/main">
+    <mc:Choice Requires="p14">
       <p:transition spd="med" p14:dur="700">
         <p:fade/>
       </p:transition>
     </mc:Choice>
-    <mc:Fallback>
+    <mc:Fallback xmlns="">
       <p:transition spd="med">
         <p:fade/>
       </p:transition>
@@ -19178,13 +19193,13 @@
   <p:clrMapOvr>
     <a:masterClrMapping/>
   </p:clrMapOvr>
-  <mc:AlternateContent xmlns:mc="http://schemas.openxmlformats.org/markup-compatibility/2006">
-    <mc:Choice xmlns:p14="http://schemas.microsoft.com/office/powerpoint/2010/main" Requires="p14">
+  <mc:AlternateContent xmlns:mc="http://schemas.openxmlformats.org/markup-compatibility/2006" xmlns:p14="http://schemas.microsoft.com/office/powerpoint/2010/main">
+    <mc:Choice Requires="p14">
       <p:transition spd="med" p14:dur="700">
         <p:fade/>
       </p:transition>
     </mc:Choice>
-    <mc:Fallback>
+    <mc:Fallback xmlns="">
       <p:transition spd="med">
         <p:fade/>
       </p:transition>

--- a/Project4_SalesPredictor.pptx
+++ b/Project4_SalesPredictor.pptx
@@ -199,14 +199,6 @@
 </p:presentation>
 </file>
 
-<file path=ppt/revisionInfo.xml><?xml version="1.0" encoding="utf-8"?>
-<p1510:revInfo xmlns:a="http://schemas.openxmlformats.org/drawingml/2006/main" xmlns:r="http://schemas.openxmlformats.org/officeDocument/2006/relationships" xmlns:p1510="http://schemas.microsoft.com/office/powerpoint/2015/10/main">
-  <p1510:revLst>
-    <p1510:client id="{43B72177-8ECD-4138-8B60-08547D0BC014}" v="2" dt="2021-11-25T19:13:23.084"/>
-  </p1510:revLst>
-</p1510:revInfo>
-</file>
-
 <file path=ppt/changesInfos/changesInfo1.xml><?xml version="1.0" encoding="utf-8"?>
 <pc:chgInfo xmlns:a="http://schemas.openxmlformats.org/drawingml/2006/main" xmlns:r="http://schemas.openxmlformats.org/officeDocument/2006/relationships" xmlns:ac="http://schemas.microsoft.com/office/drawing/2013/main/command" xmlns:pc="http://schemas.microsoft.com/office/powerpoint/2013/main/command">
   <pc:docChgLst>
@@ -368,6 +360,138 @@
           <pc:docMk/>
           <pc:sldMk cId="391894709" sldId="268"/>
         </pc:sldMkLst>
+      </pc:sldChg>
+    </pc:docChg>
+  </pc:docChgLst>
+  <pc:docChgLst>
+    <pc:chgData name="John Clos" userId="35f71590851144db" providerId="LiveId" clId="{58E8EA7F-7C44-4580-9B47-C6E7E8D7B6BA}"/>
+    <pc:docChg chg="undo custSel modSld">
+      <pc:chgData name="John Clos" userId="35f71590851144db" providerId="LiveId" clId="{58E8EA7F-7C44-4580-9B47-C6E7E8D7B6BA}" dt="2021-11-30T03:05:15.171" v="299" actId="20577"/>
+      <pc:docMkLst>
+        <pc:docMk/>
+      </pc:docMkLst>
+      <pc:sldChg chg="addSp delSp modSp mod">
+        <pc:chgData name="John Clos" userId="35f71590851144db" providerId="LiveId" clId="{58E8EA7F-7C44-4580-9B47-C6E7E8D7B6BA}" dt="2021-11-30T01:45:20.259" v="2" actId="22"/>
+        <pc:sldMkLst>
+          <pc:docMk/>
+          <pc:sldMk cId="379348850" sldId="257"/>
+        </pc:sldMkLst>
+        <pc:spChg chg="del">
+          <ac:chgData name="John Clos" userId="35f71590851144db" providerId="LiveId" clId="{58E8EA7F-7C44-4580-9B47-C6E7E8D7B6BA}" dt="2021-11-30T01:45:14.757" v="0" actId="478"/>
+          <ac:spMkLst>
+            <pc:docMk/>
+            <pc:sldMk cId="379348850" sldId="257"/>
+            <ac:spMk id="3" creationId="{00000000-0000-0000-0000-000000000000}"/>
+          </ac:spMkLst>
+        </pc:spChg>
+        <pc:spChg chg="add del mod">
+          <ac:chgData name="John Clos" userId="35f71590851144db" providerId="LiveId" clId="{58E8EA7F-7C44-4580-9B47-C6E7E8D7B6BA}" dt="2021-11-30T01:45:19.044" v="1" actId="478"/>
+          <ac:spMkLst>
+            <pc:docMk/>
+            <pc:sldMk cId="379348850" sldId="257"/>
+            <ac:spMk id="5" creationId="{2DE190DB-AAEE-4114-B79C-6004D0AFC57B}"/>
+          </ac:spMkLst>
+        </pc:spChg>
+        <pc:picChg chg="add">
+          <ac:chgData name="John Clos" userId="35f71590851144db" providerId="LiveId" clId="{58E8EA7F-7C44-4580-9B47-C6E7E8D7B6BA}" dt="2021-11-30T01:45:20.259" v="2" actId="22"/>
+          <ac:picMkLst>
+            <pc:docMk/>
+            <pc:sldMk cId="379348850" sldId="257"/>
+            <ac:picMk id="7" creationId="{7FAD9DCD-A595-4EF2-94B3-7A7595690736}"/>
+          </ac:picMkLst>
+        </pc:picChg>
+      </pc:sldChg>
+      <pc:sldChg chg="modSp mod">
+        <pc:chgData name="John Clos" userId="35f71590851144db" providerId="LiveId" clId="{58E8EA7F-7C44-4580-9B47-C6E7E8D7B6BA}" dt="2021-11-30T03:05:15.171" v="299" actId="20577"/>
+        <pc:sldMkLst>
+          <pc:docMk/>
+          <pc:sldMk cId="3415676531" sldId="263"/>
+        </pc:sldMkLst>
+        <pc:spChg chg="mod">
+          <ac:chgData name="John Clos" userId="35f71590851144db" providerId="LiveId" clId="{58E8EA7F-7C44-4580-9B47-C6E7E8D7B6BA}" dt="2021-11-30T03:05:15.171" v="299" actId="20577"/>
+          <ac:spMkLst>
+            <pc:docMk/>
+            <pc:sldMk cId="3415676531" sldId="263"/>
+            <ac:spMk id="3" creationId="{00000000-0000-0000-0000-000000000000}"/>
+          </ac:spMkLst>
+        </pc:spChg>
+      </pc:sldChg>
+      <pc:sldChg chg="addSp delSp modSp mod">
+        <pc:chgData name="John Clos" userId="35f71590851144db" providerId="LiveId" clId="{58E8EA7F-7C44-4580-9B47-C6E7E8D7B6BA}" dt="2021-11-30T03:02:11.817" v="142" actId="14100"/>
+        <pc:sldMkLst>
+          <pc:docMk/>
+          <pc:sldMk cId="2624389181" sldId="264"/>
+        </pc:sldMkLst>
+        <pc:spChg chg="mod">
+          <ac:chgData name="John Clos" userId="35f71590851144db" providerId="LiveId" clId="{58E8EA7F-7C44-4580-9B47-C6E7E8D7B6BA}" dt="2021-11-30T03:02:11.817" v="142" actId="14100"/>
+          <ac:spMkLst>
+            <pc:docMk/>
+            <pc:sldMk cId="2624389181" sldId="264"/>
+            <ac:spMk id="3" creationId="{00000000-0000-0000-0000-000000000000}"/>
+          </ac:spMkLst>
+        </pc:spChg>
+        <pc:spChg chg="add del mod">
+          <ac:chgData name="John Clos" userId="35f71590851144db" providerId="LiveId" clId="{58E8EA7F-7C44-4580-9B47-C6E7E8D7B6BA}" dt="2021-11-30T03:02:00.535" v="141" actId="478"/>
+          <ac:spMkLst>
+            <pc:docMk/>
+            <pc:sldMk cId="2624389181" sldId="264"/>
+            <ac:spMk id="5" creationId="{A6976BAB-220A-406A-BF0F-C633D613DEC8}"/>
+          </ac:spMkLst>
+        </pc:spChg>
+        <pc:spChg chg="del">
+          <ac:chgData name="John Clos" userId="35f71590851144db" providerId="LiveId" clId="{58E8EA7F-7C44-4580-9B47-C6E7E8D7B6BA}" dt="2021-11-30T03:01:56.516" v="140" actId="478"/>
+          <ac:spMkLst>
+            <pc:docMk/>
+            <pc:sldMk cId="2624389181" sldId="264"/>
+            <ac:spMk id="6" creationId="{00000000-0000-0000-0000-000000000000}"/>
+          </ac:spMkLst>
+        </pc:spChg>
+      </pc:sldChg>
+      <pc:sldChg chg="modSp mod">
+        <pc:chgData name="John Clos" userId="35f71590851144db" providerId="LiveId" clId="{58E8EA7F-7C44-4580-9B47-C6E7E8D7B6BA}" dt="2021-11-30T01:49:37.688" v="53" actId="20577"/>
+        <pc:sldMkLst>
+          <pc:docMk/>
+          <pc:sldMk cId="384745142" sldId="266"/>
+        </pc:sldMkLst>
+        <pc:spChg chg="mod">
+          <ac:chgData name="John Clos" userId="35f71590851144db" providerId="LiveId" clId="{58E8EA7F-7C44-4580-9B47-C6E7E8D7B6BA}" dt="2021-11-30T01:49:37.688" v="53" actId="20577"/>
+          <ac:spMkLst>
+            <pc:docMk/>
+            <pc:sldMk cId="384745142" sldId="266"/>
+            <ac:spMk id="3" creationId="{00000000-0000-0000-0000-000000000000}"/>
+          </ac:spMkLst>
+        </pc:spChg>
+      </pc:sldChg>
+      <pc:sldChg chg="addSp delSp modSp mod">
+        <pc:chgData name="John Clos" userId="35f71590851144db" providerId="LiveId" clId="{58E8EA7F-7C44-4580-9B47-C6E7E8D7B6BA}" dt="2021-11-30T03:02:35.948" v="146" actId="14100"/>
+        <pc:sldMkLst>
+          <pc:docMk/>
+          <pc:sldMk cId="1607059164" sldId="267"/>
+        </pc:sldMkLst>
+        <pc:spChg chg="mod">
+          <ac:chgData name="John Clos" userId="35f71590851144db" providerId="LiveId" clId="{58E8EA7F-7C44-4580-9B47-C6E7E8D7B6BA}" dt="2021-11-30T03:02:35.948" v="146" actId="14100"/>
+          <ac:spMkLst>
+            <pc:docMk/>
+            <pc:sldMk cId="1607059164" sldId="267"/>
+            <ac:spMk id="3" creationId="{00000000-0000-0000-0000-000000000000}"/>
+          </ac:spMkLst>
+        </pc:spChg>
+        <pc:spChg chg="add del mod">
+          <ac:chgData name="John Clos" userId="35f71590851144db" providerId="LiveId" clId="{58E8EA7F-7C44-4580-9B47-C6E7E8D7B6BA}" dt="2021-11-30T03:01:10.102" v="55" actId="478"/>
+          <ac:spMkLst>
+            <pc:docMk/>
+            <pc:sldMk cId="1607059164" sldId="267"/>
+            <ac:spMk id="5" creationId="{6342B630-358C-481D-A509-1D71E75733AB}"/>
+          </ac:spMkLst>
+        </pc:spChg>
+        <pc:spChg chg="del">
+          <ac:chgData name="John Clos" userId="35f71590851144db" providerId="LiveId" clId="{58E8EA7F-7C44-4580-9B47-C6E7E8D7B6BA}" dt="2021-11-30T03:01:08.014" v="54" actId="478"/>
+          <ac:spMkLst>
+            <pc:docMk/>
+            <pc:sldMk cId="1607059164" sldId="267"/>
+            <ac:spMk id="6" creationId="{00000000-0000-0000-0000-000000000000}"/>
+          </ac:spMkLst>
+        </pc:spChg>
       </pc:sldChg>
     </pc:docChg>
   </pc:docChgLst>
@@ -13898,7 +14022,7 @@
           <a:p>
             <a:fld id="{AC8CEC3D-96F7-401F-9673-3EE7F75C9C5B}" type="datetimeFigureOut">
               <a:rPr lang="en-US"/>
-              <a:t>11/26/2021</a:t>
+              <a:t>11/29/2021</a:t>
             </a:fld>
             <a:endParaRPr dirty="0"/>
           </a:p>
@@ -14063,7 +14187,7 @@
           <a:p>
             <a:fld id="{F032BCF4-D26D-4DAF-9F57-FE1E61FE7935}" type="datetimeFigureOut">
               <a:rPr lang="en-US"/>
-              <a:t>11/26/2021</a:t>
+              <a:t>11/29/2021</a:t>
             </a:fld>
             <a:endParaRPr dirty="0"/>
           </a:p>
@@ -14890,7 +15014,7 @@
           <a:p>
             <a:fld id="{DAD2365B-5397-4552-89D2-3C31D6B894C4}" type="datetime1">
               <a:rPr lang="en-US" smtClean="0"/>
-              <a:t>11/26/2021</a:t>
+              <a:t>11/29/2021</a:t>
             </a:fld>
             <a:endParaRPr lang="en-US" dirty="0"/>
           </a:p>
@@ -15119,7 +15243,7 @@
           <a:p>
             <a:fld id="{3718D474-84CF-40A5-B032-DFFDE135438A}" type="datetime1">
               <a:rPr lang="en-US" smtClean="0"/>
-              <a:t>11/26/2021</a:t>
+              <a:t>11/29/2021</a:t>
             </a:fld>
             <a:endParaRPr lang="en-US" dirty="0"/>
           </a:p>
@@ -15341,7 +15465,7 @@
           <a:p>
             <a:fld id="{7067C6EF-6B90-465F-AC36-47BDECADBD65}" type="datetime1">
               <a:rPr lang="en-US" smtClean="0"/>
-              <a:t>11/26/2021</a:t>
+              <a:t>11/29/2021</a:t>
             </a:fld>
             <a:endParaRPr lang="en-US" dirty="0"/>
           </a:p>
@@ -15558,7 +15682,7 @@
           <a:p>
             <a:fld id="{ED1E4A86-2703-4937-ABF7-D8FBDB5C3D3E}" type="datetime1">
               <a:rPr lang="en-US" smtClean="0"/>
-              <a:t>11/26/2021</a:t>
+              <a:t>11/29/2021</a:t>
             </a:fld>
             <a:endParaRPr lang="en-US" dirty="0"/>
           </a:p>
@@ -15824,7 +15948,7 @@
           <a:p>
             <a:fld id="{12E02F23-BD92-4B7B-9DFF-42EEC8F21ED4}" type="datetime1">
               <a:rPr lang="en-US" smtClean="0"/>
-              <a:t>11/26/2021</a:t>
+              <a:t>11/29/2021</a:t>
             </a:fld>
             <a:endParaRPr lang="en-US" dirty="0"/>
           </a:p>
@@ -16126,7 +16250,7 @@
           <a:p>
             <a:fld id="{8814B7EA-8738-442B-ADC7-3A7E6F5C49CD}" type="datetime1">
               <a:rPr lang="en-US" smtClean="0"/>
-              <a:t>11/26/2021</a:t>
+              <a:t>11/29/2021</a:t>
             </a:fld>
             <a:endParaRPr lang="en-US" dirty="0"/>
           </a:p>
@@ -16576,7 +16700,7 @@
           <a:p>
             <a:fld id="{8FE5692D-78A6-499F-901A-E660774CC8EE}" type="datetime1">
               <a:rPr lang="en-US" smtClean="0"/>
-              <a:t>11/26/2021</a:t>
+              <a:t>11/29/2021</a:t>
             </a:fld>
             <a:endParaRPr lang="en-US" dirty="0"/>
           </a:p>
@@ -16709,7 +16833,7 @@
           <a:p>
             <a:fld id="{6776F355-F21B-43C0-ABBD-B5AEBBE279A6}" type="datetime1">
               <a:rPr lang="en-US" smtClean="0"/>
-              <a:t>11/26/2021</a:t>
+              <a:t>11/29/2021</a:t>
             </a:fld>
             <a:endParaRPr lang="en-US" dirty="0"/>
           </a:p>
@@ -16819,7 +16943,7 @@
           <a:p>
             <a:fld id="{C0AB95E7-F437-40FB-91EE-0B08B57CB523}" type="datetime1">
               <a:rPr lang="en-US" smtClean="0"/>
-              <a:t>11/26/2021</a:t>
+              <a:t>11/29/2021</a:t>
             </a:fld>
             <a:endParaRPr lang="en-US" dirty="0"/>
           </a:p>
@@ -17119,7 +17243,7 @@
           <a:p>
             <a:fld id="{67709EEF-87D9-4049-9A5D-A2B5E4C83A85}" type="datetime1">
               <a:rPr lang="en-US" smtClean="0"/>
-              <a:t>11/26/2021</a:t>
+              <a:t>11/29/2021</a:t>
             </a:fld>
             <a:endParaRPr lang="en-US" dirty="0"/>
           </a:p>
@@ -17408,7 +17532,7 @@
           <a:p>
             <a:fld id="{CAEBD992-82F2-4752-BCD7-4BDCCFA26099}" type="datetime1">
               <a:rPr lang="en-US" smtClean="0"/>
-              <a:t>11/26/2021</a:t>
+              <a:t>11/29/2021</a:t>
             </a:fld>
             <a:endParaRPr lang="en-US" dirty="0"/>
           </a:p>
@@ -17706,7 +17830,7 @@
             <a:fld id="{7590C4DA-EDE6-465C-B91D-0B6D7078AFBA}" type="datetime1">
               <a:rPr lang="en-US" smtClean="0"/>
               <a:pPr/>
-              <a:t>11/26/2021</a:t>
+              <a:t>11/29/2021</a:t>
             </a:fld>
             <a:endParaRPr lang="en-US" dirty="0"/>
           </a:p>
@@ -18280,72 +18404,19 @@
             <p:ph sz="half" idx="1"/>
           </p:nvPr>
         </p:nvSpPr>
-        <p:spPr/>
+        <p:spPr>
+          <a:xfrm>
+            <a:off x="1293813" y="685800"/>
+            <a:ext cx="10287000" cy="4191000"/>
+          </a:xfrm>
+        </p:spPr>
         <p:txBody>
           <a:bodyPr/>
           <a:lstStyle/>
           <a:p>
             <a:r>
               <a:rPr lang="en-US" dirty="0"/>
-              <a:t>Outline the drawbacks of the current model</a:t>
-            </a:r>
-          </a:p>
-        </p:txBody>
-      </p:sp>
-      <p:sp>
-        <p:nvSpPr>
-          <p:cNvPr id="6" name="Content Placeholder 5"/>
-          <p:cNvSpPr>
-            <a:spLocks noGrp="1"/>
-          </p:cNvSpPr>
-          <p:nvPr>
-            <p:ph sz="half" idx="2"/>
-          </p:nvPr>
-        </p:nvSpPr>
-        <p:spPr/>
-        <p:txBody>
-          <a:bodyPr/>
-          <a:lstStyle/>
-          <a:p>
-            <a:pPr lvl="2"/>
-            <a:r>
-              <a:rPr lang="en-US" dirty="0"/>
-              <a:t>Submit a research proposal</a:t>
-            </a:r>
-          </a:p>
-          <a:p>
-            <a:pPr lvl="3"/>
-            <a:r>
-              <a:rPr lang="en-US" dirty="0"/>
-              <a:t>Then, we’ll submit a proposal for your evaluation.</a:t>
-            </a:r>
-          </a:p>
-          <a:p>
-            <a:pPr lvl="2"/>
-            <a:r>
-              <a:rPr lang="en-US" dirty="0"/>
-              <a:t>Begin the research</a:t>
-            </a:r>
-          </a:p>
-          <a:p>
-            <a:pPr lvl="3"/>
-            <a:r>
-              <a:rPr lang="en-US" dirty="0"/>
-              <a:t>When the proposal is approved, we will assemble an experienced team to conduct your research and analyze the findings.</a:t>
-            </a:r>
-          </a:p>
-          <a:p>
-            <a:pPr lvl="2"/>
-            <a:r>
-              <a:rPr lang="en-US" dirty="0"/>
-              <a:t>Provide ongoing support</a:t>
-            </a:r>
-          </a:p>
-          <a:p>
-            <a:pPr lvl="3"/>
-            <a:r>
-              <a:rPr lang="en-US" dirty="0"/>
-              <a:t>We will continue to work with you after we deliver your report so you get the most value out of the research findings.</a:t>
+              <a:t>We were limited in the amount of data that we had</a:t>
             </a:r>
           </a:p>
         </p:txBody>
@@ -18425,108 +18496,22 @@
             <p:ph sz="half" idx="1"/>
           </p:nvPr>
         </p:nvSpPr>
-        <p:spPr/>
+        <p:spPr>
+          <a:xfrm>
+            <a:off x="1293812" y="685800"/>
+            <a:ext cx="10287001" cy="4191000"/>
+          </a:xfrm>
+        </p:spPr>
         <p:txBody>
           <a:bodyPr/>
           <a:lstStyle/>
           <a:p>
             <a:r>
-              <a:rPr lang="en-US"/>
-              <a:t>Outline the next steps for ordering or purchasing your products </a:t>
-            </a:r>
-            <a:br>
-              <a:rPr lang="en-US"/>
-            </a:br>
-            <a:r>
-              <a:rPr lang="en-US"/>
-              <a:t>or services.</a:t>
+              <a:rPr lang="en-US" dirty="0"/>
+              <a:t>Find more data and retrain</a:t>
             </a:r>
           </a:p>
           <a:p>
-            <a:r>
-              <a:rPr lang="en-US"/>
-              <a:t>Example:</a:t>
-            </a:r>
-          </a:p>
-          <a:p>
-            <a:pPr lvl="1"/>
-            <a:r>
-              <a:rPr lang="en-US"/>
-              <a:t>To commission research from Trey Research:</a:t>
-            </a:r>
-          </a:p>
-          <a:p>
-            <a:pPr lvl="2"/>
-            <a:r>
-              <a:rPr lang="en-US"/>
-              <a:t>Define the project</a:t>
-            </a:r>
-          </a:p>
-          <a:p>
-            <a:pPr lvl="3"/>
-            <a:r>
-              <a:rPr lang="en-US"/>
-              <a:t>First, we’ll meet with you to define your project.</a:t>
-            </a:r>
-            <a:endParaRPr lang="en-US" dirty="0"/>
-          </a:p>
-        </p:txBody>
-      </p:sp>
-      <p:sp>
-        <p:nvSpPr>
-          <p:cNvPr id="6" name="Content Placeholder 5"/>
-          <p:cNvSpPr>
-            <a:spLocks noGrp="1"/>
-          </p:cNvSpPr>
-          <p:nvPr>
-            <p:ph sz="half" idx="2"/>
-          </p:nvPr>
-        </p:nvSpPr>
-        <p:spPr/>
-        <p:txBody>
-          <a:bodyPr/>
-          <a:lstStyle/>
-          <a:p>
-            <a:pPr lvl="2"/>
-            <a:r>
-              <a:rPr lang="en-US"/>
-              <a:t>Submit a research proposal</a:t>
-            </a:r>
-          </a:p>
-          <a:p>
-            <a:pPr lvl="3"/>
-            <a:r>
-              <a:rPr lang="en-US"/>
-              <a:t>Then, we’ll submit a proposal for your evaluation.</a:t>
-            </a:r>
-          </a:p>
-          <a:p>
-            <a:pPr lvl="2"/>
-            <a:r>
-              <a:rPr lang="en-US"/>
-              <a:t>Begin the research</a:t>
-            </a:r>
-          </a:p>
-          <a:p>
-            <a:pPr lvl="3"/>
-            <a:r>
-              <a:rPr lang="en-US"/>
-              <a:t>When the proposal is approved, we will assemble an experienced team to conduct your research and analyze the findings.</a:t>
-            </a:r>
-          </a:p>
-          <a:p>
-            <a:pPr lvl="2"/>
-            <a:r>
-              <a:rPr lang="en-US"/>
-              <a:t>Provide ongoing support</a:t>
-            </a:r>
-          </a:p>
-          <a:p>
-            <a:pPr lvl="3"/>
-            <a:r>
-              <a:rPr lang="en-US"/>
-              <a:t>We will continue to work with you after we deliver your report so you get the most value out of the research findings.</a:t>
-            </a:r>
             <a:endParaRPr lang="en-US" dirty="0"/>
           </a:p>
         </p:txBody>
@@ -18689,28 +18674,36 @@
           </a:p>
         </p:txBody>
       </p:sp>
-      <p:sp>
-        <p:nvSpPr>
-          <p:cNvPr id="3" name="Content Placeholder 2"/>
-          <p:cNvSpPr>
-            <a:spLocks noGrp="1"/>
-          </p:cNvSpPr>
-          <p:nvPr>
-            <p:ph idx="13"/>
-          </p:nvPr>
-        </p:nvSpPr>
-        <p:spPr/>
-        <p:txBody>
-          <a:bodyPr/>
-          <a:lstStyle/>
-          <a:p>
-            <a:r>
-              <a:rPr lang="en-US" dirty="0"/>
-              <a:t>Briefly introduce yourself and your colleagues.</a:t>
-            </a:r>
-          </a:p>
-        </p:txBody>
-      </p:sp>
+      <p:pic>
+        <p:nvPicPr>
+          <p:cNvPr id="7" name="Picture 6">
+            <a:extLst>
+              <a:ext uri="{FF2B5EF4-FFF2-40B4-BE49-F238E27FC236}">
+                <a16:creationId xmlns:a16="http://schemas.microsoft.com/office/drawing/2014/main" id="{7FAD9DCD-A595-4EF2-94B3-7A7595690736}"/>
+              </a:ext>
+            </a:extLst>
+          </p:cNvPr>
+          <p:cNvPicPr>
+            <a:picLocks noChangeAspect="1"/>
+          </p:cNvPicPr>
+          <p:nvPr/>
+        </p:nvPicPr>
+        <p:blipFill>
+          <a:blip r:embed="rId3"/>
+          <a:stretch>
+            <a:fillRect/>
+          </a:stretch>
+        </p:blipFill>
+        <p:spPr>
+          <a:xfrm>
+            <a:off x="411957" y="1509444"/>
+            <a:ext cx="11364911" cy="3839111"/>
+          </a:xfrm>
+          <a:prstGeom prst="rect">
+            <a:avLst/>
+          </a:prstGeom>
+        </p:spPr>
+      </p:pic>
     </p:spTree>
     <p:extLst>
       <p:ext uri="{BB962C8B-B14F-4D97-AF65-F5344CB8AC3E}">
@@ -18769,10 +18762,9 @@
           <a:lstStyle/>
           <a:p>
             <a:r>
-              <a:rPr lang="en-US"/>
+              <a:rPr lang="en-US" dirty="0"/>
               <a:t>Introduction</a:t>
             </a:r>
-            <a:endParaRPr lang="en-US" dirty="0"/>
           </a:p>
         </p:txBody>
       </p:sp>
@@ -18788,32 +18780,54 @@
         </p:nvSpPr>
         <p:spPr/>
         <p:txBody>
-          <a:bodyPr/>
+          <a:bodyPr>
+            <a:normAutofit fontScale="92500" lnSpcReduction="20000"/>
+          </a:bodyPr>
           <a:lstStyle/>
+          <a:p>
+            <a:pPr marL="0" indent="0">
+              <a:buNone/>
+            </a:pPr>
+            <a:r>
+              <a:rPr lang="en-US" sz="3600" dirty="0"/>
+              <a:t>S-Mart: Shop Smart, Shop S-Mart</a:t>
+            </a:r>
+            <a:endParaRPr lang="en-US" dirty="0"/>
+          </a:p>
           <a:p>
             <a:r>
               <a:rPr lang="en-US" dirty="0"/>
-              <a:t>Describe the products or services your company provides at a </a:t>
-            </a:r>
-            <a:br>
-              <a:rPr lang="en-US" dirty="0"/>
-            </a:br>
-            <a:r>
-              <a:rPr lang="en-US" dirty="0"/>
-              <a:t>high level. </a:t>
+              <a:t>For S-Mart, setting the right price for a given product is critical.</a:t>
             </a:r>
           </a:p>
           <a:p>
             <a:r>
               <a:rPr lang="en-US" dirty="0"/>
-              <a:t>Example:</a:t>
+              <a:t> If price too low, profit per unit will be too low</a:t>
             </a:r>
           </a:p>
           <a:p>
-            <a:pPr lvl="1"/>
             <a:r>
               <a:rPr lang="en-US" dirty="0"/>
-              <a:t>Trey Research offers complete solutions for strategic market planning, from global business intelligence reports to targeted market analysis.</a:t>
+              <a:t>If price too high, the units sold will be too low and product will be wasted </a:t>
+            </a:r>
+          </a:p>
+          <a:p>
+            <a:r>
+              <a:rPr lang="en-US" dirty="0"/>
+              <a:t>To maximize profits, the business needs to find the optimum price.</a:t>
+            </a:r>
+          </a:p>
+          <a:p>
+            <a:r>
+              <a:rPr lang="en-US" dirty="0"/>
+              <a:t>Using sales data, we’ve built a model to predict and compare units sold and revenue for all nine locations.</a:t>
+            </a:r>
+          </a:p>
+          <a:p>
+            <a:r>
+              <a:rPr lang="en-US" dirty="0"/>
+              <a:t>Using this model, we can ensure our locations are properly stocked and staffed for the coming week's sales.</a:t>
             </a:r>
           </a:p>
         </p:txBody>
@@ -24110,51 +24124,51 @@
           <a:lstStyle/>
           <a:p>
             <a:r>
-              <a:rPr lang="en-US"/>
-              <a:t>Summarize the key benefits provided by the product or service you are promoting.</a:t>
+              <a:rPr lang="en-US" dirty="0"/>
+              <a:t>The model predicts based on:</a:t>
             </a:r>
           </a:p>
           <a:p>
+            <a:pPr lvl="1"/>
             <a:r>
-              <a:rPr lang="en-US"/>
-              <a:t>Example:</a:t>
+              <a:rPr lang="en-US" dirty="0"/>
+              <a:t>Product</a:t>
+            </a:r>
+          </a:p>
+          <a:p>
+            <a:pPr lvl="1"/>
+            <a:r>
+              <a:rPr lang="en-US" dirty="0"/>
+              <a:t>Store</a:t>
+            </a:r>
+          </a:p>
+          <a:p>
+            <a:pPr lvl="1"/>
+            <a:r>
+              <a:rPr lang="en-US" dirty="0"/>
+              <a:t>Week of year</a:t>
+            </a:r>
+          </a:p>
+          <a:p>
+            <a:pPr lvl="1"/>
+            <a:r>
+              <a:rPr lang="en-US" dirty="0"/>
+              <a:t>Base price</a:t>
             </a:r>
           </a:p>
           <a:p>
             <a:pPr lvl="1"/>
             <a:r>
               <a:rPr lang="en-US"/>
-              <a:t>Investment in market research is an investment in your product’s success!</a:t>
+              <a:t>Actual price</a:t>
             </a:r>
+            <a:endParaRPr lang="en-US" dirty="0"/>
           </a:p>
           <a:p>
-            <a:pPr lvl="2"/>
             <a:r>
-              <a:rPr lang="en-US"/>
-              <a:t>Know your customer</a:t>
+              <a:rPr lang="en-US" dirty="0"/>
+              <a:t>It is simple and easy to retrain</a:t>
             </a:r>
-          </a:p>
-          <a:p>
-            <a:pPr lvl="2"/>
-            <a:r>
-              <a:rPr lang="en-US"/>
-              <a:t>Know your competition</a:t>
-            </a:r>
-          </a:p>
-          <a:p>
-            <a:pPr lvl="2"/>
-            <a:r>
-              <a:rPr lang="en-US"/>
-              <a:t>Timing is everything</a:t>
-            </a:r>
-          </a:p>
-          <a:p>
-            <a:pPr lvl="2"/>
-            <a:r>
-              <a:rPr lang="en-US"/>
-              <a:t>Track and adjust</a:t>
-            </a:r>
-            <a:endParaRPr lang="en-US" dirty="0"/>
           </a:p>
         </p:txBody>
       </p:sp>

--- a/Project4_SalesPredictor.pptx
+++ b/Project4_SalesPredictor.pptx
@@ -199,6 +199,14 @@
 </p:presentation>
 </file>
 
+<file path=ppt/revisionInfo.xml><?xml version="1.0" encoding="utf-8"?>
+<p1510:revInfo xmlns:a="http://schemas.openxmlformats.org/drawingml/2006/main" xmlns:r="http://schemas.openxmlformats.org/officeDocument/2006/relationships" xmlns:p1510="http://schemas.microsoft.com/office/powerpoint/2015/10/main">
+  <p1510:revLst>
+    <p1510:client id="{58E8EA7F-7C44-4580-9B47-C6E7E8D7B6BA}" v="1" dt="2021-11-30T23:02:36.511"/>
+  </p1510:revLst>
+</p1510:revInfo>
+</file>
+
 <file path=ppt/changesInfos/changesInfo1.xml><?xml version="1.0" encoding="utf-8"?>
 <pc:chgInfo xmlns:a="http://schemas.openxmlformats.org/drawingml/2006/main" xmlns:r="http://schemas.openxmlformats.org/officeDocument/2006/relationships" xmlns:ac="http://schemas.microsoft.com/office/drawing/2013/main/command" xmlns:pc="http://schemas.microsoft.com/office/powerpoint/2013/main/command">
   <pc:docChgLst>
@@ -366,7 +374,7 @@
   <pc:docChgLst>
     <pc:chgData name="John Clos" userId="35f71590851144db" providerId="LiveId" clId="{58E8EA7F-7C44-4580-9B47-C6E7E8D7B6BA}"/>
     <pc:docChg chg="undo custSel modSld">
-      <pc:chgData name="John Clos" userId="35f71590851144db" providerId="LiveId" clId="{58E8EA7F-7C44-4580-9B47-C6E7E8D7B6BA}" dt="2021-11-30T03:05:15.171" v="299" actId="20577"/>
+      <pc:chgData name="John Clos" userId="35f71590851144db" providerId="LiveId" clId="{58E8EA7F-7C44-4580-9B47-C6E7E8D7B6BA}" dt="2021-11-30T23:16:54.008" v="435" actId="20577"/>
       <pc:docMkLst>
         <pc:docMk/>
       </pc:docMkLst>
@@ -493,931 +501,75 @@
           </ac:spMkLst>
         </pc:spChg>
       </pc:sldChg>
+      <pc:sldChg chg="addSp delSp modSp mod">
+        <pc:chgData name="John Clos" userId="35f71590851144db" providerId="LiveId" clId="{58E8EA7F-7C44-4580-9B47-C6E7E8D7B6BA}" dt="2021-11-30T23:16:54.008" v="435" actId="20577"/>
+        <pc:sldMkLst>
+          <pc:docMk/>
+          <pc:sldMk cId="391894709" sldId="268"/>
+        </pc:sldMkLst>
+        <pc:spChg chg="mod">
+          <ac:chgData name="John Clos" userId="35f71590851144db" providerId="LiveId" clId="{58E8EA7F-7C44-4580-9B47-C6E7E8D7B6BA}" dt="2021-11-30T23:16:54.008" v="435" actId="20577"/>
+          <ac:spMkLst>
+            <pc:docMk/>
+            <pc:sldMk cId="391894709" sldId="268"/>
+            <ac:spMk id="2" creationId="{00000000-0000-0000-0000-000000000000}"/>
+          </ac:spMkLst>
+        </pc:spChg>
+        <pc:spChg chg="mod">
+          <ac:chgData name="John Clos" userId="35f71590851144db" providerId="LiveId" clId="{58E8EA7F-7C44-4580-9B47-C6E7E8D7B6BA}" dt="2021-11-30T23:09:53.829" v="422" actId="1076"/>
+          <ac:spMkLst>
+            <pc:docMk/>
+            <pc:sldMk cId="391894709" sldId="268"/>
+            <ac:spMk id="3" creationId="{00000000-0000-0000-0000-000000000000}"/>
+          </ac:spMkLst>
+        </pc:spChg>
+        <pc:spChg chg="add del mod">
+          <ac:chgData name="John Clos" userId="35f71590851144db" providerId="LiveId" clId="{58E8EA7F-7C44-4580-9B47-C6E7E8D7B6BA}" dt="2021-11-30T23:02:24.735" v="324" actId="478"/>
+          <ac:spMkLst>
+            <pc:docMk/>
+            <pc:sldMk cId="391894709" sldId="268"/>
+            <ac:spMk id="6" creationId="{405C27BB-0104-446B-B8A3-A57397CA833B}"/>
+          </ac:spMkLst>
+        </pc:spChg>
+        <pc:spChg chg="add mod">
+          <ac:chgData name="John Clos" userId="35f71590851144db" providerId="LiveId" clId="{58E8EA7F-7C44-4580-9B47-C6E7E8D7B6BA}" dt="2021-11-30T23:16:43.476" v="434" actId="20577"/>
+          <ac:spMkLst>
+            <pc:docMk/>
+            <pc:sldMk cId="391894709" sldId="268"/>
+            <ac:spMk id="7" creationId="{DB376CA9-F44E-44C0-98E7-521AF9BFB8ED}"/>
+          </ac:spMkLst>
+        </pc:spChg>
+        <pc:graphicFrameChg chg="del">
+          <ac:chgData name="John Clos" userId="35f71590851144db" providerId="LiveId" clId="{58E8EA7F-7C44-4580-9B47-C6E7E8D7B6BA}" dt="2021-11-30T23:02:22.608" v="323" actId="478"/>
+          <ac:graphicFrameMkLst>
+            <pc:docMk/>
+            <pc:sldMk cId="391894709" sldId="268"/>
+            <ac:graphicFrameMk id="5" creationId="{00000000-0000-0000-0000-000000000000}"/>
+          </ac:graphicFrameMkLst>
+        </pc:graphicFrameChg>
+        <pc:picChg chg="add mod modCrop">
+          <ac:chgData name="John Clos" userId="35f71590851144db" providerId="LiveId" clId="{58E8EA7F-7C44-4580-9B47-C6E7E8D7B6BA}" dt="2021-11-30T23:10:46.455" v="429" actId="14100"/>
+          <ac:picMkLst>
+            <pc:docMk/>
+            <pc:sldMk cId="391894709" sldId="268"/>
+            <ac:picMk id="9" creationId="{BCD39BF0-AAEB-4D2E-AD1B-4EBCD55E9AF8}"/>
+          </ac:picMkLst>
+        </pc:picChg>
+        <pc:picChg chg="add mod modCrop">
+          <ac:chgData name="John Clos" userId="35f71590851144db" providerId="LiveId" clId="{58E8EA7F-7C44-4580-9B47-C6E7E8D7B6BA}" dt="2021-11-30T23:10:59.321" v="431" actId="1076"/>
+          <ac:picMkLst>
+            <pc:docMk/>
+            <pc:sldMk cId="391894709" sldId="268"/>
+            <ac:picMk id="11" creationId="{3FFB786C-24FA-4E71-996F-684DEB79D6DD}"/>
+          </ac:picMkLst>
+        </pc:picChg>
+      </pc:sldChg>
     </pc:docChg>
   </pc:docChgLst>
 </pc:chgInfo>
 </file>
 
 <file path=ppt/diagrams/colors1.xml><?xml version="1.0" encoding="utf-8"?>
-<dgm:colorsDef xmlns:dgm="http://schemas.openxmlformats.org/drawingml/2006/diagram" xmlns:a="http://schemas.openxmlformats.org/drawingml/2006/main" uniqueId="urn:microsoft.com/office/officeart/2005/8/colors/colorful1">
-  <dgm:title val=""/>
-  <dgm:desc val=""/>
-  <dgm:catLst>
-    <dgm:cat type="colorful" pri="10100"/>
-  </dgm:catLst>
-  <dgm:styleLbl name="node0">
-    <dgm:fillClrLst meth="repeat">
-      <a:schemeClr val="accent1"/>
-    </dgm:fillClrLst>
-    <dgm:linClrLst meth="repeat">
-      <a:schemeClr val="lt1"/>
-    </dgm:linClrLst>
-    <dgm:effectClrLst/>
-    <dgm:txLinClrLst/>
-    <dgm:txFillClrLst/>
-    <dgm:txEffectClrLst/>
-  </dgm:styleLbl>
-  <dgm:styleLbl name="node1">
-    <dgm:fillClrLst meth="repeat">
-      <a:schemeClr val="accent2"/>
-      <a:schemeClr val="accent3"/>
-      <a:schemeClr val="accent4"/>
-      <a:schemeClr val="accent5"/>
-      <a:schemeClr val="accent6"/>
-    </dgm:fillClrLst>
-    <dgm:linClrLst meth="repeat">
-      <a:schemeClr val="lt1"/>
-    </dgm:linClrLst>
-    <dgm:effectClrLst/>
-    <dgm:txLinClrLst/>
-    <dgm:txFillClrLst/>
-    <dgm:txEffectClrLst/>
-  </dgm:styleLbl>
-  <dgm:styleLbl name="alignNode1">
-    <dgm:fillClrLst meth="repeat">
-      <a:schemeClr val="accent2"/>
-      <a:schemeClr val="accent3"/>
-      <a:schemeClr val="accent4"/>
-      <a:schemeClr val="accent5"/>
-      <a:schemeClr val="accent6"/>
-    </dgm:fillClrLst>
-    <dgm:linClrLst meth="repeat">
-      <a:schemeClr val="accent2"/>
-      <a:schemeClr val="accent3"/>
-      <a:schemeClr val="accent4"/>
-      <a:schemeClr val="accent5"/>
-      <a:schemeClr val="accent6"/>
-    </dgm:linClrLst>
-    <dgm:effectClrLst/>
-    <dgm:txLinClrLst/>
-    <dgm:txFillClrLst/>
-    <dgm:txEffectClrLst/>
-  </dgm:styleLbl>
-  <dgm:styleLbl name="lnNode1">
-    <dgm:fillClrLst meth="repeat">
-      <a:schemeClr val="accent2"/>
-      <a:schemeClr val="accent3"/>
-      <a:schemeClr val="accent4"/>
-      <a:schemeClr val="accent5"/>
-      <a:schemeClr val="accent6"/>
-    </dgm:fillClrLst>
-    <dgm:linClrLst meth="repeat">
-      <a:schemeClr val="lt1"/>
-    </dgm:linClrLst>
-    <dgm:effectClrLst/>
-    <dgm:txLinClrLst/>
-    <dgm:txFillClrLst/>
-    <dgm:txEffectClrLst/>
-  </dgm:styleLbl>
-  <dgm:styleLbl name="vennNode1">
-    <dgm:fillClrLst meth="repeat">
-      <a:schemeClr val="accent2">
-        <a:alpha val="50000"/>
-      </a:schemeClr>
-      <a:schemeClr val="accent3">
-        <a:alpha val="50000"/>
-      </a:schemeClr>
-      <a:schemeClr val="accent4">
-        <a:alpha val="50000"/>
-      </a:schemeClr>
-      <a:schemeClr val="accent5">
-        <a:alpha val="50000"/>
-      </a:schemeClr>
-      <a:schemeClr val="accent6">
-        <a:alpha val="50000"/>
-      </a:schemeClr>
-    </dgm:fillClrLst>
-    <dgm:linClrLst meth="repeat">
-      <a:schemeClr val="lt1"/>
-    </dgm:linClrLst>
-    <dgm:effectClrLst/>
-    <dgm:txLinClrLst/>
-    <dgm:txFillClrLst/>
-    <dgm:txEffectClrLst/>
-  </dgm:styleLbl>
-  <dgm:styleLbl name="node2">
-    <dgm:fillClrLst>
-      <a:schemeClr val="accent2"/>
-    </dgm:fillClrLst>
-    <dgm:linClrLst meth="repeat">
-      <a:schemeClr val="lt1"/>
-    </dgm:linClrLst>
-    <dgm:effectClrLst/>
-    <dgm:txLinClrLst/>
-    <dgm:txFillClrLst/>
-    <dgm:txEffectClrLst/>
-  </dgm:styleLbl>
-  <dgm:styleLbl name="node3">
-    <dgm:fillClrLst>
-      <a:schemeClr val="accent3"/>
-    </dgm:fillClrLst>
-    <dgm:linClrLst meth="repeat">
-      <a:schemeClr val="lt1"/>
-    </dgm:linClrLst>
-    <dgm:effectClrLst/>
-    <dgm:txLinClrLst/>
-    <dgm:txFillClrLst/>
-    <dgm:txEffectClrLst/>
-  </dgm:styleLbl>
-  <dgm:styleLbl name="node4">
-    <dgm:fillClrLst>
-      <a:schemeClr val="accent4"/>
-    </dgm:fillClrLst>
-    <dgm:linClrLst meth="repeat">
-      <a:schemeClr val="lt1"/>
-    </dgm:linClrLst>
-    <dgm:effectClrLst/>
-    <dgm:txLinClrLst/>
-    <dgm:txFillClrLst/>
-    <dgm:txEffectClrLst/>
-  </dgm:styleLbl>
-  <dgm:styleLbl name="fgImgPlace1">
-    <dgm:fillClrLst meth="repeat">
-      <a:schemeClr val="accent2">
-        <a:tint val="50000"/>
-      </a:schemeClr>
-      <a:schemeClr val="accent3">
-        <a:tint val="50000"/>
-      </a:schemeClr>
-      <a:schemeClr val="accent4">
-        <a:tint val="50000"/>
-      </a:schemeClr>
-      <a:schemeClr val="accent5">
-        <a:tint val="50000"/>
-      </a:schemeClr>
-      <a:schemeClr val="accent6">
-        <a:tint val="50000"/>
-      </a:schemeClr>
-    </dgm:fillClrLst>
-    <dgm:linClrLst meth="repeat">
-      <a:schemeClr val="lt1"/>
-    </dgm:linClrLst>
-    <dgm:effectClrLst/>
-    <dgm:txLinClrLst/>
-    <dgm:txFillClrLst meth="repeat">
-      <a:schemeClr val="lt1"/>
-    </dgm:txFillClrLst>
-    <dgm:txEffectClrLst/>
-  </dgm:styleLbl>
-  <dgm:styleLbl name="alignImgPlace1">
-    <dgm:fillClrLst>
-      <a:schemeClr val="accent1">
-        <a:tint val="50000"/>
-      </a:schemeClr>
-      <a:schemeClr val="accent2">
-        <a:tint val="20000"/>
-      </a:schemeClr>
-    </dgm:fillClrLst>
-    <dgm:linClrLst meth="repeat">
-      <a:schemeClr val="lt1"/>
-    </dgm:linClrLst>
-    <dgm:effectClrLst/>
-    <dgm:txLinClrLst/>
-    <dgm:txFillClrLst meth="repeat">
-      <a:schemeClr val="lt1"/>
-    </dgm:txFillClrLst>
-    <dgm:txEffectClrLst/>
-  </dgm:styleLbl>
-  <dgm:styleLbl name="bgImgPlace1">
-    <dgm:fillClrLst>
-      <a:schemeClr val="accent1">
-        <a:tint val="50000"/>
-      </a:schemeClr>
-      <a:schemeClr val="accent2">
-        <a:tint val="20000"/>
-      </a:schemeClr>
-    </dgm:fillClrLst>
-    <dgm:linClrLst meth="repeat">
-      <a:schemeClr val="lt1"/>
-    </dgm:linClrLst>
-    <dgm:effectClrLst/>
-    <dgm:txLinClrLst/>
-    <dgm:txFillClrLst meth="repeat">
-      <a:schemeClr val="lt1"/>
-    </dgm:txFillClrLst>
-    <dgm:txEffectClrLst/>
-  </dgm:styleLbl>
-  <dgm:styleLbl name="sibTrans2D1">
-    <dgm:fillClrLst meth="repeat">
-      <a:schemeClr val="accent2"/>
-      <a:schemeClr val="accent3"/>
-      <a:schemeClr val="accent4"/>
-      <a:schemeClr val="accent5"/>
-      <a:schemeClr val="accent6"/>
-    </dgm:fillClrLst>
-    <dgm:linClrLst meth="cycle">
-      <a:schemeClr val="lt1"/>
-    </dgm:linClrLst>
-    <dgm:effectClrLst/>
-    <dgm:txLinClrLst/>
-    <dgm:txFillClrLst/>
-    <dgm:txEffectClrLst/>
-  </dgm:styleLbl>
-  <dgm:styleLbl name="fgSibTrans2D1">
-    <dgm:fillClrLst meth="repeat">
-      <a:schemeClr val="accent2"/>
-      <a:schemeClr val="accent3"/>
-      <a:schemeClr val="accent4"/>
-      <a:schemeClr val="accent5"/>
-      <a:schemeClr val="accent6"/>
-    </dgm:fillClrLst>
-    <dgm:linClrLst meth="cycle">
-      <a:schemeClr val="lt1"/>
-    </dgm:linClrLst>
-    <dgm:effectClrLst/>
-    <dgm:txLinClrLst/>
-    <dgm:txFillClrLst meth="repeat">
-      <a:schemeClr val="lt1"/>
-    </dgm:txFillClrLst>
-    <dgm:txEffectClrLst/>
-  </dgm:styleLbl>
-  <dgm:styleLbl name="bgSibTrans2D1">
-    <dgm:fillClrLst meth="repeat">
-      <a:schemeClr val="accent2"/>
-      <a:schemeClr val="accent3"/>
-      <a:schemeClr val="accent4"/>
-      <a:schemeClr val="accent5"/>
-      <a:schemeClr val="accent6"/>
-    </dgm:fillClrLst>
-    <dgm:linClrLst meth="cycle">
-      <a:schemeClr val="lt1"/>
-    </dgm:linClrLst>
-    <dgm:effectClrLst/>
-    <dgm:txLinClrLst/>
-    <dgm:txFillClrLst meth="repeat">
-      <a:schemeClr val="lt1"/>
-    </dgm:txFillClrLst>
-    <dgm:txEffectClrLst/>
-  </dgm:styleLbl>
-  <dgm:styleLbl name="sibTrans1D1">
-    <dgm:fillClrLst meth="repeat">
-      <a:schemeClr val="accent2"/>
-      <a:schemeClr val="accent3"/>
-      <a:schemeClr val="accent4"/>
-      <a:schemeClr val="accent5"/>
-      <a:schemeClr val="accent6"/>
-    </dgm:fillClrLst>
-    <dgm:linClrLst meth="repeat">
-      <a:schemeClr val="accent2"/>
-      <a:schemeClr val="accent3"/>
-      <a:schemeClr val="accent4"/>
-      <a:schemeClr val="accent5"/>
-      <a:schemeClr val="accent6"/>
-    </dgm:linClrLst>
-    <dgm:effectClrLst/>
-    <dgm:txLinClrLst/>
-    <dgm:txFillClrLst meth="repeat">
-      <a:schemeClr val="tx1"/>
-    </dgm:txFillClrLst>
-    <dgm:txEffectClrLst/>
-  </dgm:styleLbl>
-  <dgm:styleLbl name="callout">
-    <dgm:fillClrLst meth="repeat">
-      <a:schemeClr val="accent2"/>
-    </dgm:fillClrLst>
-    <dgm:linClrLst meth="repeat">
-      <a:schemeClr val="accent2">
-        <a:tint val="50000"/>
-      </a:schemeClr>
-    </dgm:linClrLst>
-    <dgm:effectClrLst/>
-    <dgm:txLinClrLst/>
-    <dgm:txFillClrLst meth="repeat">
-      <a:schemeClr val="tx1"/>
-    </dgm:txFillClrLst>
-    <dgm:txEffectClrLst/>
-  </dgm:styleLbl>
-  <dgm:styleLbl name="asst0">
-    <dgm:fillClrLst meth="repeat">
-      <a:schemeClr val="accent1"/>
-    </dgm:fillClrLst>
-    <dgm:linClrLst meth="repeat">
-      <a:schemeClr val="lt1"/>
-    </dgm:linClrLst>
-    <dgm:effectClrLst/>
-    <dgm:txLinClrLst/>
-    <dgm:txFillClrLst/>
-    <dgm:txEffectClrLst/>
-  </dgm:styleLbl>
-  <dgm:styleLbl name="asst1">
-    <dgm:fillClrLst meth="repeat">
-      <a:schemeClr val="accent2"/>
-    </dgm:fillClrLst>
-    <dgm:linClrLst meth="repeat">
-      <a:schemeClr val="lt1"/>
-    </dgm:linClrLst>
-    <dgm:effectClrLst/>
-    <dgm:txLinClrLst/>
-    <dgm:txFillClrLst/>
-    <dgm:txEffectClrLst/>
-  </dgm:styleLbl>
-  <dgm:styleLbl name="asst2">
-    <dgm:fillClrLst>
-      <a:schemeClr val="accent3"/>
-    </dgm:fillClrLst>
-    <dgm:linClrLst meth="repeat">
-      <a:schemeClr val="lt1"/>
-    </dgm:linClrLst>
-    <dgm:effectClrLst/>
-    <dgm:txLinClrLst/>
-    <dgm:txFillClrLst/>
-    <dgm:txEffectClrLst/>
-  </dgm:styleLbl>
-  <dgm:styleLbl name="asst3">
-    <dgm:fillClrLst>
-      <a:schemeClr val="accent4"/>
-    </dgm:fillClrLst>
-    <dgm:linClrLst meth="repeat">
-      <a:schemeClr val="lt1"/>
-    </dgm:linClrLst>
-    <dgm:effectClrLst/>
-    <dgm:txLinClrLst/>
-    <dgm:txFillClrLst/>
-    <dgm:txEffectClrLst/>
-  </dgm:styleLbl>
-  <dgm:styleLbl name="asst4">
-    <dgm:fillClrLst>
-      <a:schemeClr val="accent5"/>
-    </dgm:fillClrLst>
-    <dgm:linClrLst meth="repeat">
-      <a:schemeClr val="lt1"/>
-    </dgm:linClrLst>
-    <dgm:effectClrLst/>
-    <dgm:txLinClrLst/>
-    <dgm:txFillClrLst/>
-    <dgm:txEffectClrLst/>
-  </dgm:styleLbl>
-  <dgm:styleLbl name="parChTrans2D1">
-    <dgm:fillClrLst meth="repeat">
-      <a:schemeClr val="accent2"/>
-    </dgm:fillClrLst>
-    <dgm:linClrLst meth="repeat">
-      <a:schemeClr val="lt1"/>
-    </dgm:linClrLst>
-    <dgm:effectClrLst/>
-    <dgm:txLinClrLst/>
-    <dgm:txFillClrLst meth="repeat">
-      <a:schemeClr val="lt1"/>
-    </dgm:txFillClrLst>
-    <dgm:txEffectClrLst/>
-  </dgm:styleLbl>
-  <dgm:styleLbl name="parChTrans2D2">
-    <dgm:fillClrLst meth="repeat">
-      <a:schemeClr val="accent3"/>
-    </dgm:fillClrLst>
-    <dgm:linClrLst meth="repeat">
-      <a:schemeClr val="lt1"/>
-    </dgm:linClrLst>
-    <dgm:effectClrLst/>
-    <dgm:txLinClrLst/>
-    <dgm:txFillClrLst/>
-    <dgm:txEffectClrLst/>
-  </dgm:styleLbl>
-  <dgm:styleLbl name="parChTrans2D3">
-    <dgm:fillClrLst meth="repeat">
-      <a:schemeClr val="accent4"/>
-    </dgm:fillClrLst>
-    <dgm:linClrLst meth="repeat">
-      <a:schemeClr val="lt1"/>
-    </dgm:linClrLst>
-    <dgm:effectClrLst/>
-    <dgm:txLinClrLst/>
-    <dgm:txFillClrLst/>
-    <dgm:txEffectClrLst/>
-  </dgm:styleLbl>
-  <dgm:styleLbl name="parChTrans2D4">
-    <dgm:fillClrLst meth="repeat">
-      <a:schemeClr val="accent5"/>
-    </dgm:fillClrLst>
-    <dgm:linClrLst meth="repeat">
-      <a:schemeClr val="lt1"/>
-    </dgm:linClrLst>
-    <dgm:effectClrLst/>
-    <dgm:txLinClrLst/>
-    <dgm:txFillClrLst meth="repeat">
-      <a:schemeClr val="lt1"/>
-    </dgm:txFillClrLst>
-    <dgm:txEffectClrLst/>
-  </dgm:styleLbl>
-  <dgm:styleLbl name="parChTrans1D1">
-    <dgm:fillClrLst meth="repeat">
-      <a:schemeClr val="accent2"/>
-    </dgm:fillClrLst>
-    <dgm:linClrLst meth="repeat">
-      <a:schemeClr val="accent1"/>
-    </dgm:linClrLst>
-    <dgm:effectClrLst/>
-    <dgm:txLinClrLst/>
-    <dgm:txFillClrLst meth="repeat">
-      <a:schemeClr val="tx1"/>
-    </dgm:txFillClrLst>
-    <dgm:txEffectClrLst/>
-  </dgm:styleLbl>
-  <dgm:styleLbl name="parChTrans1D2">
-    <dgm:fillClrLst meth="repeat">
-      <a:schemeClr val="accent3">
-        <a:tint val="90000"/>
-      </a:schemeClr>
-    </dgm:fillClrLst>
-    <dgm:linClrLst meth="repeat">
-      <a:schemeClr val="accent2"/>
-    </dgm:linClrLst>
-    <dgm:effectClrLst/>
-    <dgm:txLinClrLst/>
-    <dgm:txFillClrLst meth="repeat">
-      <a:schemeClr val="tx1"/>
-    </dgm:txFillClrLst>
-    <dgm:txEffectClrLst/>
-  </dgm:styleLbl>
-  <dgm:styleLbl name="parChTrans1D3">
-    <dgm:fillClrLst meth="repeat">
-      <a:schemeClr val="accent4">
-        <a:tint val="70000"/>
-      </a:schemeClr>
-    </dgm:fillClrLst>
-    <dgm:linClrLst meth="repeat">
-      <a:schemeClr val="accent3"/>
-    </dgm:linClrLst>
-    <dgm:effectClrLst/>
-    <dgm:txLinClrLst/>
-    <dgm:txFillClrLst meth="repeat">
-      <a:schemeClr val="tx1"/>
-    </dgm:txFillClrLst>
-    <dgm:txEffectClrLst/>
-  </dgm:styleLbl>
-  <dgm:styleLbl name="parChTrans1D4">
-    <dgm:fillClrLst meth="repeat">
-      <a:schemeClr val="accent5">
-        <a:tint val="50000"/>
-      </a:schemeClr>
-    </dgm:fillClrLst>
-    <dgm:linClrLst meth="repeat">
-      <a:schemeClr val="accent4"/>
-    </dgm:linClrLst>
-    <dgm:effectClrLst/>
-    <dgm:txLinClrLst/>
-    <dgm:txFillClrLst meth="repeat">
-      <a:schemeClr val="tx1"/>
-    </dgm:txFillClrLst>
-    <dgm:txEffectClrLst/>
-  </dgm:styleLbl>
-  <dgm:styleLbl name="fgAcc1">
-    <dgm:fillClrLst meth="repeat">
-      <a:schemeClr val="lt1">
-        <a:alpha val="90000"/>
-      </a:schemeClr>
-    </dgm:fillClrLst>
-    <dgm:linClrLst meth="repeat">
-      <a:schemeClr val="accent2"/>
-      <a:schemeClr val="accent3"/>
-      <a:schemeClr val="accent4"/>
-      <a:schemeClr val="accent5"/>
-      <a:schemeClr val="accent6"/>
-    </dgm:linClrLst>
-    <dgm:effectClrLst/>
-    <dgm:txLinClrLst/>
-    <dgm:txFillClrLst meth="repeat">
-      <a:schemeClr val="dk1"/>
-    </dgm:txFillClrLst>
-    <dgm:txEffectClrLst/>
-  </dgm:styleLbl>
-  <dgm:styleLbl name="conFgAcc1">
-    <dgm:fillClrLst meth="repeat">
-      <a:schemeClr val="lt1">
-        <a:alpha val="90000"/>
-      </a:schemeClr>
-    </dgm:fillClrLst>
-    <dgm:linClrLst meth="repeat">
-      <a:schemeClr val="accent2"/>
-      <a:schemeClr val="accent3"/>
-      <a:schemeClr val="accent4"/>
-      <a:schemeClr val="accent5"/>
-      <a:schemeClr val="accent6"/>
-    </dgm:linClrLst>
-    <dgm:effectClrLst/>
-    <dgm:txLinClrLst/>
-    <dgm:txFillClrLst meth="repeat">
-      <a:schemeClr val="dk1"/>
-    </dgm:txFillClrLst>
-    <dgm:txEffectClrLst/>
-  </dgm:styleLbl>
-  <dgm:styleLbl name="alignAcc1">
-    <dgm:fillClrLst meth="repeat">
-      <a:schemeClr val="lt1">
-        <a:alpha val="90000"/>
-      </a:schemeClr>
-    </dgm:fillClrLst>
-    <dgm:linClrLst meth="repeat">
-      <a:schemeClr val="accent2"/>
-      <a:schemeClr val="accent3"/>
-      <a:schemeClr val="accent4"/>
-      <a:schemeClr val="accent5"/>
-      <a:schemeClr val="accent6"/>
-    </dgm:linClrLst>
-    <dgm:effectClrLst/>
-    <dgm:txLinClrLst/>
-    <dgm:txFillClrLst meth="repeat">
-      <a:schemeClr val="dk1"/>
-    </dgm:txFillClrLst>
-    <dgm:txEffectClrLst/>
-  </dgm:styleLbl>
-  <dgm:styleLbl name="trAlignAcc1">
-    <dgm:fillClrLst meth="repeat">
-      <a:schemeClr val="lt1">
-        <a:alpha val="40000"/>
-      </a:schemeClr>
-    </dgm:fillClrLst>
-    <dgm:linClrLst meth="repeat">
-      <a:schemeClr val="accent1"/>
-    </dgm:linClrLst>
-    <dgm:effectClrLst/>
-    <dgm:txLinClrLst/>
-    <dgm:txFillClrLst meth="repeat">
-      <a:schemeClr val="dk1"/>
-    </dgm:txFillClrLst>
-    <dgm:txEffectClrLst/>
-  </dgm:styleLbl>
-  <dgm:styleLbl name="bgAcc1">
-    <dgm:fillClrLst meth="repeat">
-      <a:schemeClr val="lt1">
-        <a:alpha val="90000"/>
-      </a:schemeClr>
-    </dgm:fillClrLst>
-    <dgm:linClrLst meth="repeat">
-      <a:schemeClr val="accent2"/>
-      <a:schemeClr val="accent3"/>
-      <a:schemeClr val="accent4"/>
-      <a:schemeClr val="accent5"/>
-      <a:schemeClr val="accent6"/>
-    </dgm:linClrLst>
-    <dgm:effectClrLst/>
-    <dgm:txLinClrLst/>
-    <dgm:txFillClrLst meth="repeat">
-      <a:schemeClr val="dk1"/>
-    </dgm:txFillClrLst>
-    <dgm:txEffectClrLst/>
-  </dgm:styleLbl>
-  <dgm:styleLbl name="solidFgAcc1">
-    <dgm:fillClrLst meth="repeat">
-      <a:schemeClr val="lt1"/>
-    </dgm:fillClrLst>
-    <dgm:linClrLst meth="repeat">
-      <a:schemeClr val="accent2"/>
-      <a:schemeClr val="accent3"/>
-      <a:schemeClr val="accent4"/>
-      <a:schemeClr val="accent5"/>
-      <a:schemeClr val="accent6"/>
-    </dgm:linClrLst>
-    <dgm:effectClrLst/>
-    <dgm:txLinClrLst/>
-    <dgm:txFillClrLst meth="repeat">
-      <a:schemeClr val="dk1"/>
-    </dgm:txFillClrLst>
-    <dgm:txEffectClrLst/>
-  </dgm:styleLbl>
-  <dgm:styleLbl name="solidAlignAcc1">
-    <dgm:fillClrLst meth="repeat">
-      <a:schemeClr val="lt1"/>
-    </dgm:fillClrLst>
-    <dgm:linClrLst meth="repeat">
-      <a:schemeClr val="accent2"/>
-      <a:schemeClr val="accent3"/>
-      <a:schemeClr val="accent4"/>
-      <a:schemeClr val="accent5"/>
-      <a:schemeClr val="accent6"/>
-    </dgm:linClrLst>
-    <dgm:effectClrLst/>
-    <dgm:txLinClrLst/>
-    <dgm:txFillClrLst meth="repeat">
-      <a:schemeClr val="dk1"/>
-    </dgm:txFillClrLst>
-    <dgm:txEffectClrLst/>
-  </dgm:styleLbl>
-  <dgm:styleLbl name="solidBgAcc1">
-    <dgm:fillClrLst meth="repeat">
-      <a:schemeClr val="lt1"/>
-    </dgm:fillClrLst>
-    <dgm:linClrLst meth="repeat">
-      <a:schemeClr val="accent2"/>
-      <a:schemeClr val="accent3"/>
-      <a:schemeClr val="accent4"/>
-      <a:schemeClr val="accent5"/>
-      <a:schemeClr val="accent6"/>
-    </dgm:linClrLst>
-    <dgm:effectClrLst/>
-    <dgm:txLinClrLst/>
-    <dgm:txFillClrLst meth="repeat">
-      <a:schemeClr val="dk1"/>
-    </dgm:txFillClrLst>
-    <dgm:txEffectClrLst/>
-  </dgm:styleLbl>
-  <dgm:styleLbl name="fgAccFollowNode1">
-    <dgm:fillClrLst meth="repeat">
-      <a:schemeClr val="accent2">
-        <a:tint val="40000"/>
-        <a:alpha val="90000"/>
-      </a:schemeClr>
-      <a:schemeClr val="accent3">
-        <a:tint val="40000"/>
-        <a:alpha val="90000"/>
-      </a:schemeClr>
-      <a:schemeClr val="accent4">
-        <a:tint val="40000"/>
-        <a:alpha val="90000"/>
-      </a:schemeClr>
-      <a:schemeClr val="accent5">
-        <a:tint val="40000"/>
-        <a:alpha val="90000"/>
-      </a:schemeClr>
-      <a:schemeClr val="accent6">
-        <a:tint val="40000"/>
-        <a:alpha val="90000"/>
-      </a:schemeClr>
-    </dgm:fillClrLst>
-    <dgm:linClrLst meth="repeat">
-      <a:schemeClr val="accent2">
-        <a:tint val="40000"/>
-        <a:alpha val="90000"/>
-      </a:schemeClr>
-      <a:schemeClr val="accent3">
-        <a:tint val="40000"/>
-        <a:alpha val="90000"/>
-      </a:schemeClr>
-      <a:schemeClr val="accent4">
-        <a:tint val="40000"/>
-        <a:alpha val="90000"/>
-      </a:schemeClr>
-      <a:schemeClr val="accent5">
-        <a:tint val="40000"/>
-        <a:alpha val="90000"/>
-      </a:schemeClr>
-      <a:schemeClr val="accent6">
-        <a:tint val="40000"/>
-        <a:alpha val="90000"/>
-      </a:schemeClr>
-    </dgm:linClrLst>
-    <dgm:effectClrLst/>
-    <dgm:txLinClrLst/>
-    <dgm:txFillClrLst meth="repeat">
-      <a:schemeClr val="dk1"/>
-    </dgm:txFillClrLst>
-    <dgm:txEffectClrLst/>
-  </dgm:styleLbl>
-  <dgm:styleLbl name="alignAccFollowNode1">
-    <dgm:fillClrLst meth="repeat">
-      <a:schemeClr val="accent2">
-        <a:tint val="40000"/>
-        <a:alpha val="90000"/>
-      </a:schemeClr>
-      <a:schemeClr val="accent3">
-        <a:tint val="40000"/>
-        <a:alpha val="90000"/>
-      </a:schemeClr>
-      <a:schemeClr val="accent4">
-        <a:tint val="40000"/>
-        <a:alpha val="90000"/>
-      </a:schemeClr>
-      <a:schemeClr val="accent5">
-        <a:tint val="40000"/>
-        <a:alpha val="90000"/>
-      </a:schemeClr>
-      <a:schemeClr val="accent6">
-        <a:tint val="40000"/>
-        <a:alpha val="90000"/>
-      </a:schemeClr>
-    </dgm:fillClrLst>
-    <dgm:linClrLst meth="repeat">
-      <a:schemeClr val="accent2">
-        <a:tint val="40000"/>
-        <a:alpha val="90000"/>
-      </a:schemeClr>
-      <a:schemeClr val="accent3">
-        <a:tint val="40000"/>
-        <a:alpha val="90000"/>
-      </a:schemeClr>
-      <a:schemeClr val="accent4">
-        <a:tint val="40000"/>
-        <a:alpha val="90000"/>
-      </a:schemeClr>
-      <a:schemeClr val="accent5">
-        <a:tint val="40000"/>
-        <a:alpha val="90000"/>
-      </a:schemeClr>
-      <a:schemeClr val="accent6">
-        <a:tint val="40000"/>
-        <a:alpha val="90000"/>
-      </a:schemeClr>
-    </dgm:linClrLst>
-    <dgm:effectClrLst/>
-    <dgm:txLinClrLst/>
-    <dgm:txFillClrLst meth="repeat">
-      <a:schemeClr val="dk1"/>
-    </dgm:txFillClrLst>
-    <dgm:txEffectClrLst/>
-  </dgm:styleLbl>
-  <dgm:styleLbl name="bgAccFollowNode1">
-    <dgm:fillClrLst meth="repeat">
-      <a:schemeClr val="accent2">
-        <a:tint val="40000"/>
-        <a:alpha val="90000"/>
-      </a:schemeClr>
-      <a:schemeClr val="accent3">
-        <a:tint val="40000"/>
-        <a:alpha val="90000"/>
-      </a:schemeClr>
-      <a:schemeClr val="accent4">
-        <a:tint val="40000"/>
-        <a:alpha val="90000"/>
-      </a:schemeClr>
-      <a:schemeClr val="accent5">
-        <a:tint val="40000"/>
-        <a:alpha val="90000"/>
-      </a:schemeClr>
-      <a:schemeClr val="accent6">
-        <a:tint val="40000"/>
-        <a:alpha val="90000"/>
-      </a:schemeClr>
-    </dgm:fillClrLst>
-    <dgm:linClrLst meth="repeat">
-      <a:schemeClr val="accent2">
-        <a:tint val="40000"/>
-        <a:alpha val="90000"/>
-      </a:schemeClr>
-      <a:schemeClr val="accent3">
-        <a:tint val="40000"/>
-        <a:alpha val="90000"/>
-      </a:schemeClr>
-      <a:schemeClr val="accent4">
-        <a:tint val="40000"/>
-        <a:alpha val="90000"/>
-      </a:schemeClr>
-      <a:schemeClr val="accent5">
-        <a:tint val="40000"/>
-        <a:alpha val="90000"/>
-      </a:schemeClr>
-      <a:schemeClr val="accent6">
-        <a:tint val="40000"/>
-        <a:alpha val="90000"/>
-      </a:schemeClr>
-    </dgm:linClrLst>
-    <dgm:effectClrLst/>
-    <dgm:txLinClrLst/>
-    <dgm:txFillClrLst meth="repeat">
-      <a:schemeClr val="dk1"/>
-    </dgm:txFillClrLst>
-    <dgm:txEffectClrLst/>
-  </dgm:styleLbl>
-  <dgm:styleLbl name="fgAcc0">
-    <dgm:fillClrLst meth="repeat">
-      <a:schemeClr val="lt1">
-        <a:alpha val="90000"/>
-      </a:schemeClr>
-    </dgm:fillClrLst>
-    <dgm:linClrLst>
-      <a:schemeClr val="accent1"/>
-    </dgm:linClrLst>
-    <dgm:effectClrLst/>
-    <dgm:txLinClrLst/>
-    <dgm:txFillClrLst meth="repeat">
-      <a:schemeClr val="dk1"/>
-    </dgm:txFillClrLst>
-    <dgm:txEffectClrLst/>
-  </dgm:styleLbl>
-  <dgm:styleLbl name="fgAcc2">
-    <dgm:fillClrLst meth="repeat">
-      <a:schemeClr val="lt1">
-        <a:alpha val="90000"/>
-      </a:schemeClr>
-    </dgm:fillClrLst>
-    <dgm:linClrLst>
-      <a:schemeClr val="accent2"/>
-    </dgm:linClrLst>
-    <dgm:effectClrLst/>
-    <dgm:txLinClrLst/>
-    <dgm:txFillClrLst meth="repeat">
-      <a:schemeClr val="dk1"/>
-    </dgm:txFillClrLst>
-    <dgm:txEffectClrLst/>
-  </dgm:styleLbl>
-  <dgm:styleLbl name="fgAcc3">
-    <dgm:fillClrLst meth="repeat">
-      <a:schemeClr val="lt1">
-        <a:alpha val="90000"/>
-      </a:schemeClr>
-    </dgm:fillClrLst>
-    <dgm:linClrLst>
-      <a:schemeClr val="accent3"/>
-    </dgm:linClrLst>
-    <dgm:effectClrLst/>
-    <dgm:txLinClrLst/>
-    <dgm:txFillClrLst meth="repeat">
-      <a:schemeClr val="dk1"/>
-    </dgm:txFillClrLst>
-    <dgm:txEffectClrLst/>
-  </dgm:styleLbl>
-  <dgm:styleLbl name="fgAcc4">
-    <dgm:fillClrLst meth="repeat">
-      <a:schemeClr val="lt1">
-        <a:alpha val="90000"/>
-      </a:schemeClr>
-    </dgm:fillClrLst>
-    <dgm:linClrLst>
-      <a:schemeClr val="accent4"/>
-    </dgm:linClrLst>
-    <dgm:effectClrLst/>
-    <dgm:txLinClrLst/>
-    <dgm:txFillClrLst meth="repeat">
-      <a:schemeClr val="dk1"/>
-    </dgm:txFillClrLst>
-    <dgm:txEffectClrLst/>
-  </dgm:styleLbl>
-  <dgm:styleLbl name="bgShp">
-    <dgm:fillClrLst meth="repeat">
-      <a:schemeClr val="accent2">
-        <a:tint val="40000"/>
-      </a:schemeClr>
-    </dgm:fillClrLst>
-    <dgm:linClrLst meth="repeat">
-      <a:schemeClr val="dk1"/>
-    </dgm:linClrLst>
-    <dgm:effectClrLst/>
-    <dgm:txLinClrLst/>
-    <dgm:txFillClrLst meth="repeat">
-      <a:schemeClr val="dk1"/>
-    </dgm:txFillClrLst>
-    <dgm:txEffectClrLst/>
-  </dgm:styleLbl>
-  <dgm:styleLbl name="dkBgShp">
-    <dgm:fillClrLst meth="repeat">
-      <a:schemeClr val="accent2">
-        <a:shade val="90000"/>
-      </a:schemeClr>
-    </dgm:fillClrLst>
-    <dgm:linClrLst meth="repeat">
-      <a:schemeClr val="dk1"/>
-    </dgm:linClrLst>
-    <dgm:effectClrLst/>
-    <dgm:txLinClrLst/>
-    <dgm:txFillClrLst meth="repeat">
-      <a:schemeClr val="lt1"/>
-    </dgm:txFillClrLst>
-    <dgm:txEffectClrLst/>
-  </dgm:styleLbl>
-  <dgm:styleLbl name="trBgShp">
-    <dgm:fillClrLst meth="repeat">
-      <a:schemeClr val="accent1">
-        <a:tint val="50000"/>
-        <a:alpha val="40000"/>
-      </a:schemeClr>
-    </dgm:fillClrLst>
-    <dgm:linClrLst meth="repeat">
-      <a:schemeClr val="accent2"/>
-    </dgm:linClrLst>
-    <dgm:effectClrLst/>
-    <dgm:txLinClrLst/>
-    <dgm:txFillClrLst meth="repeat">
-      <a:schemeClr val="lt1"/>
-    </dgm:txFillClrLst>
-    <dgm:txEffectClrLst/>
-  </dgm:styleLbl>
-  <dgm:styleLbl name="fgShp">
-    <dgm:fillClrLst meth="repeat">
-      <a:schemeClr val="accent2">
-        <a:tint val="40000"/>
-      </a:schemeClr>
-    </dgm:fillClrLst>
-    <dgm:linClrLst meth="repeat">
-      <a:schemeClr val="lt1"/>
-    </dgm:linClrLst>
-    <dgm:effectClrLst/>
-    <dgm:txLinClrLst/>
-    <dgm:txFillClrLst meth="repeat">
-      <a:schemeClr val="dk1"/>
-    </dgm:txFillClrLst>
-    <dgm:txEffectClrLst/>
-  </dgm:styleLbl>
-  <dgm:styleLbl name="revTx">
-    <dgm:fillClrLst meth="repeat">
-      <a:schemeClr val="lt1">
-        <a:alpha val="0"/>
-      </a:schemeClr>
-    </dgm:fillClrLst>
-    <dgm:linClrLst meth="repeat">
-      <a:schemeClr val="dk1">
-        <a:alpha val="0"/>
-      </a:schemeClr>
-    </dgm:linClrLst>
-    <dgm:effectClrLst/>
-    <dgm:txLinClrLst/>
-    <dgm:txFillClrLst meth="repeat">
-      <a:schemeClr val="tx1"/>
-    </dgm:txFillClrLst>
-    <dgm:txEffectClrLst/>
-  </dgm:styleLbl>
-</dgm:colorsDef>
-</file>
-
-<file path=ppt/diagrams/colors2.xml><?xml version="1.0" encoding="utf-8"?>
 <dgm:colorsDef xmlns:dgm="http://schemas.openxmlformats.org/drawingml/2006/diagram" xmlns:a="http://schemas.openxmlformats.org/drawingml/2006/main" uniqueId="urn:microsoft.com/office/officeart/2005/8/colors/accent2_1">
   <dgm:title val=""/>
   <dgm:desc val=""/>
@@ -2224,7 +1376,7 @@
 </dgm:colorsDef>
 </file>
 
-<file path=ppt/diagrams/colors3.xml><?xml version="1.0" encoding="utf-8"?>
+<file path=ppt/diagrams/colors2.xml><?xml version="1.0" encoding="utf-8"?>
 <dgm:colorsDef xmlns:dgm="http://schemas.openxmlformats.org/drawingml/2006/diagram" xmlns:a="http://schemas.openxmlformats.org/drawingml/2006/main" uniqueId="urn:microsoft.com/office/officeart/2005/8/colors/accent3_1">
   <dgm:title val=""/>
   <dgm:desc val=""/>
@@ -3031,7 +2183,7 @@
 </dgm:colorsDef>
 </file>
 
-<file path=ppt/diagrams/colors4.xml><?xml version="1.0" encoding="utf-8"?>
+<file path=ppt/diagrams/colors3.xml><?xml version="1.0" encoding="utf-8"?>
 <dgm:colorsDef xmlns:dgm="http://schemas.openxmlformats.org/drawingml/2006/diagram" xmlns:a="http://schemas.openxmlformats.org/drawingml/2006/main" uniqueId="urn:microsoft.com/office/officeart/2005/8/colors/accent6_1">
   <dgm:title val=""/>
   <dgm:desc val=""/>
@@ -3839,352 +2991,6 @@
 </file>
 
 <file path=ppt/diagrams/data1.xml><?xml version="1.0" encoding="utf-8"?>
-<dgm:dataModel xmlns:dgm="http://schemas.openxmlformats.org/drawingml/2006/diagram" xmlns:a="http://schemas.openxmlformats.org/drawingml/2006/main">
-  <dgm:ptLst>
-    <dgm:pt modelId="{94425BE1-5216-4905-BFA8-3A50E745A0F1}" type="doc">
-      <dgm:prSet loTypeId="urn:microsoft.com/office/officeart/2005/8/layout/venn1" loCatId="relationship" qsTypeId="urn:microsoft.com/office/officeart/2005/8/quickstyle/simple4" qsCatId="simple" csTypeId="urn:microsoft.com/office/officeart/2005/8/colors/colorful1" csCatId="colorful" phldr="1"/>
-      <dgm:spPr/>
-    </dgm:pt>
-    <dgm:pt modelId="{31A511EF-82E6-46F2-8D56-3B41766940E2}">
-      <dgm:prSet/>
-      <dgm:spPr/>
-      <dgm:t>
-        <a:bodyPr/>
-        <a:lstStyle/>
-        <a:p>
-          <a:pPr marR="0" rtl="0" eaLnBrk="1" fontAlgn="base" latinLnBrk="0" hangingPunct="1">
-            <a:buClrTx/>
-            <a:buSzTx/>
-            <a:buFontTx/>
-            <a:tabLst/>
-          </a:pPr>
-          <a:r>
-            <a:rPr kumimoji="0" lang="en-US" b="0" i="0" u="none" strike="noStrike" cap="none" normalizeH="0" baseline="0" dirty="0">
-              <a:ln/>
-              <a:effectLst/>
-              <a:latin typeface="+mn-lt"/>
-            </a:rPr>
-            <a:t>Market entry strategies</a:t>
-          </a:r>
-          <a:endParaRPr lang="en-US" dirty="0">
-            <a:latin typeface="+mn-lt"/>
-          </a:endParaRPr>
-        </a:p>
-      </dgm:t>
-      <dgm:extLst>
-        <a:ext uri="{E40237B7-FDA0-4F09-8148-C483321AD2D9}">
-          <dgm14:cNvPr xmlns:dgm14="http://schemas.microsoft.com/office/drawing/2010/diagram" id="0" name="" title="Task 1- market entry strategies"/>
-        </a:ext>
-      </dgm:extLst>
-    </dgm:pt>
-    <dgm:pt modelId="{558EBD23-69F9-4C9C-951B-35AE04F45DF2}" type="parTrans" cxnId="{2FD75CCC-F144-4E90-A89B-6B8CF534C6A7}">
-      <dgm:prSet/>
-      <dgm:spPr/>
-      <dgm:t>
-        <a:bodyPr/>
-        <a:lstStyle/>
-        <a:p>
-          <a:endParaRPr lang="en-US">
-            <a:latin typeface="+mn-lt"/>
-          </a:endParaRPr>
-        </a:p>
-      </dgm:t>
-    </dgm:pt>
-    <dgm:pt modelId="{D9852E9F-9249-4BC7-9ED7-52FD5BC25B0D}" type="sibTrans" cxnId="{2FD75CCC-F144-4E90-A89B-6B8CF534C6A7}">
-      <dgm:prSet/>
-      <dgm:spPr/>
-      <dgm:t>
-        <a:bodyPr/>
-        <a:lstStyle/>
-        <a:p>
-          <a:endParaRPr lang="en-US">
-            <a:latin typeface="+mn-lt"/>
-          </a:endParaRPr>
-        </a:p>
-      </dgm:t>
-    </dgm:pt>
-    <dgm:pt modelId="{7857A2B9-82F1-47E0-A1E4-CF4F93602F77}">
-      <dgm:prSet/>
-      <dgm:spPr/>
-      <dgm:t>
-        <a:bodyPr/>
-        <a:lstStyle/>
-        <a:p>
-          <a:pPr marR="0" rtl="0" eaLnBrk="1" fontAlgn="base" latinLnBrk="0" hangingPunct="1">
-            <a:buClrTx/>
-            <a:buSzTx/>
-            <a:buFontTx/>
-            <a:tabLst/>
-          </a:pPr>
-          <a:r>
-            <a:rPr kumimoji="0" lang="en-US" b="0" i="0" u="none" strike="noStrike" cap="none" normalizeH="0" baseline="0" dirty="0">
-              <a:ln/>
-              <a:effectLst/>
-              <a:latin typeface="+mn-lt"/>
-            </a:rPr>
-            <a:t>Product and brand launch</a:t>
-          </a:r>
-        </a:p>
-      </dgm:t>
-      <dgm:extLst>
-        <a:ext uri="{E40237B7-FDA0-4F09-8148-C483321AD2D9}">
-          <dgm14:cNvPr xmlns:dgm14="http://schemas.microsoft.com/office/drawing/2010/diagram" id="0" name="" title="Task 2- product and brand launch"/>
-        </a:ext>
-      </dgm:extLst>
-    </dgm:pt>
-    <dgm:pt modelId="{4CF2B930-4CBC-4FEC-8F76-E4271D22ACC1}" type="parTrans" cxnId="{48216F9C-11C3-49EB-906D-D6D952E132F7}">
-      <dgm:prSet/>
-      <dgm:spPr/>
-      <dgm:t>
-        <a:bodyPr/>
-        <a:lstStyle/>
-        <a:p>
-          <a:endParaRPr lang="en-US">
-            <a:latin typeface="+mn-lt"/>
-          </a:endParaRPr>
-        </a:p>
-      </dgm:t>
-    </dgm:pt>
-    <dgm:pt modelId="{FBF4032C-6BF0-45B2-963F-81F9DEBFE1BC}" type="sibTrans" cxnId="{48216F9C-11C3-49EB-906D-D6D952E132F7}">
-      <dgm:prSet/>
-      <dgm:spPr/>
-      <dgm:t>
-        <a:bodyPr/>
-        <a:lstStyle/>
-        <a:p>
-          <a:endParaRPr lang="en-US">
-            <a:latin typeface="+mn-lt"/>
-          </a:endParaRPr>
-        </a:p>
-      </dgm:t>
-    </dgm:pt>
-    <dgm:pt modelId="{72E6E978-ACDC-4EB6-A64E-0818A3CE1713}">
-      <dgm:prSet/>
-      <dgm:spPr/>
-      <dgm:t>
-        <a:bodyPr/>
-        <a:lstStyle/>
-        <a:p>
-          <a:pPr marR="0" rtl="0" eaLnBrk="1" fontAlgn="base" latinLnBrk="0" hangingPunct="1">
-            <a:buClrTx/>
-            <a:buSzTx/>
-            <a:buFontTx/>
-            <a:tabLst/>
-          </a:pPr>
-          <a:r>
-            <a:rPr kumimoji="0" lang="en-US" b="0" i="0" u="none" strike="noStrike" cap="none" normalizeH="0" baseline="0" dirty="0">
-              <a:ln/>
-              <a:effectLst/>
-              <a:latin typeface="+mn-lt"/>
-            </a:rPr>
-            <a:t>Competitive intelligence data</a:t>
-          </a:r>
-        </a:p>
-      </dgm:t>
-      <dgm:extLst>
-        <a:ext uri="{E40237B7-FDA0-4F09-8148-C483321AD2D9}">
-          <dgm14:cNvPr xmlns:dgm14="http://schemas.microsoft.com/office/drawing/2010/diagram" id="0" name="" title="Task 3- competitive intelligence data"/>
-        </a:ext>
-      </dgm:extLst>
-    </dgm:pt>
-    <dgm:pt modelId="{6798258A-CE66-400B-BAA5-62EB85BD6B99}" type="parTrans" cxnId="{8F9C65CA-CD63-4E75-812F-0489056A9E13}">
-      <dgm:prSet/>
-      <dgm:spPr/>
-      <dgm:t>
-        <a:bodyPr/>
-        <a:lstStyle/>
-        <a:p>
-          <a:endParaRPr lang="en-US">
-            <a:latin typeface="+mn-lt"/>
-          </a:endParaRPr>
-        </a:p>
-      </dgm:t>
-    </dgm:pt>
-    <dgm:pt modelId="{DBF0854F-D6D6-4677-842A-EC4FFEC6BDED}" type="sibTrans" cxnId="{8F9C65CA-CD63-4E75-812F-0489056A9E13}">
-      <dgm:prSet/>
-      <dgm:spPr/>
-      <dgm:t>
-        <a:bodyPr/>
-        <a:lstStyle/>
-        <a:p>
-          <a:endParaRPr lang="en-US">
-            <a:latin typeface="+mn-lt"/>
-          </a:endParaRPr>
-        </a:p>
-      </dgm:t>
-    </dgm:pt>
-    <dgm:pt modelId="{3F365547-0919-4C94-A54E-69A7DF73309A}">
-      <dgm:prSet/>
-      <dgm:spPr/>
-      <dgm:t>
-        <a:bodyPr/>
-        <a:lstStyle/>
-        <a:p>
-          <a:pPr marR="0" rtl="0" eaLnBrk="1" fontAlgn="base" latinLnBrk="0" hangingPunct="1">
-            <a:buClrTx/>
-            <a:buSzTx/>
-            <a:buFontTx/>
-            <a:tabLst/>
-          </a:pPr>
-          <a:r>
-            <a:rPr kumimoji="0" lang="en-US" b="0" i="0" u="none" strike="noStrike" cap="none" normalizeH="0" baseline="0" dirty="0">
-              <a:ln/>
-              <a:effectLst/>
-              <a:latin typeface="+mn-lt"/>
-            </a:rPr>
-            <a:t>Market analysis, </a:t>
-          </a:r>
-        </a:p>
-        <a:p>
-          <a:pPr marR="0" rtl="0" eaLnBrk="1" fontAlgn="base" latinLnBrk="0" hangingPunct="1">
-            <a:buClrTx/>
-            <a:buSzTx/>
-            <a:buFontTx/>
-            <a:tabLst/>
-          </a:pPr>
-          <a:r>
-            <a:rPr kumimoji="0" lang="en-US" b="0" i="0" u="none" strike="noStrike" cap="none" normalizeH="0" baseline="0" dirty="0">
-              <a:ln/>
-              <a:effectLst/>
-              <a:latin typeface="+mn-lt"/>
-            </a:rPr>
-            <a:t>review and monitoring</a:t>
-          </a:r>
-        </a:p>
-      </dgm:t>
-      <dgm:extLst>
-        <a:ext uri="{E40237B7-FDA0-4F09-8148-C483321AD2D9}">
-          <dgm14:cNvPr xmlns:dgm14="http://schemas.microsoft.com/office/drawing/2010/diagram" id="0" name="" title="Task 4- market analysis, review and monitoring"/>
-        </a:ext>
-      </dgm:extLst>
-    </dgm:pt>
-    <dgm:pt modelId="{36F3B829-1134-43FE-9040-CCCFCF9016EB}" type="parTrans" cxnId="{0FBA7D36-4A19-459D-8DE1-94836224200A}">
-      <dgm:prSet/>
-      <dgm:spPr/>
-      <dgm:t>
-        <a:bodyPr/>
-        <a:lstStyle/>
-        <a:p>
-          <a:endParaRPr lang="en-US">
-            <a:latin typeface="+mn-lt"/>
-          </a:endParaRPr>
-        </a:p>
-      </dgm:t>
-    </dgm:pt>
-    <dgm:pt modelId="{A8D71198-7393-4BB2-A6DF-A980A7496AE3}" type="sibTrans" cxnId="{0FBA7D36-4A19-459D-8DE1-94836224200A}">
-      <dgm:prSet/>
-      <dgm:spPr/>
-      <dgm:t>
-        <a:bodyPr/>
-        <a:lstStyle/>
-        <a:p>
-          <a:endParaRPr lang="en-US">
-            <a:latin typeface="+mn-lt"/>
-          </a:endParaRPr>
-        </a:p>
-      </dgm:t>
-    </dgm:pt>
-    <dgm:pt modelId="{2EC7B525-8CD9-45FA-8836-339D46FDD2A6}" type="pres">
-      <dgm:prSet presAssocID="{94425BE1-5216-4905-BFA8-3A50E745A0F1}" presName="compositeShape" presStyleCnt="0">
-        <dgm:presLayoutVars>
-          <dgm:chMax val="7"/>
-          <dgm:dir/>
-          <dgm:resizeHandles val="exact"/>
-        </dgm:presLayoutVars>
-      </dgm:prSet>
-      <dgm:spPr/>
-    </dgm:pt>
-    <dgm:pt modelId="{22FB44DA-C928-4387-B026-8530B8BDD5D7}" type="pres">
-      <dgm:prSet presAssocID="{31A511EF-82E6-46F2-8D56-3B41766940E2}" presName="circ1" presStyleLbl="vennNode1" presStyleIdx="0" presStyleCnt="4"/>
-      <dgm:spPr/>
-    </dgm:pt>
-    <dgm:pt modelId="{7AB5939A-09FD-457D-8364-2463FA124054}" type="pres">
-      <dgm:prSet presAssocID="{31A511EF-82E6-46F2-8D56-3B41766940E2}" presName="circ1Tx" presStyleLbl="revTx" presStyleIdx="0" presStyleCnt="0">
-        <dgm:presLayoutVars>
-          <dgm:chMax val="0"/>
-          <dgm:chPref val="0"/>
-          <dgm:bulletEnabled val="1"/>
-        </dgm:presLayoutVars>
-      </dgm:prSet>
-      <dgm:spPr/>
-    </dgm:pt>
-    <dgm:pt modelId="{27C9E895-11CE-41C6-ACB6-0B7DF2E7BF75}" type="pres">
-      <dgm:prSet presAssocID="{7857A2B9-82F1-47E0-A1E4-CF4F93602F77}" presName="circ2" presStyleLbl="vennNode1" presStyleIdx="1" presStyleCnt="4"/>
-      <dgm:spPr/>
-    </dgm:pt>
-    <dgm:pt modelId="{1C55AD7E-CE27-4395-8F69-0864A66B894A}" type="pres">
-      <dgm:prSet presAssocID="{7857A2B9-82F1-47E0-A1E4-CF4F93602F77}" presName="circ2Tx" presStyleLbl="revTx" presStyleIdx="0" presStyleCnt="0">
-        <dgm:presLayoutVars>
-          <dgm:chMax val="0"/>
-          <dgm:chPref val="0"/>
-          <dgm:bulletEnabled val="1"/>
-        </dgm:presLayoutVars>
-      </dgm:prSet>
-      <dgm:spPr/>
-    </dgm:pt>
-    <dgm:pt modelId="{5E21A6BE-D36A-4A69-937B-6913B5BC53D3}" type="pres">
-      <dgm:prSet presAssocID="{72E6E978-ACDC-4EB6-A64E-0818A3CE1713}" presName="circ3" presStyleLbl="vennNode1" presStyleIdx="2" presStyleCnt="4"/>
-      <dgm:spPr/>
-    </dgm:pt>
-    <dgm:pt modelId="{FFE0333B-729E-42FE-A7C0-800B2F2696E1}" type="pres">
-      <dgm:prSet presAssocID="{72E6E978-ACDC-4EB6-A64E-0818A3CE1713}" presName="circ3Tx" presStyleLbl="revTx" presStyleIdx="0" presStyleCnt="0">
-        <dgm:presLayoutVars>
-          <dgm:chMax val="0"/>
-          <dgm:chPref val="0"/>
-          <dgm:bulletEnabled val="1"/>
-        </dgm:presLayoutVars>
-      </dgm:prSet>
-      <dgm:spPr/>
-    </dgm:pt>
-    <dgm:pt modelId="{2099A668-C280-49D5-BCD8-5B0BBA1B23FB}" type="pres">
-      <dgm:prSet presAssocID="{3F365547-0919-4C94-A54E-69A7DF73309A}" presName="circ4" presStyleLbl="vennNode1" presStyleIdx="3" presStyleCnt="4"/>
-      <dgm:spPr/>
-    </dgm:pt>
-    <dgm:pt modelId="{53047548-4711-4986-80C0-2FC135E160F7}" type="pres">
-      <dgm:prSet presAssocID="{3F365547-0919-4C94-A54E-69A7DF73309A}" presName="circ4Tx" presStyleLbl="revTx" presStyleIdx="0" presStyleCnt="0">
-        <dgm:presLayoutVars>
-          <dgm:chMax val="0"/>
-          <dgm:chPref val="0"/>
-          <dgm:bulletEnabled val="1"/>
-        </dgm:presLayoutVars>
-      </dgm:prSet>
-      <dgm:spPr/>
-    </dgm:pt>
-  </dgm:ptLst>
-  <dgm:cxnLst>
-    <dgm:cxn modelId="{6AC4E105-A902-4A5A-8B9E-D7A078A7D07D}" type="presOf" srcId="{94425BE1-5216-4905-BFA8-3A50E745A0F1}" destId="{2EC7B525-8CD9-45FA-8836-339D46FDD2A6}" srcOrd="0" destOrd="0" presId="urn:microsoft.com/office/officeart/2005/8/layout/venn1"/>
-    <dgm:cxn modelId="{0FBA7D36-4A19-459D-8DE1-94836224200A}" srcId="{94425BE1-5216-4905-BFA8-3A50E745A0F1}" destId="{3F365547-0919-4C94-A54E-69A7DF73309A}" srcOrd="3" destOrd="0" parTransId="{36F3B829-1134-43FE-9040-CCCFCF9016EB}" sibTransId="{A8D71198-7393-4BB2-A6DF-A980A7496AE3}"/>
-    <dgm:cxn modelId="{2A61243C-66D6-4F91-8D3C-FC2B404FF5F7}" type="presOf" srcId="{7857A2B9-82F1-47E0-A1E4-CF4F93602F77}" destId="{27C9E895-11CE-41C6-ACB6-0B7DF2E7BF75}" srcOrd="0" destOrd="0" presId="urn:microsoft.com/office/officeart/2005/8/layout/venn1"/>
-    <dgm:cxn modelId="{11CDAA4E-BC2C-46A4-B99E-DF2F25706AD7}" type="presOf" srcId="{31A511EF-82E6-46F2-8D56-3B41766940E2}" destId="{7AB5939A-09FD-457D-8364-2463FA124054}" srcOrd="1" destOrd="0" presId="urn:microsoft.com/office/officeart/2005/8/layout/venn1"/>
-    <dgm:cxn modelId="{2F090972-8063-4E53-A916-FC2B26CF354B}" type="presOf" srcId="{72E6E978-ACDC-4EB6-A64E-0818A3CE1713}" destId="{5E21A6BE-D36A-4A69-937B-6913B5BC53D3}" srcOrd="0" destOrd="0" presId="urn:microsoft.com/office/officeart/2005/8/layout/venn1"/>
-    <dgm:cxn modelId="{996BEA56-B169-44D1-83A1-00DBF63A6C81}" type="presOf" srcId="{31A511EF-82E6-46F2-8D56-3B41766940E2}" destId="{22FB44DA-C928-4387-B026-8530B8BDD5D7}" srcOrd="0" destOrd="0" presId="urn:microsoft.com/office/officeart/2005/8/layout/venn1"/>
-    <dgm:cxn modelId="{48216F9C-11C3-49EB-906D-D6D952E132F7}" srcId="{94425BE1-5216-4905-BFA8-3A50E745A0F1}" destId="{7857A2B9-82F1-47E0-A1E4-CF4F93602F77}" srcOrd="1" destOrd="0" parTransId="{4CF2B930-4CBC-4FEC-8F76-E4271D22ACC1}" sibTransId="{FBF4032C-6BF0-45B2-963F-81F9DEBFE1BC}"/>
-    <dgm:cxn modelId="{469C8F9E-7D17-4437-84D3-65A893372C79}" type="presOf" srcId="{3F365547-0919-4C94-A54E-69A7DF73309A}" destId="{2099A668-C280-49D5-BCD8-5B0BBA1B23FB}" srcOrd="0" destOrd="0" presId="urn:microsoft.com/office/officeart/2005/8/layout/venn1"/>
-    <dgm:cxn modelId="{8F9C65CA-CD63-4E75-812F-0489056A9E13}" srcId="{94425BE1-5216-4905-BFA8-3A50E745A0F1}" destId="{72E6E978-ACDC-4EB6-A64E-0818A3CE1713}" srcOrd="2" destOrd="0" parTransId="{6798258A-CE66-400B-BAA5-62EB85BD6B99}" sibTransId="{DBF0854F-D6D6-4677-842A-EC4FFEC6BDED}"/>
-    <dgm:cxn modelId="{6104AFCA-9C4D-4B5B-9B50-478C10678395}" type="presOf" srcId="{7857A2B9-82F1-47E0-A1E4-CF4F93602F77}" destId="{1C55AD7E-CE27-4395-8F69-0864A66B894A}" srcOrd="1" destOrd="0" presId="urn:microsoft.com/office/officeart/2005/8/layout/venn1"/>
-    <dgm:cxn modelId="{2FD75CCC-F144-4E90-A89B-6B8CF534C6A7}" srcId="{94425BE1-5216-4905-BFA8-3A50E745A0F1}" destId="{31A511EF-82E6-46F2-8D56-3B41766940E2}" srcOrd="0" destOrd="0" parTransId="{558EBD23-69F9-4C9C-951B-35AE04F45DF2}" sibTransId="{D9852E9F-9249-4BC7-9ED7-52FD5BC25B0D}"/>
-    <dgm:cxn modelId="{C5F5C0DB-4986-45C7-A2F8-52FE2FE834DC}" type="presOf" srcId="{3F365547-0919-4C94-A54E-69A7DF73309A}" destId="{53047548-4711-4986-80C0-2FC135E160F7}" srcOrd="1" destOrd="0" presId="urn:microsoft.com/office/officeart/2005/8/layout/venn1"/>
-    <dgm:cxn modelId="{F30C69FE-682A-4ED9-AAE3-0F06475C3E24}" type="presOf" srcId="{72E6E978-ACDC-4EB6-A64E-0818A3CE1713}" destId="{FFE0333B-729E-42FE-A7C0-800B2F2696E1}" srcOrd="1" destOrd="0" presId="urn:microsoft.com/office/officeart/2005/8/layout/venn1"/>
-    <dgm:cxn modelId="{3B82F586-BEB1-40FA-ADF5-FB1B8CD14BCF}" type="presParOf" srcId="{2EC7B525-8CD9-45FA-8836-339D46FDD2A6}" destId="{22FB44DA-C928-4387-B026-8530B8BDD5D7}" srcOrd="0" destOrd="0" presId="urn:microsoft.com/office/officeart/2005/8/layout/venn1"/>
-    <dgm:cxn modelId="{3BB9546F-3BC3-4E65-9087-7F0362B52010}" type="presParOf" srcId="{2EC7B525-8CD9-45FA-8836-339D46FDD2A6}" destId="{7AB5939A-09FD-457D-8364-2463FA124054}" srcOrd="1" destOrd="0" presId="urn:microsoft.com/office/officeart/2005/8/layout/venn1"/>
-    <dgm:cxn modelId="{811E9D82-AEEE-4D14-B592-B48B69A86D15}" type="presParOf" srcId="{2EC7B525-8CD9-45FA-8836-339D46FDD2A6}" destId="{27C9E895-11CE-41C6-ACB6-0B7DF2E7BF75}" srcOrd="2" destOrd="0" presId="urn:microsoft.com/office/officeart/2005/8/layout/venn1"/>
-    <dgm:cxn modelId="{1DF7B629-1731-4669-8635-549801DEF8D2}" type="presParOf" srcId="{2EC7B525-8CD9-45FA-8836-339D46FDD2A6}" destId="{1C55AD7E-CE27-4395-8F69-0864A66B894A}" srcOrd="3" destOrd="0" presId="urn:microsoft.com/office/officeart/2005/8/layout/venn1"/>
-    <dgm:cxn modelId="{DB1B82FF-8059-4C0D-80E5-A20CACD5402D}" type="presParOf" srcId="{2EC7B525-8CD9-45FA-8836-339D46FDD2A6}" destId="{5E21A6BE-D36A-4A69-937B-6913B5BC53D3}" srcOrd="4" destOrd="0" presId="urn:microsoft.com/office/officeart/2005/8/layout/venn1"/>
-    <dgm:cxn modelId="{5FC35545-8434-4FD3-9230-99247D61FE0D}" type="presParOf" srcId="{2EC7B525-8CD9-45FA-8836-339D46FDD2A6}" destId="{FFE0333B-729E-42FE-A7C0-800B2F2696E1}" srcOrd="5" destOrd="0" presId="urn:microsoft.com/office/officeart/2005/8/layout/venn1"/>
-    <dgm:cxn modelId="{A125D005-F47D-46D5-8DFF-02D229FD40F4}" type="presParOf" srcId="{2EC7B525-8CD9-45FA-8836-339D46FDD2A6}" destId="{2099A668-C280-49D5-BCD8-5B0BBA1B23FB}" srcOrd="6" destOrd="0" presId="urn:microsoft.com/office/officeart/2005/8/layout/venn1"/>
-    <dgm:cxn modelId="{B4E53818-A673-4BF7-B29B-86DE62A5433E}" type="presParOf" srcId="{2EC7B525-8CD9-45FA-8836-339D46FDD2A6}" destId="{53047548-4711-4986-80C0-2FC135E160F7}" srcOrd="7" destOrd="0" presId="urn:microsoft.com/office/officeart/2005/8/layout/venn1"/>
-  </dgm:cxnLst>
-  <dgm:bg/>
-  <dgm:whole/>
-  <dgm:extLst>
-    <a:ext uri="http://schemas.microsoft.com/office/drawing/2008/diagram">
-      <dsp:dataModelExt xmlns:dsp="http://schemas.microsoft.com/office/drawing/2008/diagram" relId="rId6" minVer="http://schemas.openxmlformats.org/drawingml/2006/diagram"/>
-    </a:ext>
-  </dgm:extLst>
-</dgm:dataModel>
-</file>
-
-<file path=ppt/diagrams/data2.xml><?xml version="1.0" encoding="utf-8"?>
 <dgm:dataModel xmlns:dgm="http://schemas.openxmlformats.org/drawingml/2006/diagram" xmlns:a="http://schemas.openxmlformats.org/drawingml/2006/main">
   <dgm:ptLst>
     <dgm:pt modelId="{661038A5-A781-483A-B3BE-3FC4F0B3FF7E}" type="doc">
@@ -4543,7 +3349,7 @@
 </dgm:dataModel>
 </file>
 
-<file path=ppt/diagrams/data3.xml><?xml version="1.0" encoding="utf-8"?>
+<file path=ppt/diagrams/data2.xml><?xml version="1.0" encoding="utf-8"?>
 <dgm:dataModel xmlns:dgm="http://schemas.openxmlformats.org/drawingml/2006/diagram" xmlns:a="http://schemas.openxmlformats.org/drawingml/2006/main">
   <dgm:ptLst>
     <dgm:pt modelId="{661038A5-A781-483A-B3BE-3FC4F0B3FF7E}" type="doc">
@@ -4902,7 +3708,7 @@
 </dgm:dataModel>
 </file>
 
-<file path=ppt/diagrams/data4.xml><?xml version="1.0" encoding="utf-8"?>
+<file path=ppt/diagrams/data3.xml><?xml version="1.0" encoding="utf-8"?>
 <dgm:dataModel xmlns:dgm="http://schemas.openxmlformats.org/drawingml/2006/diagram" xmlns:a="http://schemas.openxmlformats.org/drawingml/2006/main">
   <dgm:ptLst>
     <dgm:pt modelId="{661038A5-A781-483A-B3BE-3FC4F0B3FF7E}" type="doc">
@@ -5330,487 +4136,6 @@
 </file>
 
 <file path=ppt/diagrams/drawing1.xml><?xml version="1.0" encoding="utf-8"?>
-<dsp:drawing xmlns:dgm="http://schemas.openxmlformats.org/drawingml/2006/diagram" xmlns:dsp="http://schemas.microsoft.com/office/drawing/2008/diagram" xmlns:a="http://schemas.openxmlformats.org/drawingml/2006/main">
-  <dsp:spTree>
-    <dsp:nvGrpSpPr>
-      <dsp:cNvPr id="0" name=""/>
-      <dsp:cNvGrpSpPr/>
-    </dsp:nvGrpSpPr>
-    <dsp:grpSpPr/>
-    <dsp:sp modelId="{22FB44DA-C928-4387-B026-8530B8BDD5D7}">
-      <dsp:nvSpPr>
-        <dsp:cNvPr id="0" name=""/>
-        <dsp:cNvSpPr/>
-      </dsp:nvSpPr>
-      <dsp:spPr>
-        <a:xfrm>
-          <a:off x="1424939" y="41909"/>
-          <a:ext cx="2179320" cy="2179320"/>
-        </a:xfrm>
-        <a:prstGeom prst="ellipse">
-          <a:avLst/>
-        </a:prstGeom>
-        <a:gradFill rotWithShape="0">
-          <a:gsLst>
-            <a:gs pos="0">
-              <a:schemeClr val="accent2">
-                <a:alpha val="50000"/>
-                <a:hueOff val="0"/>
-                <a:satOff val="0"/>
-                <a:lumOff val="0"/>
-                <a:alphaOff val="0"/>
-                <a:satMod val="103000"/>
-                <a:lumMod val="102000"/>
-                <a:tint val="94000"/>
-              </a:schemeClr>
-            </a:gs>
-            <a:gs pos="50000">
-              <a:schemeClr val="accent2">
-                <a:alpha val="50000"/>
-                <a:hueOff val="0"/>
-                <a:satOff val="0"/>
-                <a:lumOff val="0"/>
-                <a:alphaOff val="0"/>
-                <a:satMod val="110000"/>
-                <a:lumMod val="100000"/>
-                <a:shade val="100000"/>
-              </a:schemeClr>
-            </a:gs>
-            <a:gs pos="100000">
-              <a:schemeClr val="accent2">
-                <a:alpha val="50000"/>
-                <a:hueOff val="0"/>
-                <a:satOff val="0"/>
-                <a:lumOff val="0"/>
-                <a:alphaOff val="0"/>
-                <a:lumMod val="99000"/>
-                <a:satMod val="120000"/>
-                <a:shade val="78000"/>
-              </a:schemeClr>
-            </a:gs>
-          </a:gsLst>
-          <a:lin ang="5400000" scaled="0"/>
-        </a:gradFill>
-        <a:ln>
-          <a:noFill/>
-        </a:ln>
-        <a:effectLst/>
-      </dsp:spPr>
-      <dsp:style>
-        <a:lnRef idx="0">
-          <a:scrgbClr r="0" g="0" b="0"/>
-        </a:lnRef>
-        <a:fillRef idx="3">
-          <a:scrgbClr r="0" g="0" b="0"/>
-        </a:fillRef>
-        <a:effectRef idx="0">
-          <a:scrgbClr r="0" g="0" b="0"/>
-        </a:effectRef>
-        <a:fontRef idx="minor">
-          <a:schemeClr val="tx1"/>
-        </a:fontRef>
-      </dsp:style>
-      <dsp:txBody>
-        <a:bodyPr spcFirstLastPara="0" vert="horz" wrap="square" lIns="0" tIns="0" rIns="0" bIns="0" numCol="1" spcCol="1270" anchor="ctr" anchorCtr="0">
-          <a:noAutofit/>
-        </a:bodyPr>
-        <a:lstStyle/>
-        <a:p>
-          <a:pPr marL="0" marR="0" lvl="0" indent="0" algn="ctr" defTabSz="622300" rtl="0" eaLnBrk="1" fontAlgn="base" latinLnBrk="0" hangingPunct="1">
-            <a:lnSpc>
-              <a:spcPct val="90000"/>
-            </a:lnSpc>
-            <a:spcBef>
-              <a:spcPct val="0"/>
-            </a:spcBef>
-            <a:spcAft>
-              <a:spcPct val="35000"/>
-            </a:spcAft>
-            <a:buClrTx/>
-            <a:buSzTx/>
-            <a:buFontTx/>
-            <a:buNone/>
-            <a:tabLst/>
-          </a:pPr>
-          <a:r>
-            <a:rPr kumimoji="0" lang="en-US" sz="1400" b="0" i="0" u="none" strike="noStrike" kern="1200" cap="none" normalizeH="0" baseline="0" dirty="0">
-              <a:ln/>
-              <a:effectLst/>
-              <a:latin typeface="+mn-lt"/>
-            </a:rPr>
-            <a:t>Market entry strategies</a:t>
-          </a:r>
-          <a:endParaRPr lang="en-US" sz="1400" kern="1200" dirty="0">
-            <a:latin typeface="+mn-lt"/>
-          </a:endParaRPr>
-        </a:p>
-      </dsp:txBody>
-      <dsp:txXfrm>
-        <a:off x="1676399" y="335279"/>
-        <a:ext cx="1676400" cy="691515"/>
-      </dsp:txXfrm>
-    </dsp:sp>
-    <dsp:sp modelId="{27C9E895-11CE-41C6-ACB6-0B7DF2E7BF75}">
-      <dsp:nvSpPr>
-        <dsp:cNvPr id="0" name=""/>
-        <dsp:cNvSpPr/>
-      </dsp:nvSpPr>
-      <dsp:spPr>
-        <a:xfrm>
-          <a:off x="2388870" y="1005839"/>
-          <a:ext cx="2179320" cy="2179320"/>
-        </a:xfrm>
-        <a:prstGeom prst="ellipse">
-          <a:avLst/>
-        </a:prstGeom>
-        <a:gradFill rotWithShape="0">
-          <a:gsLst>
-            <a:gs pos="0">
-              <a:schemeClr val="accent3">
-                <a:alpha val="50000"/>
-                <a:hueOff val="0"/>
-                <a:satOff val="0"/>
-                <a:lumOff val="0"/>
-                <a:alphaOff val="0"/>
-                <a:satMod val="103000"/>
-                <a:lumMod val="102000"/>
-                <a:tint val="94000"/>
-              </a:schemeClr>
-            </a:gs>
-            <a:gs pos="50000">
-              <a:schemeClr val="accent3">
-                <a:alpha val="50000"/>
-                <a:hueOff val="0"/>
-                <a:satOff val="0"/>
-                <a:lumOff val="0"/>
-                <a:alphaOff val="0"/>
-                <a:satMod val="110000"/>
-                <a:lumMod val="100000"/>
-                <a:shade val="100000"/>
-              </a:schemeClr>
-            </a:gs>
-            <a:gs pos="100000">
-              <a:schemeClr val="accent3">
-                <a:alpha val="50000"/>
-                <a:hueOff val="0"/>
-                <a:satOff val="0"/>
-                <a:lumOff val="0"/>
-                <a:alphaOff val="0"/>
-                <a:lumMod val="99000"/>
-                <a:satMod val="120000"/>
-                <a:shade val="78000"/>
-              </a:schemeClr>
-            </a:gs>
-          </a:gsLst>
-          <a:lin ang="5400000" scaled="0"/>
-        </a:gradFill>
-        <a:ln>
-          <a:noFill/>
-        </a:ln>
-        <a:effectLst/>
-      </dsp:spPr>
-      <dsp:style>
-        <a:lnRef idx="0">
-          <a:scrgbClr r="0" g="0" b="0"/>
-        </a:lnRef>
-        <a:fillRef idx="3">
-          <a:scrgbClr r="0" g="0" b="0"/>
-        </a:fillRef>
-        <a:effectRef idx="0">
-          <a:scrgbClr r="0" g="0" b="0"/>
-        </a:effectRef>
-        <a:fontRef idx="minor">
-          <a:schemeClr val="tx1"/>
-        </a:fontRef>
-      </dsp:style>
-      <dsp:txBody>
-        <a:bodyPr spcFirstLastPara="0" vert="horz" wrap="square" lIns="0" tIns="0" rIns="0" bIns="0" numCol="1" spcCol="1270" anchor="ctr" anchorCtr="0">
-          <a:noAutofit/>
-        </a:bodyPr>
-        <a:lstStyle/>
-        <a:p>
-          <a:pPr marL="0" marR="0" lvl="0" indent="0" algn="ctr" defTabSz="622300" rtl="0" eaLnBrk="1" fontAlgn="base" latinLnBrk="0" hangingPunct="1">
-            <a:lnSpc>
-              <a:spcPct val="90000"/>
-            </a:lnSpc>
-            <a:spcBef>
-              <a:spcPct val="0"/>
-            </a:spcBef>
-            <a:spcAft>
-              <a:spcPct val="35000"/>
-            </a:spcAft>
-            <a:buClrTx/>
-            <a:buSzTx/>
-            <a:buFontTx/>
-            <a:buNone/>
-            <a:tabLst/>
-          </a:pPr>
-          <a:r>
-            <a:rPr kumimoji="0" lang="en-US" sz="1400" b="0" i="0" u="none" strike="noStrike" kern="1200" cap="none" normalizeH="0" baseline="0" dirty="0">
-              <a:ln/>
-              <a:effectLst/>
-              <a:latin typeface="+mn-lt"/>
-            </a:rPr>
-            <a:t>Product and brand launch</a:t>
-          </a:r>
-        </a:p>
-      </dsp:txBody>
-      <dsp:txXfrm>
-        <a:off x="3562350" y="1257299"/>
-        <a:ext cx="838200" cy="1676400"/>
-      </dsp:txXfrm>
-    </dsp:sp>
-    <dsp:sp modelId="{5E21A6BE-D36A-4A69-937B-6913B5BC53D3}">
-      <dsp:nvSpPr>
-        <dsp:cNvPr id="0" name=""/>
-        <dsp:cNvSpPr/>
-      </dsp:nvSpPr>
-      <dsp:spPr>
-        <a:xfrm>
-          <a:off x="1424939" y="1969770"/>
-          <a:ext cx="2179320" cy="2179320"/>
-        </a:xfrm>
-        <a:prstGeom prst="ellipse">
-          <a:avLst/>
-        </a:prstGeom>
-        <a:gradFill rotWithShape="0">
-          <a:gsLst>
-            <a:gs pos="0">
-              <a:schemeClr val="accent4">
-                <a:alpha val="50000"/>
-                <a:hueOff val="0"/>
-                <a:satOff val="0"/>
-                <a:lumOff val="0"/>
-                <a:alphaOff val="0"/>
-                <a:satMod val="103000"/>
-                <a:lumMod val="102000"/>
-                <a:tint val="94000"/>
-              </a:schemeClr>
-            </a:gs>
-            <a:gs pos="50000">
-              <a:schemeClr val="accent4">
-                <a:alpha val="50000"/>
-                <a:hueOff val="0"/>
-                <a:satOff val="0"/>
-                <a:lumOff val="0"/>
-                <a:alphaOff val="0"/>
-                <a:satMod val="110000"/>
-                <a:lumMod val="100000"/>
-                <a:shade val="100000"/>
-              </a:schemeClr>
-            </a:gs>
-            <a:gs pos="100000">
-              <a:schemeClr val="accent4">
-                <a:alpha val="50000"/>
-                <a:hueOff val="0"/>
-                <a:satOff val="0"/>
-                <a:lumOff val="0"/>
-                <a:alphaOff val="0"/>
-                <a:lumMod val="99000"/>
-                <a:satMod val="120000"/>
-                <a:shade val="78000"/>
-              </a:schemeClr>
-            </a:gs>
-          </a:gsLst>
-          <a:lin ang="5400000" scaled="0"/>
-        </a:gradFill>
-        <a:ln>
-          <a:noFill/>
-        </a:ln>
-        <a:effectLst/>
-      </dsp:spPr>
-      <dsp:style>
-        <a:lnRef idx="0">
-          <a:scrgbClr r="0" g="0" b="0"/>
-        </a:lnRef>
-        <a:fillRef idx="3">
-          <a:scrgbClr r="0" g="0" b="0"/>
-        </a:fillRef>
-        <a:effectRef idx="0">
-          <a:scrgbClr r="0" g="0" b="0"/>
-        </a:effectRef>
-        <a:fontRef idx="minor">
-          <a:schemeClr val="tx1"/>
-        </a:fontRef>
-      </dsp:style>
-      <dsp:txBody>
-        <a:bodyPr spcFirstLastPara="0" vert="horz" wrap="square" lIns="0" tIns="0" rIns="0" bIns="0" numCol="1" spcCol="1270" anchor="ctr" anchorCtr="0">
-          <a:noAutofit/>
-        </a:bodyPr>
-        <a:lstStyle/>
-        <a:p>
-          <a:pPr marL="0" marR="0" lvl="0" indent="0" algn="ctr" defTabSz="622300" rtl="0" eaLnBrk="1" fontAlgn="base" latinLnBrk="0" hangingPunct="1">
-            <a:lnSpc>
-              <a:spcPct val="90000"/>
-            </a:lnSpc>
-            <a:spcBef>
-              <a:spcPct val="0"/>
-            </a:spcBef>
-            <a:spcAft>
-              <a:spcPct val="35000"/>
-            </a:spcAft>
-            <a:buClrTx/>
-            <a:buSzTx/>
-            <a:buFontTx/>
-            <a:buNone/>
-            <a:tabLst/>
-          </a:pPr>
-          <a:r>
-            <a:rPr kumimoji="0" lang="en-US" sz="1400" b="0" i="0" u="none" strike="noStrike" kern="1200" cap="none" normalizeH="0" baseline="0" dirty="0">
-              <a:ln/>
-              <a:effectLst/>
-              <a:latin typeface="+mn-lt"/>
-            </a:rPr>
-            <a:t>Competitive intelligence data</a:t>
-          </a:r>
-        </a:p>
-      </dsp:txBody>
-      <dsp:txXfrm>
-        <a:off x="1676399" y="3164204"/>
-        <a:ext cx="1676400" cy="691515"/>
-      </dsp:txXfrm>
-    </dsp:sp>
-    <dsp:sp modelId="{2099A668-C280-49D5-BCD8-5B0BBA1B23FB}">
-      <dsp:nvSpPr>
-        <dsp:cNvPr id="0" name=""/>
-        <dsp:cNvSpPr/>
-      </dsp:nvSpPr>
-      <dsp:spPr>
-        <a:xfrm>
-          <a:off x="461009" y="1005839"/>
-          <a:ext cx="2179320" cy="2179320"/>
-        </a:xfrm>
-        <a:prstGeom prst="ellipse">
-          <a:avLst/>
-        </a:prstGeom>
-        <a:gradFill rotWithShape="0">
-          <a:gsLst>
-            <a:gs pos="0">
-              <a:schemeClr val="accent5">
-                <a:alpha val="50000"/>
-                <a:hueOff val="0"/>
-                <a:satOff val="0"/>
-                <a:lumOff val="0"/>
-                <a:alphaOff val="0"/>
-                <a:satMod val="103000"/>
-                <a:lumMod val="102000"/>
-                <a:tint val="94000"/>
-              </a:schemeClr>
-            </a:gs>
-            <a:gs pos="50000">
-              <a:schemeClr val="accent5">
-                <a:alpha val="50000"/>
-                <a:hueOff val="0"/>
-                <a:satOff val="0"/>
-                <a:lumOff val="0"/>
-                <a:alphaOff val="0"/>
-                <a:satMod val="110000"/>
-                <a:lumMod val="100000"/>
-                <a:shade val="100000"/>
-              </a:schemeClr>
-            </a:gs>
-            <a:gs pos="100000">
-              <a:schemeClr val="accent5">
-                <a:alpha val="50000"/>
-                <a:hueOff val="0"/>
-                <a:satOff val="0"/>
-                <a:lumOff val="0"/>
-                <a:alphaOff val="0"/>
-                <a:lumMod val="99000"/>
-                <a:satMod val="120000"/>
-                <a:shade val="78000"/>
-              </a:schemeClr>
-            </a:gs>
-          </a:gsLst>
-          <a:lin ang="5400000" scaled="0"/>
-        </a:gradFill>
-        <a:ln>
-          <a:noFill/>
-        </a:ln>
-        <a:effectLst/>
-      </dsp:spPr>
-      <dsp:style>
-        <a:lnRef idx="0">
-          <a:scrgbClr r="0" g="0" b="0"/>
-        </a:lnRef>
-        <a:fillRef idx="3">
-          <a:scrgbClr r="0" g="0" b="0"/>
-        </a:fillRef>
-        <a:effectRef idx="0">
-          <a:scrgbClr r="0" g="0" b="0"/>
-        </a:effectRef>
-        <a:fontRef idx="minor">
-          <a:schemeClr val="tx1"/>
-        </a:fontRef>
-      </dsp:style>
-      <dsp:txBody>
-        <a:bodyPr spcFirstLastPara="0" vert="horz" wrap="square" lIns="0" tIns="0" rIns="0" bIns="0" numCol="1" spcCol="1270" anchor="ctr" anchorCtr="0">
-          <a:noAutofit/>
-        </a:bodyPr>
-        <a:lstStyle/>
-        <a:p>
-          <a:pPr marL="0" marR="0" lvl="0" indent="0" algn="ctr" defTabSz="622300" rtl="0" eaLnBrk="1" fontAlgn="base" latinLnBrk="0" hangingPunct="1">
-            <a:lnSpc>
-              <a:spcPct val="90000"/>
-            </a:lnSpc>
-            <a:spcBef>
-              <a:spcPct val="0"/>
-            </a:spcBef>
-            <a:spcAft>
-              <a:spcPct val="35000"/>
-            </a:spcAft>
-            <a:buClrTx/>
-            <a:buSzTx/>
-            <a:buFontTx/>
-            <a:buNone/>
-            <a:tabLst/>
-          </a:pPr>
-          <a:r>
-            <a:rPr kumimoji="0" lang="en-US" sz="1400" b="0" i="0" u="none" strike="noStrike" kern="1200" cap="none" normalizeH="0" baseline="0" dirty="0">
-              <a:ln/>
-              <a:effectLst/>
-              <a:latin typeface="+mn-lt"/>
-            </a:rPr>
-            <a:t>Market analysis, </a:t>
-          </a:r>
-        </a:p>
-        <a:p>
-          <a:pPr marL="0" marR="0" lvl="0" indent="0" algn="ctr" defTabSz="622300" rtl="0" eaLnBrk="1" fontAlgn="base" latinLnBrk="0" hangingPunct="1">
-            <a:lnSpc>
-              <a:spcPct val="90000"/>
-            </a:lnSpc>
-            <a:spcBef>
-              <a:spcPct val="0"/>
-            </a:spcBef>
-            <a:spcAft>
-              <a:spcPct val="35000"/>
-            </a:spcAft>
-            <a:buClrTx/>
-            <a:buSzTx/>
-            <a:buFontTx/>
-            <a:buNone/>
-            <a:tabLst/>
-          </a:pPr>
-          <a:r>
-            <a:rPr kumimoji="0" lang="en-US" sz="1400" b="0" i="0" u="none" strike="noStrike" kern="1200" cap="none" normalizeH="0" baseline="0" dirty="0">
-              <a:ln/>
-              <a:effectLst/>
-              <a:latin typeface="+mn-lt"/>
-            </a:rPr>
-            <a:t>review and monitoring</a:t>
-          </a:r>
-        </a:p>
-      </dsp:txBody>
-      <dsp:txXfrm>
-        <a:off x="628649" y="1257299"/>
-        <a:ext cx="838200" cy="1676400"/>
-      </dsp:txXfrm>
-    </dsp:sp>
-  </dsp:spTree>
-</dsp:drawing>
-</file>
-
-<file path=ppt/diagrams/drawing2.xml><?xml version="1.0" encoding="utf-8"?>
 <dsp:drawing xmlns:dgm="http://schemas.openxmlformats.org/drawingml/2006/diagram" xmlns:dsp="http://schemas.microsoft.com/office/drawing/2008/diagram" xmlns:a="http://schemas.openxmlformats.org/drawingml/2006/main">
   <dsp:spTree>
     <dsp:nvGrpSpPr>
@@ -6401,7 +4726,7 @@
 </dsp:drawing>
 </file>
 
-<file path=ppt/diagrams/drawing3.xml><?xml version="1.0" encoding="utf-8"?>
+<file path=ppt/diagrams/drawing2.xml><?xml version="1.0" encoding="utf-8"?>
 <dsp:drawing xmlns:dgm="http://schemas.openxmlformats.org/drawingml/2006/diagram" xmlns:dsp="http://schemas.microsoft.com/office/drawing/2008/diagram" xmlns:a="http://schemas.openxmlformats.org/drawingml/2006/main">
   <dsp:spTree>
     <dsp:nvGrpSpPr>
@@ -6992,7 +5317,7 @@
 </dsp:drawing>
 </file>
 
-<file path=ppt/diagrams/drawing4.xml><?xml version="1.0" encoding="utf-8"?>
+<file path=ppt/diagrams/drawing3.xml><?xml version="1.0" encoding="utf-8"?>
 <dsp:drawing xmlns:dgm="http://schemas.openxmlformats.org/drawingml/2006/diagram" xmlns:dsp="http://schemas.microsoft.com/office/drawing/2008/diagram" xmlns:a="http://schemas.openxmlformats.org/drawingml/2006/main">
   <dsp:spTree>
     <dsp:nvGrpSpPr>
@@ -7709,23 +6034,59 @@
 </file>
 
 <file path=ppt/diagrams/layout1.xml><?xml version="1.0" encoding="utf-8"?>
-<dgm:layoutDef xmlns:dgm="http://schemas.openxmlformats.org/drawingml/2006/diagram" xmlns:a="http://schemas.openxmlformats.org/drawingml/2006/main" uniqueId="urn:microsoft.com/office/officeart/2005/8/layout/venn1">
+<dgm:layoutDef xmlns:dgm="http://schemas.openxmlformats.org/drawingml/2006/diagram" xmlns:a="http://schemas.openxmlformats.org/drawingml/2006/main" uniqueId="urn:microsoft.com/office/officeart/2005/8/layout/radial6">
   <dgm:title val=""/>
   <dgm:desc val=""/>
   <dgm:catLst>
-    <dgm:cat type="relationship" pri="28000"/>
-    <dgm:cat type="convert" pri="19000"/>
+    <dgm:cat type="cycle" pri="9000"/>
+    <dgm:cat type="relationship" pri="21000"/>
   </dgm:catLst>
-  <dgm:sampData useDef="1">
+  <dgm:sampData>
     <dgm:dataModel>
-      <dgm:ptLst/>
+      <dgm:ptLst>
+        <dgm:pt modelId="0" type="doc"/>
+        <dgm:pt modelId="1">
+          <dgm:prSet phldr="1"/>
+        </dgm:pt>
+        <dgm:pt modelId="11">
+          <dgm:prSet phldr="1"/>
+        </dgm:pt>
+        <dgm:pt modelId="12">
+          <dgm:prSet phldr="1"/>
+        </dgm:pt>
+        <dgm:pt modelId="13">
+          <dgm:prSet phldr="1"/>
+        </dgm:pt>
+        <dgm:pt modelId="14">
+          <dgm:prSet phldr="1"/>
+        </dgm:pt>
+      </dgm:ptLst>
+      <dgm:cxnLst>
+        <dgm:cxn modelId="2" srcId="0" destId="1" srcOrd="0" destOrd="0"/>
+        <dgm:cxn modelId="3" srcId="1" destId="11" srcOrd="0" destOrd="0"/>
+        <dgm:cxn modelId="4" srcId="1" destId="12" srcOrd="1" destOrd="0"/>
+        <dgm:cxn modelId="5" srcId="1" destId="13" srcOrd="2" destOrd="0"/>
+        <dgm:cxn modelId="6" srcId="1" destId="14" srcOrd="3" destOrd="0"/>
+      </dgm:cxnLst>
       <dgm:bg/>
       <dgm:whole/>
     </dgm:dataModel>
   </dgm:sampData>
-  <dgm:styleData useDef="1">
+  <dgm:styleData>
     <dgm:dataModel>
-      <dgm:ptLst/>
+      <dgm:ptLst>
+        <dgm:pt modelId="0" type="doc"/>
+        <dgm:pt modelId="1"/>
+        <dgm:pt modelId="11"/>
+        <dgm:pt modelId="12"/>
+        <dgm:pt modelId="13"/>
+      </dgm:ptLst>
+      <dgm:cxnLst>
+        <dgm:cxn modelId="2" srcId="0" destId="1" srcOrd="0" destOrd="0"/>
+        <dgm:cxn modelId="15" srcId="1" destId="11" srcOrd="0" destOrd="0"/>
+        <dgm:cxn modelId="16" srcId="1" destId="12" srcOrd="1" destOrd="0"/>
+        <dgm:cxn modelId="17" srcId="1" destId="13" srcOrd="2" destOrd="0"/>
+      </dgm:cxnLst>
       <dgm:bg/>
       <dgm:whole/>
     </dgm:dataModel>
@@ -7735,849 +6096,345 @@
       <dgm:ptLst>
         <dgm:pt modelId="0" type="doc"/>
         <dgm:pt modelId="1"/>
-        <dgm:pt modelId="2"/>
-        <dgm:pt modelId="3"/>
-        <dgm:pt modelId="4"/>
+        <dgm:pt modelId="11"/>
+        <dgm:pt modelId="12"/>
+        <dgm:pt modelId="13"/>
+        <dgm:pt modelId="14"/>
+        <dgm:pt modelId="15"/>
+        <dgm:pt modelId="16"/>
       </dgm:ptLst>
       <dgm:cxnLst>
-        <dgm:cxn modelId="7" srcId="0" destId="1" srcOrd="0" destOrd="0"/>
-        <dgm:cxn modelId="8" srcId="0" destId="2" srcOrd="1" destOrd="0"/>
-        <dgm:cxn modelId="9" srcId="0" destId="3" srcOrd="2" destOrd="0"/>
-        <dgm:cxn modelId="10" srcId="0" destId="4" srcOrd="3" destOrd="0"/>
+        <dgm:cxn modelId="2" srcId="0" destId="1" srcOrd="0" destOrd="0"/>
+        <dgm:cxn modelId="16" srcId="1" destId="11" srcOrd="0" destOrd="0"/>
+        <dgm:cxn modelId="17" srcId="1" destId="12" srcOrd="1" destOrd="0"/>
+        <dgm:cxn modelId="18" srcId="1" destId="13" srcOrd="2" destOrd="0"/>
+        <dgm:cxn modelId="19" srcId="1" destId="14" srcOrd="3" destOrd="0"/>
+        <dgm:cxn modelId="20" srcId="1" destId="15" srcOrd="4" destOrd="0"/>
+        <dgm:cxn modelId="21" srcId="1" destId="16" srcOrd="5" destOrd="0"/>
       </dgm:cxnLst>
       <dgm:bg/>
       <dgm:whole/>
     </dgm:dataModel>
   </dgm:clrData>
-  <dgm:layoutNode name="compositeShape">
+  <dgm:layoutNode name="Name0">
     <dgm:varLst>
-      <dgm:chMax val="7"/>
+      <dgm:chMax val="1"/>
       <dgm:dir/>
+      <dgm:animLvl val="ctr"/>
       <dgm:resizeHandles val="exact"/>
     </dgm:varLst>
-    <dgm:choose name="Name0">
-      <dgm:if name="Name1" axis="ch" ptType="node" func="cnt" op="equ" val="1">
-        <dgm:alg type="composite">
-          <dgm:param type="ar" val="1"/>
-        </dgm:alg>
+    <dgm:choose name="Name1">
+      <dgm:if name="Name2" func="var" arg="dir" op="equ" val="norm">
+        <dgm:choose name="Name3">
+          <dgm:if name="Name4" axis="ch ch" ptType="node node" st="1 1" cnt="1 0" func="cnt" op="lte" val="1">
+            <dgm:alg type="cycle">
+              <dgm:param type="stAng" val="90"/>
+              <dgm:param type="spanAng" val="360"/>
+              <dgm:param type="ctrShpMap" val="fNode"/>
+            </dgm:alg>
+          </dgm:if>
+          <dgm:else name="Name5">
+            <dgm:alg type="cycle">
+              <dgm:param type="stAng" val="0"/>
+              <dgm:param type="spanAng" val="360"/>
+              <dgm:param type="ctrShpMap" val="fNode"/>
+            </dgm:alg>
+          </dgm:else>
+        </dgm:choose>
       </dgm:if>
-      <dgm:if name="Name2" axis="ch" ptType="node" func="cnt" op="equ" val="2">
-        <dgm:alg type="composite">
-          <dgm:param type="ar" val="1.792"/>
-        </dgm:alg>
-      </dgm:if>
-      <dgm:if name="Name3" axis="ch" ptType="node" func="cnt" op="equ" val="3">
-        <dgm:alg type="composite">
-          <dgm:param type="ar" val="1"/>
-        </dgm:alg>
-      </dgm:if>
-      <dgm:if name="Name4" axis="ch" ptType="node" func="cnt" op="equ" val="4">
-        <dgm:alg type="composite">
-          <dgm:param type="ar" val="1"/>
-        </dgm:alg>
-      </dgm:if>
-      <dgm:if name="Name5" axis="ch" ptType="node" func="cnt" op="equ" val="5">
-        <dgm:alg type="composite">
-          <dgm:param type="ar" val="1.4"/>
-        </dgm:alg>
-      </dgm:if>
-      <dgm:if name="Name6" axis="ch" ptType="node" func="cnt" op="equ" val="6">
-        <dgm:alg type="composite">
-          <dgm:param type="ar" val="1.285"/>
-        </dgm:alg>
-      </dgm:if>
-      <dgm:if name="Name7" axis="ch" ptType="node" func="cnt" op="equ" val="7">
-        <dgm:alg type="composite">
-          <dgm:param type="ar" val="1.359"/>
-        </dgm:alg>
-      </dgm:if>
-      <dgm:else name="Name8">
-        <dgm:alg type="composite">
-          <dgm:param type="ar" val="1.359"/>
-        </dgm:alg>
+      <dgm:else name="Name6">
+        <dgm:choose name="Name7">
+          <dgm:if name="Name8" axis="ch ch" ptType="node node" st="1 1" cnt="1 0" func="cnt" op="lte" val="1">
+            <dgm:alg type="cycle">
+              <dgm:param type="stAng" val="-90"/>
+              <dgm:param type="spanAng" val="360"/>
+              <dgm:param type="ctrShpMap" val="fNode"/>
+            </dgm:alg>
+          </dgm:if>
+          <dgm:else name="Name9">
+            <dgm:alg type="cycle">
+              <dgm:param type="stAng" val="0"/>
+              <dgm:param type="spanAng" val="-360"/>
+              <dgm:param type="ctrShpMap" val="fNode"/>
+            </dgm:alg>
+          </dgm:else>
+        </dgm:choose>
       </dgm:else>
     </dgm:choose>
     <dgm:shape xmlns:r="http://schemas.openxmlformats.org/officeDocument/2006/relationships" r:blip="">
       <dgm:adjLst/>
     </dgm:shape>
     <dgm:presOf/>
-    <dgm:choose name="Name9">
-      <dgm:if name="Name10" axis="ch" ptType="node" func="cnt" op="equ" val="1">
-        <dgm:constrLst>
-          <dgm:constr type="ctrX" for="ch" forName="circ1TxSh" refType="w" fact="0.5"/>
-          <dgm:constr type="ctrY" for="ch" forName="circ1TxSh" refType="h" fact="0.5"/>
-          <dgm:constr type="w" for="ch" forName="circ1TxSh" refType="w"/>
-          <dgm:constr type="h" for="ch" forName="circ1TxSh" refType="h"/>
-          <dgm:constr type="primFontSz" for="ch" ptType="node" op="equ"/>
-        </dgm:constrLst>
+    <dgm:choose name="Name10">
+      <dgm:if name="Name11" func="var" arg="dir" op="equ" val="norm">
+        <dgm:choose name="Name12">
+          <dgm:if name="Name13" axis="ch ch" ptType="node node" st="1 1" cnt="1 0" func="cnt" op="equ" val="1">
+            <dgm:constrLst>
+              <dgm:constr type="diam" val="170"/>
+              <dgm:constr type="w" for="ch" forName="centerShape" refType="w"/>
+              <dgm:constr type="w" for="ch" forName="oneComp" refType="w" refFor="ch" refForName="centerShape" op="equ" fact="0.7"/>
+              <dgm:constr type="sp" refType="w" refFor="ch" refForName="oneComp" fact="0.3"/>
+              <dgm:constr type="sibSp" refType="w" refFor="ch" refForName="oneComp" fact="0.3"/>
+              <dgm:constr type="primFontSz" for="ch" forName="centerShape" val="65"/>
+              <dgm:constr type="primFontSz" for="des" forName="oneNode" refType="primFontSz" refFor="ch" refForName="centerShape" fact="0.95"/>
+              <dgm:constr type="primFontSz" for="des" forName="oneNode" refType="primFontSz" refFor="ch" refForName="centerShape" op="lte" fact="0.95"/>
+              <dgm:constr type="diam" for="ch" forName="singleconn" refType="diam" op="equ" fact="-1"/>
+              <dgm:constr type="h" for="ch" forName="singleconn" refType="w" refFor="ch" refForName="oneComp" fact="0.24"/>
+              <dgm:constr type="w" for="ch" forName="dummya" refType="w" refFor="ch" refForName="oneComp" op="equ"/>
+              <dgm:constr type="w" for="ch" forName="dummyb" refType="w" refFor="ch" refForName="oneComp" op="equ"/>
+              <dgm:constr type="w" for="ch" forName="dummyc" refType="w" refFor="ch" refForName="oneComp" op="equ"/>
+            </dgm:constrLst>
+          </dgm:if>
+          <dgm:else name="Name14">
+            <dgm:constrLst>
+              <dgm:constr type="diam" val="170"/>
+              <dgm:constr type="w" for="ch" forName="centerShape" refType="w"/>
+              <dgm:constr type="w" for="ch" forName="node" refType="w" refFor="ch" refForName="centerShape" op="equ" fact="0.7"/>
+              <dgm:constr type="sp" refType="w" refFor="ch" refForName="node" fact="0.3"/>
+              <dgm:constr type="sibSp" refType="w" refFor="ch" refForName="node" fact="0.3"/>
+              <dgm:constr type="primFontSz" for="ch" forName="centerShape" val="65"/>
+              <dgm:constr type="primFontSz" for="des" forName="node" refType="primFontSz" refFor="ch" refForName="centerShape" fact="0.78"/>
+              <dgm:constr type="primFontSz" for="ch" forName="node" refType="primFontSz" refFor="ch" refForName="centerShape" op="lte" fact="0.95"/>
+              <dgm:constr type="diam" for="ch" forName="sibTrans" refType="diam" op="equ"/>
+              <dgm:constr type="h" for="ch" forName="sibTrans" refType="w" refFor="ch" refForName="node" fact="0.24"/>
+              <dgm:constr type="w" for="ch" forName="dummy" val="1"/>
+            </dgm:constrLst>
+          </dgm:else>
+        </dgm:choose>
       </dgm:if>
-      <dgm:if name="Name11" axis="ch" ptType="node" func="cnt" op="equ" val="2">
-        <dgm:constrLst>
-          <dgm:constr type="ctrX" for="ch" forName="circ1" refType="w" fact="0.3"/>
-          <dgm:constr type="ctrY" for="ch" forName="circ1" refType="h" fact="0.5"/>
-          <dgm:constr type="w" for="ch" forName="circ1" refType="w" fact="0.555"/>
-          <dgm:constr type="h" for="ch" forName="circ1" refType="h" fact="0.99456"/>
-          <dgm:constr type="l" for="ch" forName="circ1Tx" refType="w" fact="0.1"/>
-          <dgm:constr type="t" for="ch" forName="circ1Tx" refType="h" fact="0.12"/>
-          <dgm:constr type="w" for="ch" forName="circ1Tx" refType="w" fact="0.32"/>
-          <dgm:constr type="h" for="ch" forName="circ1Tx" refType="h" fact="0.76"/>
-          <dgm:constr type="ctrX" for="ch" forName="circ2" refType="w" fact="0.7"/>
-          <dgm:constr type="ctrY" for="ch" forName="circ2" refType="h" fact="0.5"/>
-          <dgm:constr type="w" for="ch" forName="circ2" refType="w" fact="0.555"/>
-          <dgm:constr type="h" for="ch" forName="circ2" refType="h" fact="0.99456"/>
-          <dgm:constr type="l" for="ch" forName="circ2Tx" refType="w" fact="0.58"/>
-          <dgm:constr type="t" for="ch" forName="circ2Tx" refType="h" fact="0.12"/>
-          <dgm:constr type="w" for="ch" forName="circ2Tx" refType="w" fact="0.32"/>
-          <dgm:constr type="h" for="ch" forName="circ2Tx" refType="h" fact="0.76"/>
-          <dgm:constr type="primFontSz" for="ch" ptType="node" op="equ"/>
-        </dgm:constrLst>
-      </dgm:if>
-      <dgm:if name="Name12" axis="ch" ptType="node" func="cnt" op="equ" val="3">
-        <dgm:constrLst>
-          <dgm:constr type="ctrX" for="ch" forName="circ1" refType="w" fact="0.5"/>
-          <dgm:constr type="ctrY" for="ch" forName="circ1" refType="w" fact="0.25"/>
-          <dgm:constr type="w" for="ch" forName="circ1" refType="w" fact="0.6"/>
-          <dgm:constr type="h" for="ch" forName="circ1" refType="h" fact="0.6"/>
-          <dgm:constr type="l" for="ch" forName="circ1Tx" refType="w" fact="0.28"/>
-          <dgm:constr type="t" for="ch" forName="circ1Tx" refType="h" fact="0.055"/>
-          <dgm:constr type="w" for="ch" forName="circ1Tx" refType="w" fact="0.44"/>
-          <dgm:constr type="h" for="ch" forName="circ1Tx" refType="h" fact="0.27"/>
-          <dgm:constr type="ctrX" for="ch" forName="circ2" refType="w" fact="0.7165"/>
-          <dgm:constr type="ctrY" for="ch" forName="circ2" refType="w" fact="0.625"/>
-          <dgm:constr type="w" for="ch" forName="circ2" refType="w" fact="0.6"/>
-          <dgm:constr type="h" for="ch" forName="circ2" refType="h" fact="0.6"/>
-          <dgm:constr type="l" for="ch" forName="circ2Tx" refType="w" fact="0.6"/>
-          <dgm:constr type="t" for="ch" forName="circ2Tx" refType="h" fact="0.48"/>
-          <dgm:constr type="w" for="ch" forName="circ2Tx" refType="w" fact="0.36"/>
-          <dgm:constr type="h" for="ch" forName="circ2Tx" refType="h" fact="0.33"/>
-          <dgm:constr type="ctrX" for="ch" forName="circ3" refType="w" fact="0.2835"/>
-          <dgm:constr type="ctrY" for="ch" forName="circ3" refType="w" fact="0.625"/>
-          <dgm:constr type="w" for="ch" forName="circ3" refType="w" fact="0.6"/>
-          <dgm:constr type="h" for="ch" forName="circ3" refType="h" fact="0.6"/>
-          <dgm:constr type="l" for="ch" forName="circ3Tx" refType="w" fact="0.04"/>
-          <dgm:constr type="t" for="ch" forName="circ3Tx" refType="h" fact="0.48"/>
-          <dgm:constr type="w" for="ch" forName="circ3Tx" refType="w" fact="0.36"/>
-          <dgm:constr type="h" for="ch" forName="circ3Tx" refType="h" fact="0.33"/>
-          <dgm:constr type="primFontSz" for="ch" ptType="node" op="equ"/>
-        </dgm:constrLst>
-      </dgm:if>
-      <dgm:if name="Name13" axis="ch" ptType="node" func="cnt" op="equ" val="4">
-        <dgm:constrLst>
-          <dgm:constr type="ctrX" for="ch" forName="circ1" refType="w" fact="0.5"/>
-          <dgm:constr type="ctrY" for="ch" forName="circ1" refType="w" fact="0.27"/>
-          <dgm:constr type="w" for="ch" forName="circ1" refType="w" fact="0.52"/>
-          <dgm:constr type="h" for="ch" forName="circ1" refType="h" fact="0.52"/>
-          <dgm:constr type="l" for="ch" forName="circ1Tx" refType="w" fact="0.3"/>
-          <dgm:constr type="t" for="ch" forName="circ1Tx" refType="h" fact="0.08"/>
-          <dgm:constr type="w" for="ch" forName="circ1Tx" refType="w" fact="0.4"/>
-          <dgm:constr type="h" for="ch" forName="circ1Tx" refType="h" fact="0.165"/>
-          <dgm:constr type="ctrX" for="ch" forName="circ2" refType="w" fact="0.73"/>
-          <dgm:constr type="ctrY" for="ch" forName="circ2" refType="w" fact="0.5"/>
-          <dgm:constr type="w" for="ch" forName="circ2" refType="w" fact="0.52"/>
-          <dgm:constr type="h" for="ch" forName="circ2" refType="h" fact="0.52"/>
-          <dgm:constr type="r" for="ch" forName="circ2Tx" refType="w" fact="0.95"/>
-          <dgm:constr type="t" for="ch" forName="circ2Tx" refType="h" fact="0.3"/>
-          <dgm:constr type="w" for="ch" forName="circ2Tx" refType="w" fact="0.2"/>
-          <dgm:constr type="h" for="ch" forName="circ2Tx" refType="h" fact="0.4"/>
-          <dgm:constr type="ctrX" for="ch" forName="circ3" refType="w" fact="0.5"/>
-          <dgm:constr type="ctrY" for="ch" forName="circ3" refType="w" fact="0.73"/>
-          <dgm:constr type="w" for="ch" forName="circ3" refType="w" fact="0.52"/>
-          <dgm:constr type="h" for="ch" forName="circ3" refType="h" fact="0.52"/>
-          <dgm:constr type="l" for="ch" forName="circ3Tx" refType="w" fact="0.3"/>
-          <dgm:constr type="b" for="ch" forName="circ3Tx" refType="h" fact="0.92"/>
-          <dgm:constr type="w" for="ch" forName="circ3Tx" refType="w" fact="0.4"/>
-          <dgm:constr type="h" for="ch" forName="circ3Tx" refType="h" fact="0.165"/>
-          <dgm:constr type="ctrX" for="ch" forName="circ4" refType="w" fact="0.27"/>
-          <dgm:constr type="ctrY" for="ch" forName="circ4" refType="h" fact="0.5"/>
-          <dgm:constr type="w" for="ch" forName="circ4" refType="w" fact="0.52"/>
-          <dgm:constr type="h" for="ch" forName="circ4" refType="h" fact="0.52"/>
-          <dgm:constr type="l" for="ch" forName="circ4Tx" refType="w" fact="0.05"/>
-          <dgm:constr type="t" for="ch" forName="circ4Tx" refType="h" fact="0.3"/>
-          <dgm:constr type="w" for="ch" forName="circ4Tx" refType="w" fact="0.2"/>
-          <dgm:constr type="h" for="ch" forName="circ4Tx" refType="h" fact="0.4"/>
-          <dgm:constr type="primFontSz" for="ch" ptType="node" op="equ"/>
-        </dgm:constrLst>
-      </dgm:if>
-      <dgm:if name="Name14" axis="ch" ptType="node" func="cnt" op="equ" val="5">
-        <dgm:constrLst>
-          <dgm:constr type="ctrX" for="ch" forName="circ1" refType="w" fact="0.5"/>
-          <dgm:constr type="ctrY" for="ch" forName="circ1" refType="h" fact="0.46"/>
-          <dgm:constr type="w" for="ch" forName="circ1" refType="w" fact="0.25"/>
-          <dgm:constr type="h" for="ch" forName="circ1" refType="h" fact="0.35"/>
-          <dgm:constr type="l" for="ch" forName="circ1Tx" refType="w" fact="0.355"/>
-          <dgm:constr type="t" for="ch" forName="circ1Tx"/>
-          <dgm:constr type="w" for="ch" forName="circ1Tx" refType="w" fact="0.29"/>
-          <dgm:constr type="h" for="ch" forName="circ1Tx" refType="h" fact="0.235"/>
-          <dgm:constr type="ctrX" for="ch" forName="circ2" refType="w" fact="0.5951"/>
-          <dgm:constr type="ctrY" for="ch" forName="circ2" refType="h" fact="0.5567"/>
-          <dgm:constr type="w" for="ch" forName="circ2" refType="w" fact="0.25"/>
-          <dgm:constr type="h" for="ch" forName="circ2" refType="h" fact="0.35"/>
-          <dgm:constr type="l" for="ch" forName="circ2Tx" refType="w" fact="0.74"/>
-          <dgm:constr type="t" for="ch" forName="circ2Tx" refType="h" fact="0.31"/>
-          <dgm:constr type="w" for="ch" forName="circ2Tx" refType="w" fact="0.26"/>
-          <dgm:constr type="h" for="ch" forName="circ2Tx" refType="h" fact="0.255"/>
-          <dgm:constr type="ctrX" for="ch" forName="circ3" refType="w" fact="0.5588"/>
-          <dgm:constr type="ctrY" for="ch" forName="circ3" refType="h" fact="0.7133"/>
-          <dgm:constr type="w" for="ch" forName="circ3" refType="w" fact="0.25"/>
-          <dgm:constr type="h" for="ch" forName="circ3" refType="h" fact="0.35"/>
-          <dgm:constr type="l" for="ch" forName="circ3Tx" refType="w" fact="0.7"/>
-          <dgm:constr type="t" for="ch" forName="circ3Tx" refType="h" fact="0.745"/>
-          <dgm:constr type="w" for="ch" forName="circ3Tx" refType="w" fact="0.26"/>
-          <dgm:constr type="h" for="ch" forName="circ3Tx" refType="h" fact="0.255"/>
-          <dgm:constr type="ctrX" for="ch" forName="circ4" refType="w" fact="0.4412"/>
-          <dgm:constr type="ctrY" for="ch" forName="circ4" refType="h" fact="0.7133"/>
-          <dgm:constr type="w" for="ch" forName="circ4" refType="w" fact="0.25"/>
-          <dgm:constr type="h" for="ch" forName="circ4" refType="h" fact="0.35"/>
-          <dgm:constr type="l" for="ch" forName="circ4Tx" refType="w" fact="0.04"/>
-          <dgm:constr type="t" for="ch" forName="circ4Tx" refType="h" fact="0.745"/>
-          <dgm:constr type="w" for="ch" forName="circ4Tx" refType="w" fact="0.26"/>
-          <dgm:constr type="h" for="ch" forName="circ4Tx" refType="h" fact="0.255"/>
-          <dgm:constr type="ctrX" for="ch" forName="circ5" refType="w" fact="0.4049"/>
-          <dgm:constr type="ctrY" for="ch" forName="circ5" refType="h" fact="0.5567"/>
-          <dgm:constr type="w" for="ch" forName="circ5" refType="w" fact="0.25"/>
-          <dgm:constr type="h" for="ch" forName="circ5" refType="h" fact="0.35"/>
-          <dgm:constr type="l" for="ch" forName="circ5Tx"/>
-          <dgm:constr type="t" for="ch" forName="circ5Tx" refType="h" fact="0.31"/>
-          <dgm:constr type="w" for="ch" forName="circ5Tx" refType="w" fact="0.26"/>
-          <dgm:constr type="h" for="ch" forName="circ5Tx" refType="h" fact="0.255"/>
-          <dgm:constr type="primFontSz" for="ch" ptType="node" op="equ"/>
-        </dgm:constrLst>
-      </dgm:if>
-      <dgm:if name="Name15" axis="ch" ptType="node" func="cnt" op="equ" val="6">
-        <dgm:constrLst>
-          <dgm:constr type="ctrX" for="ch" forName="circ1" refType="w" fact="0.5"/>
-          <dgm:constr type="ctrY" for="ch" forName="circ1" refType="h" fact="0.3844"/>
-          <dgm:constr type="w" for="ch" forName="circ1" refType="w" fact="0.24"/>
-          <dgm:constr type="h" for="ch" forName="circ1" refType="h" fact="0.3084"/>
-          <dgm:constr type="l" for="ch" forName="circ1Tx" refType="w" fact="0.35"/>
-          <dgm:constr type="t" for="ch" forName="circ1Tx"/>
-          <dgm:constr type="w" for="ch" forName="circ1Tx" refType="w" fact="0.3"/>
-          <dgm:constr type="h" for="ch" forName="circ1Tx" refType="h" fact="0.21"/>
-          <dgm:constr type="ctrX" for="ch" forName="circ2" refType="w" fact="0.5779"/>
-          <dgm:constr type="ctrY" for="ch" forName="circ2" refType="h" fact="0.4422"/>
-          <dgm:constr type="w" for="ch" forName="circ2" refType="w" fact="0.24"/>
-          <dgm:constr type="h" for="ch" forName="circ2" refType="h" fact="0.3084"/>
-          <dgm:constr type="l" for="ch" forName="circ2Tx" refType="w" fact="0.7157"/>
-          <dgm:constr type="t" for="ch" forName="circ2Tx" refType="h" fact="0.2"/>
-          <dgm:constr type="w" for="ch" forName="circ2Tx" refType="w" fact="0.2843"/>
-          <dgm:constr type="h" for="ch" forName="circ2Tx" refType="h" fact="0.23"/>
-          <dgm:constr type="ctrX" for="ch" forName="circ3" refType="w" fact="0.5779"/>
-          <dgm:constr type="ctrY" for="ch" forName="circ3" refType="h" fact="0.5578"/>
-          <dgm:constr type="w" for="ch" forName="circ3" refType="w" fact="0.24"/>
-          <dgm:constr type="h" for="ch" forName="circ3" refType="h" fact="0.3084"/>
-          <dgm:constr type="l" for="ch" forName="circ3Tx" refType="w" fact="0.7157"/>
-          <dgm:constr type="t" for="ch" forName="circ3Tx" refType="h" fact="0.543"/>
-          <dgm:constr type="w" for="ch" forName="circ3Tx" refType="w" fact="0.2843"/>
-          <dgm:constr type="h" for="ch" forName="circ3Tx" refType="h" fact="0.257"/>
-          <dgm:constr type="ctrX" for="ch" forName="circ4" refType="w" fact="0.5"/>
-          <dgm:constr type="ctrY" for="ch" forName="circ4" refType="h" fact="0.6157"/>
-          <dgm:constr type="w" for="ch" forName="circ4" refType="w" fact="0.24"/>
-          <dgm:constr type="h" for="ch" forName="circ4" refType="h" fact="0.3084"/>
-          <dgm:constr type="l" for="ch" forName="circ4Tx" refType="w" fact="0.35"/>
-          <dgm:constr type="t" for="ch" forName="circ4Tx" refType="h" fact="0.79"/>
-          <dgm:constr type="w" for="ch" forName="circ4Tx" refType="w" fact="0.3"/>
-          <dgm:constr type="h" for="ch" forName="circ4Tx" refType="h" fact="0.21"/>
-          <dgm:constr type="ctrX" for="ch" forName="circ5" refType="w" fact="0.4221"/>
-          <dgm:constr type="ctrY" for="ch" forName="circ5" refType="h" fact="0.5578"/>
-          <dgm:constr type="w" for="ch" forName="circ5" refType="w" fact="0.24"/>
-          <dgm:constr type="h" for="ch" forName="circ5" refType="h" fact="0.3084"/>
-          <dgm:constr type="l" for="ch" forName="circ5Tx" refType="w" fact="0"/>
-          <dgm:constr type="t" for="ch" forName="circ5Tx" refType="h" fact="0.543"/>
-          <dgm:constr type="w" for="ch" forName="circ5Tx" refType="w" fact="0.2843"/>
-          <dgm:constr type="h" for="ch" forName="circ5Tx" refType="h" fact="0.257"/>
-          <dgm:constr type="ctrX" for="ch" forName="circ6" refType="w" fact="0.4221"/>
-          <dgm:constr type="ctrY" for="ch" forName="circ6" refType="h" fact="0.4422"/>
-          <dgm:constr type="w" for="ch" forName="circ6" refType="w" fact="0.24"/>
-          <dgm:constr type="h" for="ch" forName="circ6" refType="h" fact="0.3084"/>
-          <dgm:constr type="l" for="ch" forName="circ6Tx" refType="w" fact="0"/>
-          <dgm:constr type="t" for="ch" forName="circ6Tx" refType="h" fact="0.2"/>
-          <dgm:constr type="w" for="ch" forName="circ6Tx" refType="w" fact="0.2843"/>
-          <dgm:constr type="h" for="ch" forName="circ6Tx" refType="h" fact="0.257"/>
-          <dgm:constr type="primFontSz" for="ch" ptType="node" op="equ"/>
-        </dgm:constrLst>
-      </dgm:if>
-      <dgm:else name="Name16">
-        <dgm:constrLst>
-          <dgm:constr type="ctrX" for="ch" forName="circ1" refType="w" fact="0.5"/>
-          <dgm:constr type="ctrY" for="ch" forName="circ1" refType="h" fact="0.4177"/>
-          <dgm:constr type="w" for="ch" forName="circ1" refType="w" fact="0.24"/>
-          <dgm:constr type="h" for="ch" forName="circ1" refType="h" fact="0.3262"/>
-          <dgm:constr type="l" for="ch" forName="circ1Tx" refType="w" fact="0.3625"/>
-          <dgm:constr type="t" for="ch" forName="circ1Tx"/>
-          <dgm:constr type="w" for="ch" forName="circ1Tx" refType="w" fact="0.275"/>
-          <dgm:constr type="h" for="ch" forName="circ1Tx" refType="h" fact="0.2"/>
-          <dgm:constr type="ctrX" for="ch" forName="circ2" refType="w" fact="0.5704"/>
-          <dgm:constr type="ctrY" for="ch" forName="circ2" refType="h" fact="0.4637"/>
-          <dgm:constr type="w" for="ch" forName="circ2" refType="w" fact="0.24"/>
-          <dgm:constr type="h" for="ch" forName="circ2" refType="h" fact="0.3262"/>
-          <dgm:constr type="l" for="ch" forName="circ2Tx" refType="w" fact="0.72"/>
-          <dgm:constr type="t" for="ch" forName="circ2Tx" refType="h" fact="0.19"/>
-          <dgm:constr type="w" for="ch" forName="circ2Tx" refType="w" fact="0.26"/>
-          <dgm:constr type="h" for="ch" forName="circ2Tx" refType="h" fact="0.22"/>
-          <dgm:constr type="ctrX" for="ch" forName="circ3" refType="w" fact="0.5877"/>
-          <dgm:constr type="ctrY" for="ch" forName="circ3" refType="h" fact="0.5672"/>
-          <dgm:constr type="w" for="ch" forName="circ3" refType="w" fact="0.24"/>
-          <dgm:constr type="h" for="ch" forName="circ3" refType="h" fact="0.3262"/>
-          <dgm:constr type="l" for="ch" forName="circ3Tx" refType="w" fact="0.745"/>
-          <dgm:constr type="t" for="ch" forName="circ3Tx" refType="h" fact="0.47"/>
-          <dgm:constr type="w" for="ch" forName="circ3Tx" refType="w" fact="0.255"/>
-          <dgm:constr type="h" for="ch" forName="circ3Tx" refType="h" fact="0.235"/>
-          <dgm:constr type="ctrX" for="ch" forName="circ4" refType="w" fact="0.539"/>
-          <dgm:constr type="ctrY" for="ch" forName="circ4" refType="h" fact="0.6502"/>
-          <dgm:constr type="w" for="ch" forName="circ4" refType="w" fact="0.24"/>
-          <dgm:constr type="h" for="ch" forName="circ4" refType="h" fact="0.3262"/>
-          <dgm:constr type="l" for="ch" forName="circ4Tx" refType="w" fact="0.635"/>
-          <dgm:constr type="t" for="ch" forName="circ4Tx" refType="h" fact="0.785"/>
-          <dgm:constr type="w" for="ch" forName="circ4Tx" refType="w" fact="0.275"/>
-          <dgm:constr type="h" for="ch" forName="circ4Tx" refType="h" fact="0.215"/>
-          <dgm:constr type="ctrX" for="ch" forName="circ5" refType="w" fact="0.461"/>
-          <dgm:constr type="ctrY" for="ch" forName="circ5" refType="h" fact="0.6502"/>
-          <dgm:constr type="w" for="ch" forName="circ5" refType="w" fact="0.24"/>
-          <dgm:constr type="h" for="ch" forName="circ5" refType="h" fact="0.3262"/>
-          <dgm:constr type="l" for="ch" forName="circ5Tx" refType="w" fact="0.09"/>
-          <dgm:constr type="t" for="ch" forName="circ5Tx" refType="h" fact="0.785"/>
-          <dgm:constr type="w" for="ch" forName="circ5Tx" refType="w" fact="0.275"/>
-          <dgm:constr type="h" for="ch" forName="circ5Tx" refType="h" fact="0.215"/>
-          <dgm:constr type="ctrX" for="ch" forName="circ6" refType="w" fact="0.4123"/>
-          <dgm:constr type="ctrY" for="ch" forName="circ6" refType="h" fact="0.5672"/>
-          <dgm:constr type="w" for="ch" forName="circ6" refType="w" fact="0.24"/>
-          <dgm:constr type="h" for="ch" forName="circ6" refType="h" fact="0.3262"/>
-          <dgm:constr type="l" for="ch" forName="circ6Tx"/>
-          <dgm:constr type="t" for="ch" forName="circ6Tx" refType="h" fact="0.47"/>
-          <dgm:constr type="w" for="ch" forName="circ6Tx" refType="w" fact="0.255"/>
-          <dgm:constr type="h" for="ch" forName="circ6Tx" refType="h" fact="0.235"/>
-          <dgm:constr type="ctrX" for="ch" forName="circ7" refType="w" fact="0.4296"/>
-          <dgm:constr type="ctrY" for="ch" forName="circ7" refType="h" fact="0.4637"/>
-          <dgm:constr type="w" for="ch" forName="circ7" refType="w" fact="0.24"/>
-          <dgm:constr type="h" for="ch" forName="circ7" refType="h" fact="0.3262"/>
-          <dgm:constr type="l" for="ch" forName="circ7Tx" refType="w" fact="0.02"/>
-          <dgm:constr type="t" for="ch" forName="circ7Tx" refType="h" fact="0.19"/>
-          <dgm:constr type="w" for="ch" forName="circ7Tx" refType="w" fact="0.26"/>
-          <dgm:constr type="h" for="ch" forName="circ7Tx" refType="h" fact="0.22"/>
-          <dgm:constr type="primFontSz" for="ch" ptType="node" op="equ"/>
-        </dgm:constrLst>
+      <dgm:else name="Name15">
+        <dgm:choose name="Name16">
+          <dgm:if name="Name17" axis="ch ch" ptType="node node" st="1 1" cnt="1 0" func="cnt" op="equ" val="1">
+            <dgm:constrLst>
+              <dgm:constr type="diam" val="170"/>
+              <dgm:constr type="w" for="ch" forName="centerShape" refType="w"/>
+              <dgm:constr type="w" for="ch" forName="oneComp" refType="w" refFor="ch" refForName="centerShape" op="equ" fact="0.7"/>
+              <dgm:constr type="sp" refType="w" refFor="ch" refForName="oneComp" fact="0.3"/>
+              <dgm:constr type="sibSp" refType="w" refFor="ch" refForName="oneComp" fact="0.3"/>
+              <dgm:constr type="primFontSz" for="ch" forName="centerShape" val="65"/>
+              <dgm:constr type="primFontSz" for="des" forName="oneNode" refType="primFontSz" refFor="ch" refForName="centerShape" fact="0.95"/>
+              <dgm:constr type="primFontSz" for="ch" forName="oneNode" refType="primFontSz" refFor="ch" refForName="centerShape" op="lte" fact="0.95"/>
+              <dgm:constr type="diam" for="ch" forName="singleconn" refType="diam"/>
+              <dgm:constr type="h" for="ch" forName="singleconn" refType="w" refFor="ch" refForName="oneComp" fact="0.24"/>
+              <dgm:constr type="diam" for="ch" refType="diam" op="equ"/>
+              <dgm:constr type="w" for="ch" forName="dummya" refType="w" refFor="ch" refForName="oneComp" op="equ"/>
+              <dgm:constr type="w" for="ch" forName="dummyb" refType="w" refFor="ch" refForName="oneComp" op="equ"/>
+              <dgm:constr type="w" for="ch" forName="dummyc" refType="w" refFor="ch" refForName="oneComp" op="equ"/>
+            </dgm:constrLst>
+          </dgm:if>
+          <dgm:else name="Name18">
+            <dgm:constrLst>
+              <dgm:constr type="diam" val="170"/>
+              <dgm:constr type="w" for="ch" forName="centerShape" refType="w"/>
+              <dgm:constr type="w" for="ch" forName="node" refType="w" refFor="ch" refForName="centerShape" op="equ" fact="0.7"/>
+              <dgm:constr type="sp" refType="w" refFor="ch" refForName="node" fact="0.3"/>
+              <dgm:constr type="sibSp" refType="w" refFor="ch" refForName="node" fact="0.3"/>
+              <dgm:constr type="primFontSz" for="ch" forName="centerShape" val="65"/>
+              <dgm:constr type="primFontSz" for="des" forName="node" refType="primFontSz" refFor="ch" refForName="centerShape" fact="0.78"/>
+              <dgm:constr type="primFontSz" for="ch" forName="node" refType="primFontSz" refFor="ch" refForName="centerShape" op="lte" fact="0.95"/>
+              <dgm:constr type="diam" for="ch" ptType="sibTrans" refType="diam" fact="-1"/>
+              <dgm:constr type="h" for="ch" forName="sibTrans" refType="w" refFor="ch" refForName="node" fact="0.24"/>
+              <dgm:constr type="diam" for="ch" refType="diam" op="equ" fact="-1"/>
+              <dgm:constr type="w" for="ch" forName="dummy" val="1"/>
+            </dgm:constrLst>
+          </dgm:else>
+        </dgm:choose>
       </dgm:else>
     </dgm:choose>
-    <dgm:ruleLst/>
-    <dgm:forEach name="Name17" axis="ch" ptType="node" cnt="1">
-      <dgm:choose name="Name18">
-        <dgm:if name="Name19" axis="root ch" ptType="all node" func="cnt" op="equ" val="1">
-          <dgm:layoutNode name="circ1TxSh" styleLbl="vennNode1">
-            <dgm:alg type="tx">
-              <dgm:param type="txAnchorHorzCh" val="ctr"/>
-              <dgm:param type="txAnchorVertCh" val="mid"/>
-            </dgm:alg>
-            <dgm:shape xmlns:r="http://schemas.openxmlformats.org/officeDocument/2006/relationships" type="ellipse" r:blip="">
-              <dgm:adjLst/>
-            </dgm:shape>
-            <dgm:choose name="Name20">
-              <dgm:if name="Name21" func="var" arg="dir" op="equ" val="norm">
-                <dgm:choose name="Name22">
-                  <dgm:if name="Name23" axis="root ch" ptType="all node" func="cnt" op="lte" val="4">
-                    <dgm:presOf axis="desOrSelf" ptType="node"/>
-                  </dgm:if>
-                  <dgm:else name="Name24">
-                    <dgm:presOf/>
-                  </dgm:else>
-                </dgm:choose>
-              </dgm:if>
-              <dgm:else name="Name25">
-                <dgm:choose name="Name26">
-                  <dgm:if name="Name27" axis="root ch" ptType="all node" func="cnt" op="equ" val="2">
-                    <dgm:presOf axis="root ch desOrSelf" ptType="all node node" st="1 2 1" cnt="1 1 0"/>
-                  </dgm:if>
-                  <dgm:else name="Name28">
-                    <dgm:presOf axis="desOrSelf" ptType="node"/>
-                  </dgm:else>
-                </dgm:choose>
-              </dgm:else>
-            </dgm:choose>
-            <dgm:constrLst>
-              <dgm:constr type="tMarg"/>
-              <dgm:constr type="bMarg"/>
-              <dgm:constr type="lMarg"/>
-              <dgm:constr type="rMarg"/>
-              <dgm:constr type="primFontSz" val="65"/>
-            </dgm:constrLst>
-            <dgm:ruleLst>
-              <dgm:rule type="primFontSz" val="5" fact="NaN" max="NaN"/>
-            </dgm:ruleLst>
-          </dgm:layoutNode>
-        </dgm:if>
-        <dgm:else name="Name29">
-          <dgm:layoutNode name="circ1" styleLbl="vennNode1">
-            <dgm:alg type="sp"/>
-            <dgm:shape xmlns:r="http://schemas.openxmlformats.org/officeDocument/2006/relationships" type="ellipse" r:blip="">
-              <dgm:adjLst/>
-            </dgm:shape>
-            <dgm:choose name="Name30">
-              <dgm:if name="Name31" func="var" arg="dir" op="equ" val="norm">
-                <dgm:choose name="Name32">
-                  <dgm:if name="Name33" axis="root ch" ptType="all node" func="cnt" op="lte" val="4">
-                    <dgm:presOf axis="desOrSelf" ptType="node"/>
-                  </dgm:if>
-                  <dgm:else name="Name34">
-                    <dgm:presOf/>
-                  </dgm:else>
-                </dgm:choose>
-              </dgm:if>
-              <dgm:else name="Name35">
-                <dgm:choose name="Name36">
-                  <dgm:if name="Name37" axis="root ch" ptType="all node" func="cnt" op="equ" val="2">
-                    <dgm:presOf axis="root ch desOrSelf" ptType="all node node" st="1 2 1" cnt="1 1 0"/>
-                  </dgm:if>
-                  <dgm:else name="Name38">
-                    <dgm:choose name="Name39">
-                      <dgm:if name="Name40" axis="root ch" ptType="all node" func="cnt" op="lte" val="4">
-                        <dgm:presOf axis="desOrSelf" ptType="node"/>
-                      </dgm:if>
-                      <dgm:else name="Name41">
-                        <dgm:presOf/>
-                      </dgm:else>
-                    </dgm:choose>
-                  </dgm:else>
-                </dgm:choose>
-              </dgm:else>
-            </dgm:choose>
-            <dgm:constrLst/>
-            <dgm:ruleLst/>
-          </dgm:layoutNode>
-          <dgm:layoutNode name="circ1Tx" styleLbl="revTx">
-            <dgm:varLst>
-              <dgm:chMax val="0"/>
-              <dgm:chPref val="0"/>
-              <dgm:bulletEnabled val="1"/>
-            </dgm:varLst>
-            <dgm:alg type="tx">
-              <dgm:param type="txAnchorHorzCh" val="ctr"/>
-              <dgm:param type="txAnchorVertCh" val="mid"/>
-            </dgm:alg>
-            <dgm:shape xmlns:r="http://schemas.openxmlformats.org/officeDocument/2006/relationships" type="rect" r:blip="" hideGeom="1">
-              <dgm:adjLst/>
-            </dgm:shape>
-            <dgm:choose name="Name42">
-              <dgm:if name="Name43" func="var" arg="dir" op="equ" val="norm">
-                <dgm:presOf axis="desOrSelf" ptType="node"/>
-              </dgm:if>
-              <dgm:else name="Name44">
-                <dgm:choose name="Name45">
-                  <dgm:if name="Name46" axis="root ch" ptType="all node" func="cnt" op="equ" val="2">
-                    <dgm:presOf axis="root ch desOrSelf" ptType="all node node" st="1 2 1" cnt="1 1 0"/>
-                  </dgm:if>
-                  <dgm:else name="Name47">
-                    <dgm:presOf axis="desOrSelf" ptType="node"/>
-                  </dgm:else>
-                </dgm:choose>
-              </dgm:else>
-            </dgm:choose>
-            <dgm:constrLst>
-              <dgm:constr type="tMarg"/>
-              <dgm:constr type="bMarg"/>
-              <dgm:constr type="lMarg"/>
-              <dgm:constr type="rMarg"/>
-              <dgm:constr type="primFontSz" val="65"/>
-            </dgm:constrLst>
-            <dgm:ruleLst>
-              <dgm:rule type="primFontSz" val="5" fact="NaN" max="NaN"/>
-            </dgm:ruleLst>
-          </dgm:layoutNode>
-        </dgm:else>
-      </dgm:choose>
-    </dgm:forEach>
-    <dgm:forEach name="Name48" axis="ch" ptType="node" st="2" cnt="1">
-      <dgm:layoutNode name="circ2" styleLbl="vennNode1">
-        <dgm:alg type="sp"/>
+    <dgm:ruleLst>
+      <dgm:rule type="diam" val="INF" fact="NaN" max="NaN"/>
+    </dgm:ruleLst>
+    <dgm:forEach name="Name19" axis="ch" ptType="node" cnt="1">
+      <dgm:layoutNode name="centerShape" styleLbl="node0">
+        <dgm:alg type="tx"/>
         <dgm:shape xmlns:r="http://schemas.openxmlformats.org/officeDocument/2006/relationships" type="ellipse" r:blip="">
           <dgm:adjLst/>
         </dgm:shape>
-        <dgm:choose name="Name49">
-          <dgm:if name="Name50" func="var" arg="dir" op="equ" val="norm">
-            <dgm:choose name="Name51">
-              <dgm:if name="Name52" axis="root ch" ptType="all node" func="cnt" op="lte" val="4">
-                <dgm:presOf axis="desOrSelf" ptType="node"/>
-              </dgm:if>
-              <dgm:else name="Name53">
-                <dgm:presOf/>
-              </dgm:else>
-            </dgm:choose>
-          </dgm:if>
-          <dgm:else name="Name54">
-            <dgm:choose name="Name55">
-              <dgm:if name="Name56" axis="root ch" ptType="all node" func="cnt" op="equ" val="2">
-                <dgm:presOf axis="root ch desOrSelf" ptType="all node node" st="1 1 1" cnt="1 1 0"/>
-              </dgm:if>
-              <dgm:if name="Name57" axis="root ch" ptType="all node" func="cnt" op="equ" val="3">
-                <dgm:presOf axis="root ch desOrSelf" ptType="all node node" st="1 3 1" cnt="1 1 0"/>
-              </dgm:if>
-              <dgm:if name="Name58" axis="root ch" ptType="all node" func="cnt" op="equ" val="4">
-                <dgm:presOf axis="root ch desOrSelf" ptType="all node node" st="1 4 1" cnt="1 1 0"/>
-              </dgm:if>
-              <dgm:else name="Name59">
-                <dgm:presOf/>
-              </dgm:else>
-            </dgm:choose>
-          </dgm:else>
-        </dgm:choose>
-        <dgm:constrLst/>
-        <dgm:ruleLst/>
-      </dgm:layoutNode>
-      <dgm:layoutNode name="circ2Tx" styleLbl="revTx">
-        <dgm:varLst>
-          <dgm:chMax val="0"/>
-          <dgm:chPref val="0"/>
-          <dgm:bulletEnabled val="1"/>
-        </dgm:varLst>
-        <dgm:alg type="tx">
-          <dgm:param type="txAnchorHorzCh" val="ctr"/>
-          <dgm:param type="txAnchorVertCh" val="mid"/>
-        </dgm:alg>
-        <dgm:shape xmlns:r="http://schemas.openxmlformats.org/officeDocument/2006/relationships" type="rect" r:blip="" hideGeom="1">
-          <dgm:adjLst/>
-        </dgm:shape>
-        <dgm:choose name="Name60">
-          <dgm:if name="Name61" func="var" arg="dir" op="equ" val="norm">
-            <dgm:presOf axis="desOrSelf" ptType="node"/>
-          </dgm:if>
-          <dgm:else name="Name62">
-            <dgm:choose name="Name63">
-              <dgm:if name="Name64" axis="root ch" ptType="all node" func="cnt" op="equ" val="2">
-                <dgm:presOf axis="root ch desOrSelf" ptType="all node node" st="1 1 1" cnt="1 1 0"/>
-              </dgm:if>
-              <dgm:if name="Name65" axis="root ch" ptType="all node" func="cnt" op="equ" val="3">
-                <dgm:presOf axis="root ch desOrSelf" ptType="all node node" st="1 3 1" cnt="1 1 0"/>
-              </dgm:if>
-              <dgm:if name="Name66" axis="root ch" ptType="all node" func="cnt" op="equ" val="4">
-                <dgm:presOf axis="root ch desOrSelf" ptType="all node node" st="1 4 1" cnt="1 1 0"/>
-              </dgm:if>
-              <dgm:if name="Name67" axis="root ch" ptType="all node" func="cnt" op="equ" val="5">
-                <dgm:presOf axis="root ch desOrSelf" ptType="all node node" st="1 5 1" cnt="1 1 0"/>
-              </dgm:if>
-              <dgm:if name="Name68" axis="root ch" ptType="all node" func="cnt" op="equ" val="6">
-                <dgm:presOf axis="root ch desOrSelf" ptType="all node node" st="1 6 1" cnt="1 1 0"/>
-              </dgm:if>
-              <dgm:else name="Name69">
-                <dgm:presOf axis="root ch desOrSelf" ptType="all node node" st="1 7 1" cnt="1 1 0"/>
-              </dgm:else>
-            </dgm:choose>
-          </dgm:else>
-        </dgm:choose>
+        <dgm:presOf axis="self"/>
         <dgm:constrLst>
-          <dgm:constr type="tMarg"/>
-          <dgm:constr type="bMarg"/>
-          <dgm:constr type="lMarg"/>
-          <dgm:constr type="rMarg"/>
-          <dgm:constr type="primFontSz" val="65"/>
+          <dgm:constr type="h" refType="w"/>
+          <dgm:constr type="tMarg" refType="primFontSz" fact="0.1"/>
+          <dgm:constr type="bMarg" refType="primFontSz" fact="0.1"/>
+          <dgm:constr type="lMarg" refType="primFontSz" fact="0.1"/>
+          <dgm:constr type="rMarg" refType="primFontSz" fact="0.1"/>
         </dgm:constrLst>
         <dgm:ruleLst>
           <dgm:rule type="primFontSz" val="5" fact="NaN" max="NaN"/>
         </dgm:ruleLst>
       </dgm:layoutNode>
-    </dgm:forEach>
-    <dgm:forEach name="Name70" axis="ch" ptType="node" st="3" cnt="1">
-      <dgm:layoutNode name="circ3" styleLbl="vennNode1">
-        <dgm:alg type="sp"/>
-        <dgm:shape xmlns:r="http://schemas.openxmlformats.org/officeDocument/2006/relationships" type="ellipse" r:blip="">
-          <dgm:adjLst/>
-        </dgm:shape>
-        <dgm:choose name="Name71">
-          <dgm:if name="Name72" func="var" arg="dir" op="equ" val="norm">
-            <dgm:choose name="Name73">
-              <dgm:if name="Name74" axis="root ch" ptType="all node" func="cnt" op="lte" val="4">
+      <dgm:forEach name="Name20" axis="ch">
+        <dgm:forEach name="Name21" axis="self" ptType="node">
+          <dgm:choose name="Name22">
+            <dgm:if name="Name23" axis="par ch" ptType="node node" func="cnt" op="gt" val="1">
+              <dgm:layoutNode name="node" styleLbl="node1">
+                <dgm:varLst>
+                  <dgm:bulletEnabled val="1"/>
+                </dgm:varLst>
+                <dgm:alg type="tx">
+                  <dgm:param type="txAnchorVertCh" val="mid"/>
+                </dgm:alg>
+                <dgm:shape xmlns:r="http://schemas.openxmlformats.org/officeDocument/2006/relationships" type="ellipse" r:blip="">
+                  <dgm:adjLst/>
+                </dgm:shape>
                 <dgm:presOf axis="desOrSelf" ptType="node"/>
-              </dgm:if>
-              <dgm:else name="Name75">
+                <dgm:constrLst>
+                  <dgm:constr type="h" refType="w"/>
+                  <dgm:constr type="tMarg" refType="primFontSz" fact="0.1"/>
+                  <dgm:constr type="bMarg" refType="primFontSz" fact="0.1"/>
+                  <dgm:constr type="lMarg" refType="primFontSz" fact="0.1"/>
+                  <dgm:constr type="rMarg" refType="primFontSz" fact="0.1"/>
+                </dgm:constrLst>
+                <dgm:ruleLst>
+                  <dgm:rule type="primFontSz" val="5" fact="NaN" max="NaN"/>
+                </dgm:ruleLst>
+              </dgm:layoutNode>
+              <dgm:layoutNode name="dummy">
+                <dgm:alg type="sp"/>
+                <dgm:shape xmlns:r="http://schemas.openxmlformats.org/officeDocument/2006/relationships" r:blip="">
+                  <dgm:adjLst/>
+                </dgm:shape>
                 <dgm:presOf/>
-              </dgm:else>
-            </dgm:choose>
-          </dgm:if>
-          <dgm:else name="Name76">
-            <dgm:choose name="Name77">
-              <dgm:if name="Name78" axis="root ch" ptType="all node" func="cnt" op="equ" val="3">
-                <dgm:presOf axis="root ch desOrSelf" ptType="all node node" st="1 2 1" cnt="1 1 0"/>
-              </dgm:if>
-              <dgm:if name="Name79" axis="root ch" ptType="all node" func="cnt" op="equ" val="4">
-                <dgm:presOf axis="root ch desOrSelf" ptType="all node node" st="1 3 1" cnt="1 1 0"/>
-              </dgm:if>
-              <dgm:else name="Name80">
+                <dgm:constrLst>
+                  <dgm:constr type="h" refType="w"/>
+                </dgm:constrLst>
+                <dgm:ruleLst/>
+              </dgm:layoutNode>
+              <dgm:forEach name="sibTransForEach" axis="followSib" ptType="sibTrans" hideLastTrans="0" cnt="1">
+                <dgm:layoutNode name="sibTrans" styleLbl="sibTrans2D1">
+                  <dgm:alg type="conn">
+                    <dgm:param type="connRout" val="curve"/>
+                    <dgm:param type="begPts" val="ctr"/>
+                    <dgm:param type="endPts" val="ctr"/>
+                    <dgm:param type="begSty" val="noArr"/>
+                    <dgm:param type="endSty" val="noArr"/>
+                    <dgm:param type="dstNode" val="node"/>
+                  </dgm:alg>
+                  <dgm:shape xmlns:r="http://schemas.openxmlformats.org/officeDocument/2006/relationships" type="conn" r:blip="" zOrderOff="-999">
+                    <dgm:adjLst/>
+                  </dgm:shape>
+                  <dgm:presOf axis="self"/>
+                  <dgm:constrLst>
+                    <dgm:constr type="begPad"/>
+                    <dgm:constr type="endPad"/>
+                  </dgm:constrLst>
+                  <dgm:ruleLst/>
+                </dgm:layoutNode>
+              </dgm:forEach>
+            </dgm:if>
+            <dgm:if name="Name24" axis="par ch" ptType="node node" func="cnt" op="equ" val="1">
+              <dgm:layoutNode name="oneComp">
+                <dgm:alg type="composite">
+                  <dgm:param type="ar" val="1"/>
+                </dgm:alg>
+                <dgm:shape xmlns:r="http://schemas.openxmlformats.org/officeDocument/2006/relationships" r:blip="">
+                  <dgm:adjLst/>
+                </dgm:shape>
                 <dgm:presOf/>
-              </dgm:else>
-            </dgm:choose>
-          </dgm:else>
-        </dgm:choose>
-        <dgm:constrLst/>
-        <dgm:ruleLst/>
-      </dgm:layoutNode>
-      <dgm:layoutNode name="circ3Tx" styleLbl="revTx">
-        <dgm:varLst>
-          <dgm:chMax val="0"/>
-          <dgm:chPref val="0"/>
-          <dgm:bulletEnabled val="1"/>
-        </dgm:varLst>
-        <dgm:alg type="tx">
-          <dgm:param type="txAnchorHorzCh" val="ctr"/>
-          <dgm:param type="txAnchorVertCh" val="mid"/>
-        </dgm:alg>
-        <dgm:shape xmlns:r="http://schemas.openxmlformats.org/officeDocument/2006/relationships" type="rect" r:blip="" hideGeom="1">
-          <dgm:adjLst/>
-        </dgm:shape>
-        <dgm:choose name="Name81">
-          <dgm:if name="Name82" func="var" arg="dir" op="equ" val="norm">
-            <dgm:presOf axis="desOrSelf" ptType="node"/>
-          </dgm:if>
-          <dgm:else name="Name83">
-            <dgm:choose name="Name84">
-              <dgm:if name="Name85" axis="root ch" ptType="all node" func="cnt" op="equ" val="3">
-                <dgm:presOf axis="root ch desOrSelf" ptType="all node node" st="1 2 1" cnt="1 1 0"/>
-              </dgm:if>
-              <dgm:if name="Name86" axis="root ch" ptType="all node" func="cnt" op="equ" val="4">
-                <dgm:presOf axis="root ch desOrSelf" ptType="all node node" st="1 3 1" cnt="1 1 0"/>
-              </dgm:if>
-              <dgm:if name="Name87" axis="root ch" ptType="all node" func="cnt" op="equ" val="5">
-                <dgm:presOf axis="root ch desOrSelf" ptType="all node node" st="1 4 1" cnt="1 1 0"/>
-              </dgm:if>
-              <dgm:if name="Name88" axis="root ch" ptType="all node" func="cnt" op="equ" val="6">
-                <dgm:presOf axis="root ch desOrSelf" ptType="all node node" st="1 5 1" cnt="1 1 0"/>
-              </dgm:if>
-              <dgm:else name="Name89">
-                <dgm:presOf axis="root ch desOrSelf" ptType="all node node" st="1 6 1" cnt="1 1 0"/>
-              </dgm:else>
-            </dgm:choose>
-          </dgm:else>
-        </dgm:choose>
-        <dgm:constrLst>
-          <dgm:constr type="tMarg"/>
-          <dgm:constr type="bMarg"/>
-          <dgm:constr type="lMarg"/>
-          <dgm:constr type="rMarg"/>
-          <dgm:constr type="primFontSz" val="65"/>
-        </dgm:constrLst>
-        <dgm:ruleLst>
-          <dgm:rule type="primFontSz" val="5" fact="NaN" max="NaN"/>
-        </dgm:ruleLst>
-      </dgm:layoutNode>
-    </dgm:forEach>
-    <dgm:forEach name="Name90" axis="ch" ptType="node" st="4" cnt="1">
-      <dgm:layoutNode name="circ4" styleLbl="vennNode1">
-        <dgm:alg type="sp"/>
-        <dgm:shape xmlns:r="http://schemas.openxmlformats.org/officeDocument/2006/relationships" type="ellipse" r:blip="">
-          <dgm:adjLst/>
-        </dgm:shape>
-        <dgm:choose name="Name91">
-          <dgm:if name="Name92" func="var" arg="dir" op="equ" val="norm">
-            <dgm:choose name="Name93">
-              <dgm:if name="Name94" axis="root ch" ptType="all node" func="cnt" op="lte" val="4">
-                <dgm:presOf axis="desOrSelf" ptType="node"/>
-              </dgm:if>
-              <dgm:else name="Name95">
+                <dgm:constrLst>
+                  <dgm:constr type="h" refType="w"/>
+                  <dgm:constr type="l" for="ch" forName="dummyConnPt" refType="w" fact="0.5"/>
+                  <dgm:constr type="t" for="ch" forName="dummyConnPt" refType="w" fact="0.5"/>
+                  <dgm:constr type="l" for="ch" forName="oneNode"/>
+                  <dgm:constr type="t" for="ch" forName="oneNode"/>
+                  <dgm:constr type="h" for="ch" forName="oneNode" refType="h"/>
+                  <dgm:constr type="w" for="ch" forName="oneNode" refType="w"/>
+                </dgm:constrLst>
+                <dgm:ruleLst/>
+                <dgm:layoutNode name="dummyConnPt" styleLbl="node1">
+                  <dgm:alg type="sp"/>
+                  <dgm:shape xmlns:r="http://schemas.openxmlformats.org/officeDocument/2006/relationships" r:blip="">
+                    <dgm:adjLst/>
+                  </dgm:shape>
+                  <dgm:presOf/>
+                  <dgm:constrLst>
+                    <dgm:constr type="w" val="1"/>
+                    <dgm:constr type="h" val="1"/>
+                  </dgm:constrLst>
+                  <dgm:ruleLst/>
+                </dgm:layoutNode>
+                <dgm:layoutNode name="oneNode" styleLbl="node1">
+                  <dgm:varLst>
+                    <dgm:bulletEnabled val="1"/>
+                  </dgm:varLst>
+                  <dgm:alg type="tx">
+                    <dgm:param type="txAnchorVertCh" val="mid"/>
+                  </dgm:alg>
+                  <dgm:shape xmlns:r="http://schemas.openxmlformats.org/officeDocument/2006/relationships" type="ellipse" r:blip="">
+                    <dgm:adjLst/>
+                  </dgm:shape>
+                  <dgm:presOf axis="desOrSelf" ptType="node"/>
+                  <dgm:constrLst>
+                    <dgm:constr type="h" refType="w"/>
+                    <dgm:constr type="tMarg" refType="primFontSz" fact="0.1"/>
+                    <dgm:constr type="bMarg" refType="primFontSz" fact="0.1"/>
+                    <dgm:constr type="lMarg" refType="primFontSz" fact="0.1"/>
+                    <dgm:constr type="rMarg" refType="primFontSz" fact="0.1"/>
+                  </dgm:constrLst>
+                  <dgm:ruleLst>
+                    <dgm:rule type="primFontSz" val="5" fact="NaN" max="NaN"/>
+                  </dgm:ruleLst>
+                </dgm:layoutNode>
+              </dgm:layoutNode>
+              <dgm:layoutNode name="dummya">
+                <dgm:alg type="sp"/>
+                <dgm:shape xmlns:r="http://schemas.openxmlformats.org/officeDocument/2006/relationships" r:blip="">
+                  <dgm:adjLst/>
+                </dgm:shape>
                 <dgm:presOf/>
-              </dgm:else>
-            </dgm:choose>
-          </dgm:if>
-          <dgm:else name="Name96">
-            <dgm:choose name="Name97">
-              <dgm:if name="Name98" axis="root ch" ptType="all node" func="cnt" op="equ" val="4">
-                <dgm:presOf axis="root ch desOrSelf" ptType="all node node" st="1 2 1" cnt="1 1 0"/>
-              </dgm:if>
-              <dgm:else name="Name99">
+                <dgm:constrLst>
+                  <dgm:constr type="h" refType="w"/>
+                </dgm:constrLst>
+                <dgm:ruleLst/>
+              </dgm:layoutNode>
+              <dgm:layoutNode name="dummyb">
+                <dgm:alg type="sp"/>
+                <dgm:shape xmlns:r="http://schemas.openxmlformats.org/officeDocument/2006/relationships" r:blip="">
+                  <dgm:adjLst/>
+                </dgm:shape>
                 <dgm:presOf/>
-              </dgm:else>
-            </dgm:choose>
-          </dgm:else>
-        </dgm:choose>
-        <dgm:constrLst/>
-        <dgm:ruleLst/>
-      </dgm:layoutNode>
-      <dgm:layoutNode name="circ4Tx" styleLbl="revTx">
-        <dgm:varLst>
-          <dgm:chMax val="0"/>
-          <dgm:chPref val="0"/>
-          <dgm:bulletEnabled val="1"/>
-        </dgm:varLst>
-        <dgm:alg type="tx">
-          <dgm:param type="txAnchorHorzCh" val="ctr"/>
-          <dgm:param type="txAnchorVertCh" val="mid"/>
-        </dgm:alg>
-        <dgm:shape xmlns:r="http://schemas.openxmlformats.org/officeDocument/2006/relationships" type="rect" r:blip="" hideGeom="1">
-          <dgm:adjLst/>
-        </dgm:shape>
-        <dgm:choose name="Name100">
-          <dgm:if name="Name101" func="var" arg="dir" op="equ" val="norm">
-            <dgm:presOf axis="desOrSelf" ptType="node"/>
-          </dgm:if>
-          <dgm:else name="Name102">
-            <dgm:choose name="Name103">
-              <dgm:if name="Name104" axis="root ch" ptType="all node" func="cnt" op="equ" val="4">
-                <dgm:presOf axis="root ch desOrSelf" ptType="all node node" st="1 2 1" cnt="1 1 0"/>
-              </dgm:if>
-              <dgm:if name="Name105" axis="root ch" ptType="all node" func="cnt" op="equ" val="5">
-                <dgm:presOf axis="root ch desOrSelf" ptType="all node node" st="1 3 1" cnt="1 1 0"/>
-              </dgm:if>
-              <dgm:if name="Name106" axis="root ch" ptType="all node" func="cnt" op="equ" val="6">
-                <dgm:presOf axis="root ch desOrSelf" ptType="all node node" st="1 4 1" cnt="1 1 0"/>
-              </dgm:if>
-              <dgm:else name="Name107">
-                <dgm:presOf axis="root ch desOrSelf" ptType="all node node" st="1 5 1" cnt="1 1 0"/>
-              </dgm:else>
-            </dgm:choose>
-          </dgm:else>
-        </dgm:choose>
-        <dgm:constrLst>
-          <dgm:constr type="tMarg"/>
-          <dgm:constr type="bMarg"/>
-          <dgm:constr type="lMarg"/>
-          <dgm:constr type="rMarg"/>
-          <dgm:constr type="primFontSz" val="65"/>
-        </dgm:constrLst>
-        <dgm:ruleLst>
-          <dgm:rule type="primFontSz" val="5" fact="NaN" max="NaN"/>
-        </dgm:ruleLst>
-      </dgm:layoutNode>
-    </dgm:forEach>
-    <dgm:forEach name="Name108" axis="ch" ptType="node" st="5" cnt="1">
-      <dgm:layoutNode name="circ5" styleLbl="vennNode1">
-        <dgm:alg type="sp"/>
-        <dgm:shape xmlns:r="http://schemas.openxmlformats.org/officeDocument/2006/relationships" type="ellipse" r:blip="">
-          <dgm:adjLst/>
-        </dgm:shape>
-        <dgm:presOf/>
-        <dgm:constrLst/>
-        <dgm:ruleLst/>
-      </dgm:layoutNode>
-      <dgm:layoutNode name="circ5Tx" styleLbl="revTx">
-        <dgm:varLst>
-          <dgm:chMax val="0"/>
-          <dgm:chPref val="0"/>
-          <dgm:bulletEnabled val="1"/>
-        </dgm:varLst>
-        <dgm:alg type="tx">
-          <dgm:param type="txAnchorHorzCh" val="ctr"/>
-          <dgm:param type="txAnchorVertCh" val="mid"/>
-        </dgm:alg>
-        <dgm:shape xmlns:r="http://schemas.openxmlformats.org/officeDocument/2006/relationships" type="rect" r:blip="" hideGeom="1">
-          <dgm:adjLst/>
-        </dgm:shape>
-        <dgm:choose name="Name109">
-          <dgm:if name="Name110" func="var" arg="dir" op="equ" val="norm">
-            <dgm:presOf axis="desOrSelf" ptType="node"/>
-          </dgm:if>
-          <dgm:else name="Name111">
-            <dgm:choose name="Name112">
-              <dgm:if name="Name113" axis="root ch" ptType="all node" func="cnt" op="equ" val="5">
-                <dgm:presOf axis="root ch desOrSelf" ptType="all node node" st="1 2 1" cnt="1 1 0"/>
-              </dgm:if>
-              <dgm:if name="Name114" axis="root ch" ptType="all node" func="cnt" op="equ" val="6">
-                <dgm:presOf axis="root ch desOrSelf" ptType="all node node" st="1 3 1" cnt="1 1 0"/>
-              </dgm:if>
-              <dgm:else name="Name115">
-                <dgm:presOf axis="root ch desOrSelf" ptType="all node node" st="1 4 1" cnt="1 1 0"/>
-              </dgm:else>
-            </dgm:choose>
-          </dgm:else>
-        </dgm:choose>
-        <dgm:constrLst>
-          <dgm:constr type="tMarg"/>
-          <dgm:constr type="bMarg"/>
-          <dgm:constr type="lMarg"/>
-          <dgm:constr type="rMarg"/>
-          <dgm:constr type="primFontSz" val="65"/>
-        </dgm:constrLst>
-        <dgm:ruleLst>
-          <dgm:rule type="primFontSz" val="5" fact="NaN" max="NaN"/>
-        </dgm:ruleLst>
-      </dgm:layoutNode>
-    </dgm:forEach>
-    <dgm:forEach name="Name116" axis="ch" ptType="node" st="6" cnt="1">
-      <dgm:layoutNode name="circ6" styleLbl="vennNode1">
-        <dgm:alg type="sp"/>
-        <dgm:shape xmlns:r="http://schemas.openxmlformats.org/officeDocument/2006/relationships" type="ellipse" r:blip="">
-          <dgm:adjLst/>
-        </dgm:shape>
-        <dgm:presOf/>
-        <dgm:constrLst/>
-        <dgm:ruleLst/>
-      </dgm:layoutNode>
-      <dgm:layoutNode name="circ6Tx" styleLbl="revTx">
-        <dgm:varLst>
-          <dgm:chMax val="0"/>
-          <dgm:chPref val="0"/>
-          <dgm:bulletEnabled val="1"/>
-        </dgm:varLst>
-        <dgm:alg type="tx">
-          <dgm:param type="txAnchorHorzCh" val="ctr"/>
-          <dgm:param type="txAnchorVertCh" val="mid"/>
-        </dgm:alg>
-        <dgm:shape xmlns:r="http://schemas.openxmlformats.org/officeDocument/2006/relationships" type="rect" r:blip="" hideGeom="1">
-          <dgm:adjLst/>
-        </dgm:shape>
-        <dgm:choose name="Name117">
-          <dgm:if name="Name118" func="var" arg="dir" op="equ" val="norm">
-            <dgm:presOf axis="desOrSelf" ptType="node"/>
-          </dgm:if>
-          <dgm:else name="Name119">
-            <dgm:choose name="Name120">
-              <dgm:if name="Name121" axis="root ch" ptType="all node" func="cnt" op="equ" val="6">
-                <dgm:presOf axis="root ch desOrSelf" ptType="all node node" st="1 2 1" cnt="1 1 0"/>
-              </dgm:if>
-              <dgm:else name="Name122">
-                <dgm:presOf axis="root ch desOrSelf" ptType="all node node" st="1 3 1" cnt="1 1 0"/>
-              </dgm:else>
-            </dgm:choose>
-          </dgm:else>
-        </dgm:choose>
-        <dgm:constrLst>
-          <dgm:constr type="tMarg"/>
-          <dgm:constr type="bMarg"/>
-          <dgm:constr type="lMarg"/>
-          <dgm:constr type="rMarg"/>
-          <dgm:constr type="primFontSz" val="65"/>
-        </dgm:constrLst>
-        <dgm:ruleLst>
-          <dgm:rule type="primFontSz" val="5" fact="NaN" max="NaN"/>
-        </dgm:ruleLst>
-      </dgm:layoutNode>
-    </dgm:forEach>
-    <dgm:forEach name="Name123" axis="ch" ptType="node" st="7" cnt="1">
-      <dgm:layoutNode name="circ7" styleLbl="vennNode1">
-        <dgm:alg type="sp"/>
-        <dgm:shape xmlns:r="http://schemas.openxmlformats.org/officeDocument/2006/relationships" type="ellipse" r:blip="">
-          <dgm:adjLst/>
-        </dgm:shape>
-        <dgm:presOf/>
-        <dgm:constrLst/>
-        <dgm:ruleLst/>
-      </dgm:layoutNode>
-      <dgm:layoutNode name="circ7Tx" styleLbl="revTx">
-        <dgm:varLst>
-          <dgm:chMax val="0"/>
-          <dgm:chPref val="0"/>
-          <dgm:bulletEnabled val="1"/>
-        </dgm:varLst>
-        <dgm:alg type="tx">
-          <dgm:param type="txAnchorHorzCh" val="ctr"/>
-          <dgm:param type="txAnchorVertCh" val="mid"/>
-        </dgm:alg>
-        <dgm:shape xmlns:r="http://schemas.openxmlformats.org/officeDocument/2006/relationships" type="rect" r:blip="" hideGeom="1">
-          <dgm:adjLst/>
-        </dgm:shape>
-        <dgm:choose name="Name124">
-          <dgm:if name="Name125" func="var" arg="dir" op="equ" val="norm">
-            <dgm:presOf axis="desOrSelf" ptType="node"/>
-          </dgm:if>
-          <dgm:else name="Name126">
-            <dgm:presOf axis="root ch desOrSelf" ptType="all node node" st="1 2 1" cnt="1 1 0"/>
-          </dgm:else>
-        </dgm:choose>
-        <dgm:constrLst>
-          <dgm:constr type="tMarg"/>
-          <dgm:constr type="bMarg"/>
-          <dgm:constr type="lMarg"/>
-          <dgm:constr type="rMarg"/>
-          <dgm:constr type="primFontSz" val="65"/>
-        </dgm:constrLst>
-        <dgm:ruleLst>
-          <dgm:rule type="primFontSz" val="5" fact="NaN" max="NaN"/>
-        </dgm:ruleLst>
-      </dgm:layoutNode>
+                <dgm:constrLst>
+                  <dgm:constr type="h" refType="w"/>
+                </dgm:constrLst>
+                <dgm:ruleLst/>
+              </dgm:layoutNode>
+              <dgm:layoutNode name="dummyc">
+                <dgm:alg type="sp"/>
+                <dgm:shape xmlns:r="http://schemas.openxmlformats.org/officeDocument/2006/relationships" r:blip="">
+                  <dgm:adjLst/>
+                </dgm:shape>
+                <dgm:presOf/>
+                <dgm:constrLst>
+                  <dgm:constr type="h" refType="w"/>
+                </dgm:constrLst>
+                <dgm:ruleLst/>
+              </dgm:layoutNode>
+              <dgm:forEach name="sibTransForEach1" axis="followSib" ptType="sibTrans" hideLastTrans="0" cnt="1">
+                <dgm:layoutNode name="singleconn" styleLbl="sibTrans2D1">
+                  <dgm:alg type="conn">
+                    <dgm:param type="connRout" val="longCurve"/>
+                    <dgm:param type="begPts" val="bCtr"/>
+                    <dgm:param type="endPts" val="tCtr"/>
+                    <dgm:param type="begSty" val="noArr"/>
+                    <dgm:param type="endSty" val="noArr"/>
+                    <dgm:param type="srcNode" val="dummyConnPt"/>
+                    <dgm:param type="dstNode" val="dummyConnPt"/>
+                  </dgm:alg>
+                  <dgm:shape xmlns:r="http://schemas.openxmlformats.org/officeDocument/2006/relationships" type="conn" r:blip="" zOrderOff="-999">
+                    <dgm:adjLst/>
+                  </dgm:shape>
+                  <dgm:presOf axis="self"/>
+                  <dgm:constrLst>
+                    <dgm:constr type="begPad"/>
+                    <dgm:constr type="endPad"/>
+                  </dgm:constrLst>
+                  <dgm:ruleLst/>
+                </dgm:layoutNode>
+              </dgm:forEach>
+            </dgm:if>
+            <dgm:else name="Name25"/>
+          </dgm:choose>
+        </dgm:forEach>
+      </dgm:forEach>
     </dgm:forEach>
   </dgm:layoutNode>
 </dgm:layoutDef>
@@ -9397,419 +7254,12 @@
 </dgm:layoutDef>
 </file>
 
-<file path=ppt/diagrams/layout4.xml><?xml version="1.0" encoding="utf-8"?>
-<dgm:layoutDef xmlns:dgm="http://schemas.openxmlformats.org/drawingml/2006/diagram" xmlns:a="http://schemas.openxmlformats.org/drawingml/2006/main" uniqueId="urn:microsoft.com/office/officeart/2005/8/layout/radial6">
+<file path=ppt/diagrams/quickStyle1.xml><?xml version="1.0" encoding="utf-8"?>
+<dgm:styleDef xmlns:dgm="http://schemas.openxmlformats.org/drawingml/2006/diagram" xmlns:a="http://schemas.openxmlformats.org/drawingml/2006/main" uniqueId="urn:microsoft.com/office/officeart/2005/8/quickstyle/simple1">
   <dgm:title val=""/>
   <dgm:desc val=""/>
   <dgm:catLst>
-    <dgm:cat type="cycle" pri="9000"/>
-    <dgm:cat type="relationship" pri="21000"/>
-  </dgm:catLst>
-  <dgm:sampData>
-    <dgm:dataModel>
-      <dgm:ptLst>
-        <dgm:pt modelId="0" type="doc"/>
-        <dgm:pt modelId="1">
-          <dgm:prSet phldr="1"/>
-        </dgm:pt>
-        <dgm:pt modelId="11">
-          <dgm:prSet phldr="1"/>
-        </dgm:pt>
-        <dgm:pt modelId="12">
-          <dgm:prSet phldr="1"/>
-        </dgm:pt>
-        <dgm:pt modelId="13">
-          <dgm:prSet phldr="1"/>
-        </dgm:pt>
-        <dgm:pt modelId="14">
-          <dgm:prSet phldr="1"/>
-        </dgm:pt>
-      </dgm:ptLst>
-      <dgm:cxnLst>
-        <dgm:cxn modelId="2" srcId="0" destId="1" srcOrd="0" destOrd="0"/>
-        <dgm:cxn modelId="3" srcId="1" destId="11" srcOrd="0" destOrd="0"/>
-        <dgm:cxn modelId="4" srcId="1" destId="12" srcOrd="1" destOrd="0"/>
-        <dgm:cxn modelId="5" srcId="1" destId="13" srcOrd="2" destOrd="0"/>
-        <dgm:cxn modelId="6" srcId="1" destId="14" srcOrd="3" destOrd="0"/>
-      </dgm:cxnLst>
-      <dgm:bg/>
-      <dgm:whole/>
-    </dgm:dataModel>
-  </dgm:sampData>
-  <dgm:styleData>
-    <dgm:dataModel>
-      <dgm:ptLst>
-        <dgm:pt modelId="0" type="doc"/>
-        <dgm:pt modelId="1"/>
-        <dgm:pt modelId="11"/>
-        <dgm:pt modelId="12"/>
-        <dgm:pt modelId="13"/>
-      </dgm:ptLst>
-      <dgm:cxnLst>
-        <dgm:cxn modelId="2" srcId="0" destId="1" srcOrd="0" destOrd="0"/>
-        <dgm:cxn modelId="15" srcId="1" destId="11" srcOrd="0" destOrd="0"/>
-        <dgm:cxn modelId="16" srcId="1" destId="12" srcOrd="1" destOrd="0"/>
-        <dgm:cxn modelId="17" srcId="1" destId="13" srcOrd="2" destOrd="0"/>
-      </dgm:cxnLst>
-      <dgm:bg/>
-      <dgm:whole/>
-    </dgm:dataModel>
-  </dgm:styleData>
-  <dgm:clrData>
-    <dgm:dataModel>
-      <dgm:ptLst>
-        <dgm:pt modelId="0" type="doc"/>
-        <dgm:pt modelId="1"/>
-        <dgm:pt modelId="11"/>
-        <dgm:pt modelId="12"/>
-        <dgm:pt modelId="13"/>
-        <dgm:pt modelId="14"/>
-        <dgm:pt modelId="15"/>
-        <dgm:pt modelId="16"/>
-      </dgm:ptLst>
-      <dgm:cxnLst>
-        <dgm:cxn modelId="2" srcId="0" destId="1" srcOrd="0" destOrd="0"/>
-        <dgm:cxn modelId="16" srcId="1" destId="11" srcOrd="0" destOrd="0"/>
-        <dgm:cxn modelId="17" srcId="1" destId="12" srcOrd="1" destOrd="0"/>
-        <dgm:cxn modelId="18" srcId="1" destId="13" srcOrd="2" destOrd="0"/>
-        <dgm:cxn modelId="19" srcId="1" destId="14" srcOrd="3" destOrd="0"/>
-        <dgm:cxn modelId="20" srcId="1" destId="15" srcOrd="4" destOrd="0"/>
-        <dgm:cxn modelId="21" srcId="1" destId="16" srcOrd="5" destOrd="0"/>
-      </dgm:cxnLst>
-      <dgm:bg/>
-      <dgm:whole/>
-    </dgm:dataModel>
-  </dgm:clrData>
-  <dgm:layoutNode name="Name0">
-    <dgm:varLst>
-      <dgm:chMax val="1"/>
-      <dgm:dir/>
-      <dgm:animLvl val="ctr"/>
-      <dgm:resizeHandles val="exact"/>
-    </dgm:varLst>
-    <dgm:choose name="Name1">
-      <dgm:if name="Name2" func="var" arg="dir" op="equ" val="norm">
-        <dgm:choose name="Name3">
-          <dgm:if name="Name4" axis="ch ch" ptType="node node" st="1 1" cnt="1 0" func="cnt" op="lte" val="1">
-            <dgm:alg type="cycle">
-              <dgm:param type="stAng" val="90"/>
-              <dgm:param type="spanAng" val="360"/>
-              <dgm:param type="ctrShpMap" val="fNode"/>
-            </dgm:alg>
-          </dgm:if>
-          <dgm:else name="Name5">
-            <dgm:alg type="cycle">
-              <dgm:param type="stAng" val="0"/>
-              <dgm:param type="spanAng" val="360"/>
-              <dgm:param type="ctrShpMap" val="fNode"/>
-            </dgm:alg>
-          </dgm:else>
-        </dgm:choose>
-      </dgm:if>
-      <dgm:else name="Name6">
-        <dgm:choose name="Name7">
-          <dgm:if name="Name8" axis="ch ch" ptType="node node" st="1 1" cnt="1 0" func="cnt" op="lte" val="1">
-            <dgm:alg type="cycle">
-              <dgm:param type="stAng" val="-90"/>
-              <dgm:param type="spanAng" val="360"/>
-              <dgm:param type="ctrShpMap" val="fNode"/>
-            </dgm:alg>
-          </dgm:if>
-          <dgm:else name="Name9">
-            <dgm:alg type="cycle">
-              <dgm:param type="stAng" val="0"/>
-              <dgm:param type="spanAng" val="-360"/>
-              <dgm:param type="ctrShpMap" val="fNode"/>
-            </dgm:alg>
-          </dgm:else>
-        </dgm:choose>
-      </dgm:else>
-    </dgm:choose>
-    <dgm:shape xmlns:r="http://schemas.openxmlformats.org/officeDocument/2006/relationships" r:blip="">
-      <dgm:adjLst/>
-    </dgm:shape>
-    <dgm:presOf/>
-    <dgm:choose name="Name10">
-      <dgm:if name="Name11" func="var" arg="dir" op="equ" val="norm">
-        <dgm:choose name="Name12">
-          <dgm:if name="Name13" axis="ch ch" ptType="node node" st="1 1" cnt="1 0" func="cnt" op="equ" val="1">
-            <dgm:constrLst>
-              <dgm:constr type="diam" val="170"/>
-              <dgm:constr type="w" for="ch" forName="centerShape" refType="w"/>
-              <dgm:constr type="w" for="ch" forName="oneComp" refType="w" refFor="ch" refForName="centerShape" op="equ" fact="0.7"/>
-              <dgm:constr type="sp" refType="w" refFor="ch" refForName="oneComp" fact="0.3"/>
-              <dgm:constr type="sibSp" refType="w" refFor="ch" refForName="oneComp" fact="0.3"/>
-              <dgm:constr type="primFontSz" for="ch" forName="centerShape" val="65"/>
-              <dgm:constr type="primFontSz" for="des" forName="oneNode" refType="primFontSz" refFor="ch" refForName="centerShape" fact="0.95"/>
-              <dgm:constr type="primFontSz" for="des" forName="oneNode" refType="primFontSz" refFor="ch" refForName="centerShape" op="lte" fact="0.95"/>
-              <dgm:constr type="diam" for="ch" forName="singleconn" refType="diam" op="equ" fact="-1"/>
-              <dgm:constr type="h" for="ch" forName="singleconn" refType="w" refFor="ch" refForName="oneComp" fact="0.24"/>
-              <dgm:constr type="w" for="ch" forName="dummya" refType="w" refFor="ch" refForName="oneComp" op="equ"/>
-              <dgm:constr type="w" for="ch" forName="dummyb" refType="w" refFor="ch" refForName="oneComp" op="equ"/>
-              <dgm:constr type="w" for="ch" forName="dummyc" refType="w" refFor="ch" refForName="oneComp" op="equ"/>
-            </dgm:constrLst>
-          </dgm:if>
-          <dgm:else name="Name14">
-            <dgm:constrLst>
-              <dgm:constr type="diam" val="170"/>
-              <dgm:constr type="w" for="ch" forName="centerShape" refType="w"/>
-              <dgm:constr type="w" for="ch" forName="node" refType="w" refFor="ch" refForName="centerShape" op="equ" fact="0.7"/>
-              <dgm:constr type="sp" refType="w" refFor="ch" refForName="node" fact="0.3"/>
-              <dgm:constr type="sibSp" refType="w" refFor="ch" refForName="node" fact="0.3"/>
-              <dgm:constr type="primFontSz" for="ch" forName="centerShape" val="65"/>
-              <dgm:constr type="primFontSz" for="des" forName="node" refType="primFontSz" refFor="ch" refForName="centerShape" fact="0.78"/>
-              <dgm:constr type="primFontSz" for="ch" forName="node" refType="primFontSz" refFor="ch" refForName="centerShape" op="lte" fact="0.95"/>
-              <dgm:constr type="diam" for="ch" forName="sibTrans" refType="diam" op="equ"/>
-              <dgm:constr type="h" for="ch" forName="sibTrans" refType="w" refFor="ch" refForName="node" fact="0.24"/>
-              <dgm:constr type="w" for="ch" forName="dummy" val="1"/>
-            </dgm:constrLst>
-          </dgm:else>
-        </dgm:choose>
-      </dgm:if>
-      <dgm:else name="Name15">
-        <dgm:choose name="Name16">
-          <dgm:if name="Name17" axis="ch ch" ptType="node node" st="1 1" cnt="1 0" func="cnt" op="equ" val="1">
-            <dgm:constrLst>
-              <dgm:constr type="diam" val="170"/>
-              <dgm:constr type="w" for="ch" forName="centerShape" refType="w"/>
-              <dgm:constr type="w" for="ch" forName="oneComp" refType="w" refFor="ch" refForName="centerShape" op="equ" fact="0.7"/>
-              <dgm:constr type="sp" refType="w" refFor="ch" refForName="oneComp" fact="0.3"/>
-              <dgm:constr type="sibSp" refType="w" refFor="ch" refForName="oneComp" fact="0.3"/>
-              <dgm:constr type="primFontSz" for="ch" forName="centerShape" val="65"/>
-              <dgm:constr type="primFontSz" for="des" forName="oneNode" refType="primFontSz" refFor="ch" refForName="centerShape" fact="0.95"/>
-              <dgm:constr type="primFontSz" for="ch" forName="oneNode" refType="primFontSz" refFor="ch" refForName="centerShape" op="lte" fact="0.95"/>
-              <dgm:constr type="diam" for="ch" forName="singleconn" refType="diam"/>
-              <dgm:constr type="h" for="ch" forName="singleconn" refType="w" refFor="ch" refForName="oneComp" fact="0.24"/>
-              <dgm:constr type="diam" for="ch" refType="diam" op="equ"/>
-              <dgm:constr type="w" for="ch" forName="dummya" refType="w" refFor="ch" refForName="oneComp" op="equ"/>
-              <dgm:constr type="w" for="ch" forName="dummyb" refType="w" refFor="ch" refForName="oneComp" op="equ"/>
-              <dgm:constr type="w" for="ch" forName="dummyc" refType="w" refFor="ch" refForName="oneComp" op="equ"/>
-            </dgm:constrLst>
-          </dgm:if>
-          <dgm:else name="Name18">
-            <dgm:constrLst>
-              <dgm:constr type="diam" val="170"/>
-              <dgm:constr type="w" for="ch" forName="centerShape" refType="w"/>
-              <dgm:constr type="w" for="ch" forName="node" refType="w" refFor="ch" refForName="centerShape" op="equ" fact="0.7"/>
-              <dgm:constr type="sp" refType="w" refFor="ch" refForName="node" fact="0.3"/>
-              <dgm:constr type="sibSp" refType="w" refFor="ch" refForName="node" fact="0.3"/>
-              <dgm:constr type="primFontSz" for="ch" forName="centerShape" val="65"/>
-              <dgm:constr type="primFontSz" for="des" forName="node" refType="primFontSz" refFor="ch" refForName="centerShape" fact="0.78"/>
-              <dgm:constr type="primFontSz" for="ch" forName="node" refType="primFontSz" refFor="ch" refForName="centerShape" op="lte" fact="0.95"/>
-              <dgm:constr type="diam" for="ch" ptType="sibTrans" refType="diam" fact="-1"/>
-              <dgm:constr type="h" for="ch" forName="sibTrans" refType="w" refFor="ch" refForName="node" fact="0.24"/>
-              <dgm:constr type="diam" for="ch" refType="diam" op="equ" fact="-1"/>
-              <dgm:constr type="w" for="ch" forName="dummy" val="1"/>
-            </dgm:constrLst>
-          </dgm:else>
-        </dgm:choose>
-      </dgm:else>
-    </dgm:choose>
-    <dgm:ruleLst>
-      <dgm:rule type="diam" val="INF" fact="NaN" max="NaN"/>
-    </dgm:ruleLst>
-    <dgm:forEach name="Name19" axis="ch" ptType="node" cnt="1">
-      <dgm:layoutNode name="centerShape" styleLbl="node0">
-        <dgm:alg type="tx"/>
-        <dgm:shape xmlns:r="http://schemas.openxmlformats.org/officeDocument/2006/relationships" type="ellipse" r:blip="">
-          <dgm:adjLst/>
-        </dgm:shape>
-        <dgm:presOf axis="self"/>
-        <dgm:constrLst>
-          <dgm:constr type="h" refType="w"/>
-          <dgm:constr type="tMarg" refType="primFontSz" fact="0.1"/>
-          <dgm:constr type="bMarg" refType="primFontSz" fact="0.1"/>
-          <dgm:constr type="lMarg" refType="primFontSz" fact="0.1"/>
-          <dgm:constr type="rMarg" refType="primFontSz" fact="0.1"/>
-        </dgm:constrLst>
-        <dgm:ruleLst>
-          <dgm:rule type="primFontSz" val="5" fact="NaN" max="NaN"/>
-        </dgm:ruleLst>
-      </dgm:layoutNode>
-      <dgm:forEach name="Name20" axis="ch">
-        <dgm:forEach name="Name21" axis="self" ptType="node">
-          <dgm:choose name="Name22">
-            <dgm:if name="Name23" axis="par ch" ptType="node node" func="cnt" op="gt" val="1">
-              <dgm:layoutNode name="node" styleLbl="node1">
-                <dgm:varLst>
-                  <dgm:bulletEnabled val="1"/>
-                </dgm:varLst>
-                <dgm:alg type="tx">
-                  <dgm:param type="txAnchorVertCh" val="mid"/>
-                </dgm:alg>
-                <dgm:shape xmlns:r="http://schemas.openxmlformats.org/officeDocument/2006/relationships" type="ellipse" r:blip="">
-                  <dgm:adjLst/>
-                </dgm:shape>
-                <dgm:presOf axis="desOrSelf" ptType="node"/>
-                <dgm:constrLst>
-                  <dgm:constr type="h" refType="w"/>
-                  <dgm:constr type="tMarg" refType="primFontSz" fact="0.1"/>
-                  <dgm:constr type="bMarg" refType="primFontSz" fact="0.1"/>
-                  <dgm:constr type="lMarg" refType="primFontSz" fact="0.1"/>
-                  <dgm:constr type="rMarg" refType="primFontSz" fact="0.1"/>
-                </dgm:constrLst>
-                <dgm:ruleLst>
-                  <dgm:rule type="primFontSz" val="5" fact="NaN" max="NaN"/>
-                </dgm:ruleLst>
-              </dgm:layoutNode>
-              <dgm:layoutNode name="dummy">
-                <dgm:alg type="sp"/>
-                <dgm:shape xmlns:r="http://schemas.openxmlformats.org/officeDocument/2006/relationships" r:blip="">
-                  <dgm:adjLst/>
-                </dgm:shape>
-                <dgm:presOf/>
-                <dgm:constrLst>
-                  <dgm:constr type="h" refType="w"/>
-                </dgm:constrLst>
-                <dgm:ruleLst/>
-              </dgm:layoutNode>
-              <dgm:forEach name="sibTransForEach" axis="followSib" ptType="sibTrans" hideLastTrans="0" cnt="1">
-                <dgm:layoutNode name="sibTrans" styleLbl="sibTrans2D1">
-                  <dgm:alg type="conn">
-                    <dgm:param type="connRout" val="curve"/>
-                    <dgm:param type="begPts" val="ctr"/>
-                    <dgm:param type="endPts" val="ctr"/>
-                    <dgm:param type="begSty" val="noArr"/>
-                    <dgm:param type="endSty" val="noArr"/>
-                    <dgm:param type="dstNode" val="node"/>
-                  </dgm:alg>
-                  <dgm:shape xmlns:r="http://schemas.openxmlformats.org/officeDocument/2006/relationships" type="conn" r:blip="" zOrderOff="-999">
-                    <dgm:adjLst/>
-                  </dgm:shape>
-                  <dgm:presOf axis="self"/>
-                  <dgm:constrLst>
-                    <dgm:constr type="begPad"/>
-                    <dgm:constr type="endPad"/>
-                  </dgm:constrLst>
-                  <dgm:ruleLst/>
-                </dgm:layoutNode>
-              </dgm:forEach>
-            </dgm:if>
-            <dgm:if name="Name24" axis="par ch" ptType="node node" func="cnt" op="equ" val="1">
-              <dgm:layoutNode name="oneComp">
-                <dgm:alg type="composite">
-                  <dgm:param type="ar" val="1"/>
-                </dgm:alg>
-                <dgm:shape xmlns:r="http://schemas.openxmlformats.org/officeDocument/2006/relationships" r:blip="">
-                  <dgm:adjLst/>
-                </dgm:shape>
-                <dgm:presOf/>
-                <dgm:constrLst>
-                  <dgm:constr type="h" refType="w"/>
-                  <dgm:constr type="l" for="ch" forName="dummyConnPt" refType="w" fact="0.5"/>
-                  <dgm:constr type="t" for="ch" forName="dummyConnPt" refType="w" fact="0.5"/>
-                  <dgm:constr type="l" for="ch" forName="oneNode"/>
-                  <dgm:constr type="t" for="ch" forName="oneNode"/>
-                  <dgm:constr type="h" for="ch" forName="oneNode" refType="h"/>
-                  <dgm:constr type="w" for="ch" forName="oneNode" refType="w"/>
-                </dgm:constrLst>
-                <dgm:ruleLst/>
-                <dgm:layoutNode name="dummyConnPt" styleLbl="node1">
-                  <dgm:alg type="sp"/>
-                  <dgm:shape xmlns:r="http://schemas.openxmlformats.org/officeDocument/2006/relationships" r:blip="">
-                    <dgm:adjLst/>
-                  </dgm:shape>
-                  <dgm:presOf/>
-                  <dgm:constrLst>
-                    <dgm:constr type="w" val="1"/>
-                    <dgm:constr type="h" val="1"/>
-                  </dgm:constrLst>
-                  <dgm:ruleLst/>
-                </dgm:layoutNode>
-                <dgm:layoutNode name="oneNode" styleLbl="node1">
-                  <dgm:varLst>
-                    <dgm:bulletEnabled val="1"/>
-                  </dgm:varLst>
-                  <dgm:alg type="tx">
-                    <dgm:param type="txAnchorVertCh" val="mid"/>
-                  </dgm:alg>
-                  <dgm:shape xmlns:r="http://schemas.openxmlformats.org/officeDocument/2006/relationships" type="ellipse" r:blip="">
-                    <dgm:adjLst/>
-                  </dgm:shape>
-                  <dgm:presOf axis="desOrSelf" ptType="node"/>
-                  <dgm:constrLst>
-                    <dgm:constr type="h" refType="w"/>
-                    <dgm:constr type="tMarg" refType="primFontSz" fact="0.1"/>
-                    <dgm:constr type="bMarg" refType="primFontSz" fact="0.1"/>
-                    <dgm:constr type="lMarg" refType="primFontSz" fact="0.1"/>
-                    <dgm:constr type="rMarg" refType="primFontSz" fact="0.1"/>
-                  </dgm:constrLst>
-                  <dgm:ruleLst>
-                    <dgm:rule type="primFontSz" val="5" fact="NaN" max="NaN"/>
-                  </dgm:ruleLst>
-                </dgm:layoutNode>
-              </dgm:layoutNode>
-              <dgm:layoutNode name="dummya">
-                <dgm:alg type="sp"/>
-                <dgm:shape xmlns:r="http://schemas.openxmlformats.org/officeDocument/2006/relationships" r:blip="">
-                  <dgm:adjLst/>
-                </dgm:shape>
-                <dgm:presOf/>
-                <dgm:constrLst>
-                  <dgm:constr type="h" refType="w"/>
-                </dgm:constrLst>
-                <dgm:ruleLst/>
-              </dgm:layoutNode>
-              <dgm:layoutNode name="dummyb">
-                <dgm:alg type="sp"/>
-                <dgm:shape xmlns:r="http://schemas.openxmlformats.org/officeDocument/2006/relationships" r:blip="">
-                  <dgm:adjLst/>
-                </dgm:shape>
-                <dgm:presOf/>
-                <dgm:constrLst>
-                  <dgm:constr type="h" refType="w"/>
-                </dgm:constrLst>
-                <dgm:ruleLst/>
-              </dgm:layoutNode>
-              <dgm:layoutNode name="dummyc">
-                <dgm:alg type="sp"/>
-                <dgm:shape xmlns:r="http://schemas.openxmlformats.org/officeDocument/2006/relationships" r:blip="">
-                  <dgm:adjLst/>
-                </dgm:shape>
-                <dgm:presOf/>
-                <dgm:constrLst>
-                  <dgm:constr type="h" refType="w"/>
-                </dgm:constrLst>
-                <dgm:ruleLst/>
-              </dgm:layoutNode>
-              <dgm:forEach name="sibTransForEach1" axis="followSib" ptType="sibTrans" hideLastTrans="0" cnt="1">
-                <dgm:layoutNode name="singleconn" styleLbl="sibTrans2D1">
-                  <dgm:alg type="conn">
-                    <dgm:param type="connRout" val="longCurve"/>
-                    <dgm:param type="begPts" val="bCtr"/>
-                    <dgm:param type="endPts" val="tCtr"/>
-                    <dgm:param type="begSty" val="noArr"/>
-                    <dgm:param type="endSty" val="noArr"/>
-                    <dgm:param type="srcNode" val="dummyConnPt"/>
-                    <dgm:param type="dstNode" val="dummyConnPt"/>
-                  </dgm:alg>
-                  <dgm:shape xmlns:r="http://schemas.openxmlformats.org/officeDocument/2006/relationships" type="conn" r:blip="" zOrderOff="-999">
-                    <dgm:adjLst/>
-                  </dgm:shape>
-                  <dgm:presOf axis="self"/>
-                  <dgm:constrLst>
-                    <dgm:constr type="begPad"/>
-                    <dgm:constr type="endPad"/>
-                  </dgm:constrLst>
-                  <dgm:ruleLst/>
-                </dgm:layoutNode>
-              </dgm:forEach>
-            </dgm:if>
-            <dgm:else name="Name25"/>
-          </dgm:choose>
-        </dgm:forEach>
-      </dgm:forEach>
-    </dgm:forEach>
-  </dgm:layoutNode>
-</dgm:layoutDef>
-</file>
-
-<file path=ppt/diagrams/quickStyle1.xml><?xml version="1.0" encoding="utf-8"?>
-<dgm:styleDef xmlns:dgm="http://schemas.openxmlformats.org/drawingml/2006/diagram" xmlns:a="http://schemas.openxmlformats.org/drawingml/2006/main" uniqueId="urn:microsoft.com/office/officeart/2005/8/quickstyle/simple4">
-  <dgm:title val=""/>
-  <dgm:desc val=""/>
-  <dgm:catLst>
-    <dgm:cat type="simple" pri="10400"/>
+    <dgm:cat type="simple" pri="10100"/>
   </dgm:catLst>
   <dgm:scene3d>
     <a:camera prst="orthographicFront"/>
@@ -9823,13 +7273,13 @@
     <dgm:sp3d/>
     <dgm:txPr/>
     <dgm:style>
-      <a:lnRef idx="0">
+      <a:lnRef idx="2">
         <a:scrgbClr r="0" g="0" b="0"/>
       </a:lnRef>
-      <a:fillRef idx="3">
+      <a:fillRef idx="1">
         <a:scrgbClr r="0" g="0" b="0"/>
       </a:fillRef>
-      <a:effectRef idx="2">
+      <a:effectRef idx="0">
         <a:scrgbClr r="0" g="0" b="0"/>
       </a:effectRef>
       <a:fontRef idx="minor">
@@ -9845,13 +7295,13 @@
     <dgm:sp3d/>
     <dgm:txPr/>
     <dgm:style>
-      <a:lnRef idx="1">
+      <a:lnRef idx="2">
         <a:scrgbClr r="0" g="0" b="0"/>
       </a:lnRef>
-      <a:fillRef idx="3">
+      <a:fillRef idx="1">
         <a:scrgbClr r="0" g="0" b="0"/>
       </a:fillRef>
-      <a:effectRef idx="2">
+      <a:effectRef idx="0">
         <a:scrgbClr r="0" g="0" b="0"/>
       </a:effectRef>
       <a:fontRef idx="minor">
@@ -9867,10 +7317,10 @@
     <dgm:sp3d/>
     <dgm:txPr/>
     <dgm:style>
-      <a:lnRef idx="0">
+      <a:lnRef idx="2">
         <a:scrgbClr r="0" g="0" b="0"/>
       </a:lnRef>
-      <a:fillRef idx="3">
+      <a:fillRef idx="1">
         <a:scrgbClr r="0" g="0" b="0"/>
       </a:fillRef>
       <a:effectRef idx="0">
@@ -9889,13 +7339,13 @@
     <dgm:sp3d/>
     <dgm:txPr/>
     <dgm:style>
-      <a:lnRef idx="1">
+      <a:lnRef idx="2">
         <a:scrgbClr r="0" g="0" b="0"/>
       </a:lnRef>
-      <a:fillRef idx="3">
+      <a:fillRef idx="1">
         <a:scrgbClr r="0" g="0" b="0"/>
       </a:fillRef>
-      <a:effectRef idx="2">
+      <a:effectRef idx="0">
         <a:scrgbClr r="0" g="0" b="0"/>
       </a:effectRef>
       <a:fontRef idx="minor">
@@ -9911,13 +7361,13 @@
     <dgm:sp3d/>
     <dgm:txPr/>
     <dgm:style>
-      <a:lnRef idx="0">
+      <a:lnRef idx="2">
         <a:scrgbClr r="0" g="0" b="0"/>
       </a:lnRef>
-      <a:fillRef idx="3">
+      <a:fillRef idx="1">
         <a:scrgbClr r="0" g="0" b="0"/>
       </a:fillRef>
-      <a:effectRef idx="2">
+      <a:effectRef idx="0">
         <a:scrgbClr r="0" g="0" b="0"/>
       </a:effectRef>
       <a:fontRef idx="minor">
@@ -9933,13 +7383,13 @@
     <dgm:sp3d/>
     <dgm:txPr/>
     <dgm:style>
-      <a:lnRef idx="0">
+      <a:lnRef idx="2">
         <a:scrgbClr r="0" g="0" b="0"/>
       </a:lnRef>
-      <a:fillRef idx="3">
+      <a:fillRef idx="1">
         <a:scrgbClr r="0" g="0" b="0"/>
       </a:fillRef>
-      <a:effectRef idx="2">
+      <a:effectRef idx="0">
         <a:scrgbClr r="0" g="0" b="0"/>
       </a:effectRef>
       <a:fontRef idx="minor">
@@ -9955,13 +7405,13 @@
     <dgm:sp3d/>
     <dgm:txPr/>
     <dgm:style>
-      <a:lnRef idx="0">
+      <a:lnRef idx="2">
         <a:scrgbClr r="0" g="0" b="0"/>
       </a:lnRef>
-      <a:fillRef idx="3">
+      <a:fillRef idx="1">
         <a:scrgbClr r="0" g="0" b="0"/>
       </a:fillRef>
-      <a:effectRef idx="2">
+      <a:effectRef idx="0">
         <a:scrgbClr r="0" g="0" b="0"/>
       </a:effectRef>
       <a:fontRef idx="minor">
@@ -9977,13 +7427,13 @@
     <dgm:sp3d/>
     <dgm:txPr/>
     <dgm:style>
-      <a:lnRef idx="0">
+      <a:lnRef idx="2">
         <a:scrgbClr r="0" g="0" b="0"/>
       </a:lnRef>
-      <a:fillRef idx="3">
+      <a:fillRef idx="1">
         <a:scrgbClr r="0" g="0" b="0"/>
       </a:fillRef>
-      <a:effectRef idx="2">
+      <a:effectRef idx="0">
         <a:scrgbClr r="0" g="0" b="0"/>
       </a:effectRef>
       <a:fontRef idx="minor">
@@ -9999,13 +7449,13 @@
     <dgm:sp3d/>
     <dgm:txPr/>
     <dgm:style>
-      <a:lnRef idx="0">
+      <a:lnRef idx="2">
         <a:scrgbClr r="0" g="0" b="0"/>
       </a:lnRef>
       <a:fillRef idx="1">
         <a:scrgbClr r="0" g="0" b="0"/>
       </a:fillRef>
-      <a:effectRef idx="2">
+      <a:effectRef idx="0">
         <a:scrgbClr r="0" g="0" b="0"/>
       </a:effectRef>
       <a:fontRef idx="minor"/>
@@ -10019,13 +7469,13 @@
     <dgm:sp3d/>
     <dgm:txPr/>
     <dgm:style>
-      <a:lnRef idx="0">
+      <a:lnRef idx="2">
         <a:scrgbClr r="0" g="0" b="0"/>
       </a:lnRef>
       <a:fillRef idx="1">
         <a:scrgbClr r="0" g="0" b="0"/>
       </a:fillRef>
-      <a:effectRef idx="2">
+      <a:effectRef idx="0">
         <a:scrgbClr r="0" g="0" b="0"/>
       </a:effectRef>
       <a:fontRef idx="minor"/>
@@ -10039,13 +7489,13 @@
     <dgm:sp3d/>
     <dgm:txPr/>
     <dgm:style>
-      <a:lnRef idx="0">
+      <a:lnRef idx="2">
         <a:scrgbClr r="0" g="0" b="0"/>
       </a:lnRef>
       <a:fillRef idx="1">
         <a:scrgbClr r="0" g="0" b="0"/>
       </a:fillRef>
-      <a:effectRef idx="2">
+      <a:effectRef idx="0">
         <a:scrgbClr r="0" g="0" b="0"/>
       </a:effectRef>
       <a:fontRef idx="minor"/>
@@ -10062,10 +7512,10 @@
       <a:lnRef idx="0">
         <a:scrgbClr r="0" g="0" b="0"/>
       </a:lnRef>
-      <a:fillRef idx="3">
+      <a:fillRef idx="1">
         <a:scrgbClr r="0" g="0" b="0"/>
       </a:fillRef>
-      <a:effectRef idx="2">
+      <a:effectRef idx="0">
         <a:scrgbClr r="0" g="0" b="0"/>
       </a:effectRef>
       <a:fontRef idx="minor">
@@ -10084,10 +7534,10 @@
       <a:lnRef idx="0">
         <a:scrgbClr r="0" g="0" b="0"/>
       </a:lnRef>
-      <a:fillRef idx="3">
+      <a:fillRef idx="1">
         <a:scrgbClr r="0" g="0" b="0"/>
       </a:fillRef>
-      <a:effectRef idx="2">
+      <a:effectRef idx="0">
         <a:scrgbClr r="0" g="0" b="0"/>
       </a:effectRef>
       <a:fontRef idx="minor">
@@ -10106,10 +7556,10 @@
       <a:lnRef idx="0">
         <a:scrgbClr r="0" g="0" b="0"/>
       </a:lnRef>
-      <a:fillRef idx="3">
+      <a:fillRef idx="1">
         <a:scrgbClr r="0" g="0" b="0"/>
       </a:fillRef>
-      <a:effectRef idx="2">
+      <a:effectRef idx="0">
         <a:scrgbClr r="0" g="0" b="0"/>
       </a:effectRef>
       <a:fontRef idx="minor">
@@ -10151,7 +7601,7 @@
       <a:fillRef idx="1">
         <a:scrgbClr r="0" g="0" b="0"/>
       </a:fillRef>
-      <a:effectRef idx="1">
+      <a:effectRef idx="0">
         <a:scrgbClr r="0" g="0" b="0"/>
       </a:effectRef>
       <a:fontRef idx="minor"/>
@@ -10165,13 +7615,13 @@
     <dgm:sp3d/>
     <dgm:txPr/>
     <dgm:style>
-      <a:lnRef idx="0">
+      <a:lnRef idx="2">
         <a:scrgbClr r="0" g="0" b="0"/>
       </a:lnRef>
-      <a:fillRef idx="3">
+      <a:fillRef idx="1">
         <a:scrgbClr r="0" g="0" b="0"/>
       </a:fillRef>
-      <a:effectRef idx="2">
+      <a:effectRef idx="0">
         <a:scrgbClr r="0" g="0" b="0"/>
       </a:effectRef>
       <a:fontRef idx="minor">
@@ -10187,13 +7637,13 @@
     <dgm:sp3d/>
     <dgm:txPr/>
     <dgm:style>
-      <a:lnRef idx="0">
+      <a:lnRef idx="2">
         <a:scrgbClr r="0" g="0" b="0"/>
       </a:lnRef>
-      <a:fillRef idx="3">
+      <a:fillRef idx="1">
         <a:scrgbClr r="0" g="0" b="0"/>
       </a:fillRef>
-      <a:effectRef idx="2">
+      <a:effectRef idx="0">
         <a:scrgbClr r="0" g="0" b="0"/>
       </a:effectRef>
       <a:fontRef idx="minor">
@@ -10209,13 +7659,13 @@
     <dgm:sp3d/>
     <dgm:txPr/>
     <dgm:style>
-      <a:lnRef idx="0">
+      <a:lnRef idx="2">
         <a:scrgbClr r="0" g="0" b="0"/>
       </a:lnRef>
-      <a:fillRef idx="3">
+      <a:fillRef idx="1">
         <a:scrgbClr r="0" g="0" b="0"/>
       </a:fillRef>
-      <a:effectRef idx="2">
+      <a:effectRef idx="0">
         <a:scrgbClr r="0" g="0" b="0"/>
       </a:effectRef>
       <a:fontRef idx="minor">
@@ -10231,13 +7681,13 @@
     <dgm:sp3d/>
     <dgm:txPr/>
     <dgm:style>
-      <a:lnRef idx="0">
+      <a:lnRef idx="2">
         <a:scrgbClr r="0" g="0" b="0"/>
       </a:lnRef>
-      <a:fillRef idx="3">
+      <a:fillRef idx="1">
         <a:scrgbClr r="0" g="0" b="0"/>
       </a:fillRef>
-      <a:effectRef idx="2">
+      <a:effectRef idx="0">
         <a:scrgbClr r="0" g="0" b="0"/>
       </a:effectRef>
       <a:fontRef idx="minor">
@@ -10253,13 +7703,13 @@
     <dgm:sp3d/>
     <dgm:txPr/>
     <dgm:style>
-      <a:lnRef idx="0">
+      <a:lnRef idx="2">
         <a:scrgbClr r="0" g="0" b="0"/>
       </a:lnRef>
-      <a:fillRef idx="3">
+      <a:fillRef idx="1">
         <a:scrgbClr r="0" g="0" b="0"/>
       </a:fillRef>
-      <a:effectRef idx="2">
+      <a:effectRef idx="0">
         <a:scrgbClr r="0" g="0" b="0"/>
       </a:effectRef>
       <a:fontRef idx="minor">
@@ -10275,13 +7725,13 @@
     <dgm:sp3d/>
     <dgm:txPr/>
     <dgm:style>
-      <a:lnRef idx="0">
+      <a:lnRef idx="2">
         <a:scrgbClr r="0" g="0" b="0"/>
       </a:lnRef>
-      <a:fillRef idx="3">
+      <a:fillRef idx="1">
         <a:scrgbClr r="0" g="0" b="0"/>
       </a:fillRef>
-      <a:effectRef idx="2">
+      <a:effectRef idx="0">
         <a:scrgbClr r="0" g="0" b="0"/>
       </a:effectRef>
       <a:fontRef idx="minor">
@@ -10297,13 +7747,13 @@
     <dgm:sp3d/>
     <dgm:txPr/>
     <dgm:style>
-      <a:lnRef idx="0">
+      <a:lnRef idx="2">
         <a:scrgbClr r="0" g="0" b="0"/>
       </a:lnRef>
-      <a:fillRef idx="3">
+      <a:fillRef idx="1">
         <a:scrgbClr r="0" g="0" b="0"/>
       </a:fillRef>
-      <a:effectRef idx="2">
+      <a:effectRef idx="0">
         <a:scrgbClr r="0" g="0" b="0"/>
       </a:effectRef>
       <a:fontRef idx="minor">
@@ -10319,13 +7769,13 @@
     <dgm:sp3d/>
     <dgm:txPr/>
     <dgm:style>
-      <a:lnRef idx="1">
+      <a:lnRef idx="2">
         <a:scrgbClr r="0" g="0" b="0"/>
       </a:lnRef>
-      <a:fillRef idx="3">
+      <a:fillRef idx="1">
         <a:scrgbClr r="0" g="0" b="0"/>
       </a:fillRef>
-      <a:effectRef idx="2">
+      <a:effectRef idx="0">
         <a:scrgbClr r="0" g="0" b="0"/>
       </a:effectRef>
       <a:fontRef idx="minor">
@@ -10341,13 +7791,13 @@
     <dgm:sp3d/>
     <dgm:txPr/>
     <dgm:style>
-      <a:lnRef idx="1">
+      <a:lnRef idx="2">
         <a:scrgbClr r="0" g="0" b="0"/>
       </a:lnRef>
-      <a:fillRef idx="3">
+      <a:fillRef idx="1">
         <a:scrgbClr r="0" g="0" b="0"/>
       </a:fillRef>
-      <a:effectRef idx="2">
+      <a:effectRef idx="0">
         <a:scrgbClr r="0" g="0" b="0"/>
       </a:effectRef>
       <a:fontRef idx="minor">
@@ -10363,7 +7813,7 @@
     <dgm:sp3d/>
     <dgm:txPr/>
     <dgm:style>
-      <a:lnRef idx="1">
+      <a:lnRef idx="2">
         <a:scrgbClr r="0" g="0" b="0"/>
       </a:lnRef>
       <a:fillRef idx="0">
@@ -10383,7 +7833,7 @@
     <dgm:sp3d/>
     <dgm:txPr/>
     <dgm:style>
-      <a:lnRef idx="1">
+      <a:lnRef idx="2">
         <a:scrgbClr r="0" g="0" b="0"/>
       </a:lnRef>
       <a:fillRef idx="0">
@@ -10403,7 +7853,7 @@
     <dgm:sp3d/>
     <dgm:txPr/>
     <dgm:style>
-      <a:lnRef idx="1">
+      <a:lnRef idx="2">
         <a:scrgbClr r="0" g="0" b="0"/>
       </a:lnRef>
       <a:fillRef idx="0">
@@ -10423,7 +7873,7 @@
     <dgm:sp3d/>
     <dgm:txPr/>
     <dgm:style>
-      <a:lnRef idx="1">
+      <a:lnRef idx="2">
         <a:scrgbClr r="0" g="0" b="0"/>
       </a:lnRef>
       <a:fillRef idx="0">
@@ -10443,7 +7893,7 @@
     <dgm:sp3d/>
     <dgm:txPr/>
     <dgm:style>
-      <a:lnRef idx="1">
+      <a:lnRef idx="2">
         <a:scrgbClr r="0" g="0" b="0"/>
       </a:lnRef>
       <a:fillRef idx="1">
@@ -10463,7 +7913,7 @@
     <dgm:sp3d/>
     <dgm:txPr/>
     <dgm:style>
-      <a:lnRef idx="1">
+      <a:lnRef idx="2">
         <a:scrgbClr r="0" g="0" b="0"/>
       </a:lnRef>
       <a:fillRef idx="1">
@@ -10483,7 +7933,7 @@
     <dgm:sp3d/>
     <dgm:txPr/>
     <dgm:style>
-      <a:lnRef idx="1">
+      <a:lnRef idx="2">
         <a:scrgbClr r="0" g="0" b="0"/>
       </a:lnRef>
       <a:fillRef idx="1">
@@ -10523,7 +7973,7 @@
     <dgm:sp3d/>
     <dgm:txPr/>
     <dgm:style>
-      <a:lnRef idx="1">
+      <a:lnRef idx="2">
         <a:scrgbClr r="0" g="0" b="0"/>
       </a:lnRef>
       <a:fillRef idx="1">
@@ -10543,7 +7993,7 @@
     <dgm:sp3d/>
     <dgm:txPr/>
     <dgm:style>
-      <a:lnRef idx="1">
+      <a:lnRef idx="2">
         <a:scrgbClr r="0" g="0" b="0"/>
       </a:lnRef>
       <a:fillRef idx="1">
@@ -10563,7 +8013,7 @@
     <dgm:sp3d/>
     <dgm:txPr/>
     <dgm:style>
-      <a:lnRef idx="1">
+      <a:lnRef idx="2">
         <a:scrgbClr r="0" g="0" b="0"/>
       </a:lnRef>
       <a:fillRef idx="1">
@@ -10583,7 +8033,7 @@
     <dgm:sp3d/>
     <dgm:txPr/>
     <dgm:style>
-      <a:lnRef idx="1">
+      <a:lnRef idx="2">
         <a:scrgbClr r="0" g="0" b="0"/>
       </a:lnRef>
       <a:fillRef idx="1">
@@ -10603,7 +8053,7 @@
     <dgm:sp3d/>
     <dgm:txPr/>
     <dgm:style>
-      <a:lnRef idx="1">
+      <a:lnRef idx="2">
         <a:scrgbClr r="0" g="0" b="0"/>
       </a:lnRef>
       <a:fillRef idx="1">
@@ -10623,7 +8073,7 @@
     <dgm:sp3d/>
     <dgm:txPr/>
     <dgm:style>
-      <a:lnRef idx="1">
+      <a:lnRef idx="2">
         <a:scrgbClr r="0" g="0" b="0"/>
       </a:lnRef>
       <a:fillRef idx="1">
@@ -10643,7 +8093,7 @@
     <dgm:sp3d/>
     <dgm:txPr/>
     <dgm:style>
-      <a:lnRef idx="1">
+      <a:lnRef idx="2">
         <a:scrgbClr r="0" g="0" b="0"/>
       </a:lnRef>
       <a:fillRef idx="1">
@@ -10663,7 +8113,7 @@
     <dgm:sp3d/>
     <dgm:txPr/>
     <dgm:style>
-      <a:lnRef idx="1">
+      <a:lnRef idx="2">
         <a:scrgbClr r="0" g="0" b="0"/>
       </a:lnRef>
       <a:fillRef idx="1">
@@ -10683,7 +8133,7 @@
     <dgm:sp3d/>
     <dgm:txPr/>
     <dgm:style>
-      <a:lnRef idx="1">
+      <a:lnRef idx="2">
         <a:scrgbClr r="0" g="0" b="0"/>
       </a:lnRef>
       <a:fillRef idx="1">
@@ -10703,7 +8153,7 @@
     <dgm:sp3d/>
     <dgm:txPr/>
     <dgm:style>
-      <a:lnRef idx="1">
+      <a:lnRef idx="2">
         <a:scrgbClr r="0" g="0" b="0"/>
       </a:lnRef>
       <a:fillRef idx="1">
@@ -10723,7 +8173,7 @@
     <dgm:sp3d/>
     <dgm:txPr/>
     <dgm:style>
-      <a:lnRef idx="1">
+      <a:lnRef idx="2">
         <a:scrgbClr r="0" g="0" b="0"/>
       </a:lnRef>
       <a:fillRef idx="1">
@@ -10749,7 +8199,7 @@
       <a:fillRef idx="1">
         <a:scrgbClr r="0" g="0" b="0"/>
       </a:fillRef>
-      <a:effectRef idx="2">
+      <a:effectRef idx="0">
         <a:scrgbClr r="0" g="0" b="0"/>
       </a:effectRef>
       <a:fontRef idx="minor"/>
@@ -10769,7 +8219,7 @@
       <a:fillRef idx="1">
         <a:scrgbClr r="0" g="0" b="0"/>
       </a:fillRef>
-      <a:effectRef idx="2">
+      <a:effectRef idx="0">
         <a:scrgbClr r="0" g="0" b="0"/>
       </a:effectRef>
       <a:fontRef idx="minor"/>
@@ -10803,13 +8253,13 @@
     <dgm:sp3d/>
     <dgm:txPr/>
     <dgm:style>
-      <a:lnRef idx="0">
+      <a:lnRef idx="2">
         <a:scrgbClr r="0" g="0" b="0"/>
       </a:lnRef>
-      <a:fillRef idx="3">
+      <a:fillRef idx="1">
         <a:scrgbClr r="0" g="0" b="0"/>
       </a:fillRef>
-      <a:effectRef idx="2">
+      <a:effectRef idx="0">
         <a:scrgbClr r="0" g="0" b="0"/>
       </a:effectRef>
       <a:fontRef idx="minor"/>
@@ -11873,1040 +9323,6 @@
 </file>
 
 <file path=ppt/diagrams/quickStyle3.xml><?xml version="1.0" encoding="utf-8"?>
-<dgm:styleDef xmlns:dgm="http://schemas.openxmlformats.org/drawingml/2006/diagram" xmlns:a="http://schemas.openxmlformats.org/drawingml/2006/main" uniqueId="urn:microsoft.com/office/officeart/2005/8/quickstyle/simple1">
-  <dgm:title val=""/>
-  <dgm:desc val=""/>
-  <dgm:catLst>
-    <dgm:cat type="simple" pri="10100"/>
-  </dgm:catLst>
-  <dgm:scene3d>
-    <a:camera prst="orthographicFront"/>
-    <a:lightRig rig="threePt" dir="t"/>
-  </dgm:scene3d>
-  <dgm:styleLbl name="node0">
-    <dgm:scene3d>
-      <a:camera prst="orthographicFront"/>
-      <a:lightRig rig="threePt" dir="t"/>
-    </dgm:scene3d>
-    <dgm:sp3d/>
-    <dgm:txPr/>
-    <dgm:style>
-      <a:lnRef idx="2">
-        <a:scrgbClr r="0" g="0" b="0"/>
-      </a:lnRef>
-      <a:fillRef idx="1">
-        <a:scrgbClr r="0" g="0" b="0"/>
-      </a:fillRef>
-      <a:effectRef idx="0">
-        <a:scrgbClr r="0" g="0" b="0"/>
-      </a:effectRef>
-      <a:fontRef idx="minor">
-        <a:schemeClr val="lt1"/>
-      </a:fontRef>
-    </dgm:style>
-  </dgm:styleLbl>
-  <dgm:styleLbl name="lnNode1">
-    <dgm:scene3d>
-      <a:camera prst="orthographicFront"/>
-      <a:lightRig rig="threePt" dir="t"/>
-    </dgm:scene3d>
-    <dgm:sp3d/>
-    <dgm:txPr/>
-    <dgm:style>
-      <a:lnRef idx="2">
-        <a:scrgbClr r="0" g="0" b="0"/>
-      </a:lnRef>
-      <a:fillRef idx="1">
-        <a:scrgbClr r="0" g="0" b="0"/>
-      </a:fillRef>
-      <a:effectRef idx="0">
-        <a:scrgbClr r="0" g="0" b="0"/>
-      </a:effectRef>
-      <a:fontRef idx="minor">
-        <a:schemeClr val="lt1"/>
-      </a:fontRef>
-    </dgm:style>
-  </dgm:styleLbl>
-  <dgm:styleLbl name="vennNode1">
-    <dgm:scene3d>
-      <a:camera prst="orthographicFront"/>
-      <a:lightRig rig="threePt" dir="t"/>
-    </dgm:scene3d>
-    <dgm:sp3d/>
-    <dgm:txPr/>
-    <dgm:style>
-      <a:lnRef idx="2">
-        <a:scrgbClr r="0" g="0" b="0"/>
-      </a:lnRef>
-      <a:fillRef idx="1">
-        <a:scrgbClr r="0" g="0" b="0"/>
-      </a:fillRef>
-      <a:effectRef idx="0">
-        <a:scrgbClr r="0" g="0" b="0"/>
-      </a:effectRef>
-      <a:fontRef idx="minor">
-        <a:schemeClr val="tx1"/>
-      </a:fontRef>
-    </dgm:style>
-  </dgm:styleLbl>
-  <dgm:styleLbl name="alignNode1">
-    <dgm:scene3d>
-      <a:camera prst="orthographicFront"/>
-      <a:lightRig rig="threePt" dir="t"/>
-    </dgm:scene3d>
-    <dgm:sp3d/>
-    <dgm:txPr/>
-    <dgm:style>
-      <a:lnRef idx="2">
-        <a:scrgbClr r="0" g="0" b="0"/>
-      </a:lnRef>
-      <a:fillRef idx="1">
-        <a:scrgbClr r="0" g="0" b="0"/>
-      </a:fillRef>
-      <a:effectRef idx="0">
-        <a:scrgbClr r="0" g="0" b="0"/>
-      </a:effectRef>
-      <a:fontRef idx="minor">
-        <a:schemeClr val="lt1"/>
-      </a:fontRef>
-    </dgm:style>
-  </dgm:styleLbl>
-  <dgm:styleLbl name="node1">
-    <dgm:scene3d>
-      <a:camera prst="orthographicFront"/>
-      <a:lightRig rig="threePt" dir="t"/>
-    </dgm:scene3d>
-    <dgm:sp3d/>
-    <dgm:txPr/>
-    <dgm:style>
-      <a:lnRef idx="2">
-        <a:scrgbClr r="0" g="0" b="0"/>
-      </a:lnRef>
-      <a:fillRef idx="1">
-        <a:scrgbClr r="0" g="0" b="0"/>
-      </a:fillRef>
-      <a:effectRef idx="0">
-        <a:scrgbClr r="0" g="0" b="0"/>
-      </a:effectRef>
-      <a:fontRef idx="minor">
-        <a:schemeClr val="lt1"/>
-      </a:fontRef>
-    </dgm:style>
-  </dgm:styleLbl>
-  <dgm:styleLbl name="node2">
-    <dgm:scene3d>
-      <a:camera prst="orthographicFront"/>
-      <a:lightRig rig="threePt" dir="t"/>
-    </dgm:scene3d>
-    <dgm:sp3d/>
-    <dgm:txPr/>
-    <dgm:style>
-      <a:lnRef idx="2">
-        <a:scrgbClr r="0" g="0" b="0"/>
-      </a:lnRef>
-      <a:fillRef idx="1">
-        <a:scrgbClr r="0" g="0" b="0"/>
-      </a:fillRef>
-      <a:effectRef idx="0">
-        <a:scrgbClr r="0" g="0" b="0"/>
-      </a:effectRef>
-      <a:fontRef idx="minor">
-        <a:schemeClr val="lt1"/>
-      </a:fontRef>
-    </dgm:style>
-  </dgm:styleLbl>
-  <dgm:styleLbl name="node3">
-    <dgm:scene3d>
-      <a:camera prst="orthographicFront"/>
-      <a:lightRig rig="threePt" dir="t"/>
-    </dgm:scene3d>
-    <dgm:sp3d/>
-    <dgm:txPr/>
-    <dgm:style>
-      <a:lnRef idx="2">
-        <a:scrgbClr r="0" g="0" b="0"/>
-      </a:lnRef>
-      <a:fillRef idx="1">
-        <a:scrgbClr r="0" g="0" b="0"/>
-      </a:fillRef>
-      <a:effectRef idx="0">
-        <a:scrgbClr r="0" g="0" b="0"/>
-      </a:effectRef>
-      <a:fontRef idx="minor">
-        <a:schemeClr val="lt1"/>
-      </a:fontRef>
-    </dgm:style>
-  </dgm:styleLbl>
-  <dgm:styleLbl name="node4">
-    <dgm:scene3d>
-      <a:camera prst="orthographicFront"/>
-      <a:lightRig rig="threePt" dir="t"/>
-    </dgm:scene3d>
-    <dgm:sp3d/>
-    <dgm:txPr/>
-    <dgm:style>
-      <a:lnRef idx="2">
-        <a:scrgbClr r="0" g="0" b="0"/>
-      </a:lnRef>
-      <a:fillRef idx="1">
-        <a:scrgbClr r="0" g="0" b="0"/>
-      </a:fillRef>
-      <a:effectRef idx="0">
-        <a:scrgbClr r="0" g="0" b="0"/>
-      </a:effectRef>
-      <a:fontRef idx="minor">
-        <a:schemeClr val="lt1"/>
-      </a:fontRef>
-    </dgm:style>
-  </dgm:styleLbl>
-  <dgm:styleLbl name="fgImgPlace1">
-    <dgm:scene3d>
-      <a:camera prst="orthographicFront"/>
-      <a:lightRig rig="threePt" dir="t"/>
-    </dgm:scene3d>
-    <dgm:sp3d/>
-    <dgm:txPr/>
-    <dgm:style>
-      <a:lnRef idx="2">
-        <a:scrgbClr r="0" g="0" b="0"/>
-      </a:lnRef>
-      <a:fillRef idx="1">
-        <a:scrgbClr r="0" g="0" b="0"/>
-      </a:fillRef>
-      <a:effectRef idx="0">
-        <a:scrgbClr r="0" g="0" b="0"/>
-      </a:effectRef>
-      <a:fontRef idx="minor"/>
-    </dgm:style>
-  </dgm:styleLbl>
-  <dgm:styleLbl name="alignImgPlace1">
-    <dgm:scene3d>
-      <a:camera prst="orthographicFront"/>
-      <a:lightRig rig="threePt" dir="t"/>
-    </dgm:scene3d>
-    <dgm:sp3d/>
-    <dgm:txPr/>
-    <dgm:style>
-      <a:lnRef idx="2">
-        <a:scrgbClr r="0" g="0" b="0"/>
-      </a:lnRef>
-      <a:fillRef idx="1">
-        <a:scrgbClr r="0" g="0" b="0"/>
-      </a:fillRef>
-      <a:effectRef idx="0">
-        <a:scrgbClr r="0" g="0" b="0"/>
-      </a:effectRef>
-      <a:fontRef idx="minor"/>
-    </dgm:style>
-  </dgm:styleLbl>
-  <dgm:styleLbl name="bgImgPlace1">
-    <dgm:scene3d>
-      <a:camera prst="orthographicFront"/>
-      <a:lightRig rig="threePt" dir="t"/>
-    </dgm:scene3d>
-    <dgm:sp3d/>
-    <dgm:txPr/>
-    <dgm:style>
-      <a:lnRef idx="2">
-        <a:scrgbClr r="0" g="0" b="0"/>
-      </a:lnRef>
-      <a:fillRef idx="1">
-        <a:scrgbClr r="0" g="0" b="0"/>
-      </a:fillRef>
-      <a:effectRef idx="0">
-        <a:scrgbClr r="0" g="0" b="0"/>
-      </a:effectRef>
-      <a:fontRef idx="minor"/>
-    </dgm:style>
-  </dgm:styleLbl>
-  <dgm:styleLbl name="sibTrans2D1">
-    <dgm:scene3d>
-      <a:camera prst="orthographicFront"/>
-      <a:lightRig rig="threePt" dir="t"/>
-    </dgm:scene3d>
-    <dgm:sp3d/>
-    <dgm:txPr/>
-    <dgm:style>
-      <a:lnRef idx="0">
-        <a:scrgbClr r="0" g="0" b="0"/>
-      </a:lnRef>
-      <a:fillRef idx="1">
-        <a:scrgbClr r="0" g="0" b="0"/>
-      </a:fillRef>
-      <a:effectRef idx="0">
-        <a:scrgbClr r="0" g="0" b="0"/>
-      </a:effectRef>
-      <a:fontRef idx="minor">
-        <a:schemeClr val="lt1"/>
-      </a:fontRef>
-    </dgm:style>
-  </dgm:styleLbl>
-  <dgm:styleLbl name="fgSibTrans2D1">
-    <dgm:scene3d>
-      <a:camera prst="orthographicFront"/>
-      <a:lightRig rig="threePt" dir="t"/>
-    </dgm:scene3d>
-    <dgm:sp3d/>
-    <dgm:txPr/>
-    <dgm:style>
-      <a:lnRef idx="0">
-        <a:scrgbClr r="0" g="0" b="0"/>
-      </a:lnRef>
-      <a:fillRef idx="1">
-        <a:scrgbClr r="0" g="0" b="0"/>
-      </a:fillRef>
-      <a:effectRef idx="0">
-        <a:scrgbClr r="0" g="0" b="0"/>
-      </a:effectRef>
-      <a:fontRef idx="minor">
-        <a:schemeClr val="lt1"/>
-      </a:fontRef>
-    </dgm:style>
-  </dgm:styleLbl>
-  <dgm:styleLbl name="bgSibTrans2D1">
-    <dgm:scene3d>
-      <a:camera prst="orthographicFront"/>
-      <a:lightRig rig="threePt" dir="t"/>
-    </dgm:scene3d>
-    <dgm:sp3d/>
-    <dgm:txPr/>
-    <dgm:style>
-      <a:lnRef idx="0">
-        <a:scrgbClr r="0" g="0" b="0"/>
-      </a:lnRef>
-      <a:fillRef idx="1">
-        <a:scrgbClr r="0" g="0" b="0"/>
-      </a:fillRef>
-      <a:effectRef idx="0">
-        <a:scrgbClr r="0" g="0" b="0"/>
-      </a:effectRef>
-      <a:fontRef idx="minor">
-        <a:schemeClr val="lt1"/>
-      </a:fontRef>
-    </dgm:style>
-  </dgm:styleLbl>
-  <dgm:styleLbl name="sibTrans1D1">
-    <dgm:scene3d>
-      <a:camera prst="orthographicFront"/>
-      <a:lightRig rig="threePt" dir="t"/>
-    </dgm:scene3d>
-    <dgm:sp3d/>
-    <dgm:txPr/>
-    <dgm:style>
-      <a:lnRef idx="1">
-        <a:scrgbClr r="0" g="0" b="0"/>
-      </a:lnRef>
-      <a:fillRef idx="0">
-        <a:scrgbClr r="0" g="0" b="0"/>
-      </a:fillRef>
-      <a:effectRef idx="0">
-        <a:scrgbClr r="0" g="0" b="0"/>
-      </a:effectRef>
-      <a:fontRef idx="minor"/>
-    </dgm:style>
-  </dgm:styleLbl>
-  <dgm:styleLbl name="callout">
-    <dgm:scene3d>
-      <a:camera prst="orthographicFront"/>
-      <a:lightRig rig="threePt" dir="t"/>
-    </dgm:scene3d>
-    <dgm:sp3d/>
-    <dgm:txPr/>
-    <dgm:style>
-      <a:lnRef idx="2">
-        <a:scrgbClr r="0" g="0" b="0"/>
-      </a:lnRef>
-      <a:fillRef idx="1">
-        <a:scrgbClr r="0" g="0" b="0"/>
-      </a:fillRef>
-      <a:effectRef idx="0">
-        <a:scrgbClr r="0" g="0" b="0"/>
-      </a:effectRef>
-      <a:fontRef idx="minor"/>
-    </dgm:style>
-  </dgm:styleLbl>
-  <dgm:styleLbl name="asst0">
-    <dgm:scene3d>
-      <a:camera prst="orthographicFront"/>
-      <a:lightRig rig="threePt" dir="t"/>
-    </dgm:scene3d>
-    <dgm:sp3d/>
-    <dgm:txPr/>
-    <dgm:style>
-      <a:lnRef idx="2">
-        <a:scrgbClr r="0" g="0" b="0"/>
-      </a:lnRef>
-      <a:fillRef idx="1">
-        <a:scrgbClr r="0" g="0" b="0"/>
-      </a:fillRef>
-      <a:effectRef idx="0">
-        <a:scrgbClr r="0" g="0" b="0"/>
-      </a:effectRef>
-      <a:fontRef idx="minor">
-        <a:schemeClr val="lt1"/>
-      </a:fontRef>
-    </dgm:style>
-  </dgm:styleLbl>
-  <dgm:styleLbl name="asst1">
-    <dgm:scene3d>
-      <a:camera prst="orthographicFront"/>
-      <a:lightRig rig="threePt" dir="t"/>
-    </dgm:scene3d>
-    <dgm:sp3d/>
-    <dgm:txPr/>
-    <dgm:style>
-      <a:lnRef idx="2">
-        <a:scrgbClr r="0" g="0" b="0"/>
-      </a:lnRef>
-      <a:fillRef idx="1">
-        <a:scrgbClr r="0" g="0" b="0"/>
-      </a:fillRef>
-      <a:effectRef idx="0">
-        <a:scrgbClr r="0" g="0" b="0"/>
-      </a:effectRef>
-      <a:fontRef idx="minor">
-        <a:schemeClr val="lt1"/>
-      </a:fontRef>
-    </dgm:style>
-  </dgm:styleLbl>
-  <dgm:styleLbl name="asst2">
-    <dgm:scene3d>
-      <a:camera prst="orthographicFront"/>
-      <a:lightRig rig="threePt" dir="t"/>
-    </dgm:scene3d>
-    <dgm:sp3d/>
-    <dgm:txPr/>
-    <dgm:style>
-      <a:lnRef idx="2">
-        <a:scrgbClr r="0" g="0" b="0"/>
-      </a:lnRef>
-      <a:fillRef idx="1">
-        <a:scrgbClr r="0" g="0" b="0"/>
-      </a:fillRef>
-      <a:effectRef idx="0">
-        <a:scrgbClr r="0" g="0" b="0"/>
-      </a:effectRef>
-      <a:fontRef idx="minor">
-        <a:schemeClr val="lt1"/>
-      </a:fontRef>
-    </dgm:style>
-  </dgm:styleLbl>
-  <dgm:styleLbl name="asst3">
-    <dgm:scene3d>
-      <a:camera prst="orthographicFront"/>
-      <a:lightRig rig="threePt" dir="t"/>
-    </dgm:scene3d>
-    <dgm:sp3d/>
-    <dgm:txPr/>
-    <dgm:style>
-      <a:lnRef idx="2">
-        <a:scrgbClr r="0" g="0" b="0"/>
-      </a:lnRef>
-      <a:fillRef idx="1">
-        <a:scrgbClr r="0" g="0" b="0"/>
-      </a:fillRef>
-      <a:effectRef idx="0">
-        <a:scrgbClr r="0" g="0" b="0"/>
-      </a:effectRef>
-      <a:fontRef idx="minor">
-        <a:schemeClr val="lt1"/>
-      </a:fontRef>
-    </dgm:style>
-  </dgm:styleLbl>
-  <dgm:styleLbl name="asst4">
-    <dgm:scene3d>
-      <a:camera prst="orthographicFront"/>
-      <a:lightRig rig="threePt" dir="t"/>
-    </dgm:scene3d>
-    <dgm:sp3d/>
-    <dgm:txPr/>
-    <dgm:style>
-      <a:lnRef idx="2">
-        <a:scrgbClr r="0" g="0" b="0"/>
-      </a:lnRef>
-      <a:fillRef idx="1">
-        <a:scrgbClr r="0" g="0" b="0"/>
-      </a:fillRef>
-      <a:effectRef idx="0">
-        <a:scrgbClr r="0" g="0" b="0"/>
-      </a:effectRef>
-      <a:fontRef idx="minor">
-        <a:schemeClr val="lt1"/>
-      </a:fontRef>
-    </dgm:style>
-  </dgm:styleLbl>
-  <dgm:styleLbl name="parChTrans2D1">
-    <dgm:scene3d>
-      <a:camera prst="orthographicFront"/>
-      <a:lightRig rig="threePt" dir="t"/>
-    </dgm:scene3d>
-    <dgm:sp3d/>
-    <dgm:txPr/>
-    <dgm:style>
-      <a:lnRef idx="2">
-        <a:scrgbClr r="0" g="0" b="0"/>
-      </a:lnRef>
-      <a:fillRef idx="1">
-        <a:scrgbClr r="0" g="0" b="0"/>
-      </a:fillRef>
-      <a:effectRef idx="0">
-        <a:scrgbClr r="0" g="0" b="0"/>
-      </a:effectRef>
-      <a:fontRef idx="minor">
-        <a:schemeClr val="lt1"/>
-      </a:fontRef>
-    </dgm:style>
-  </dgm:styleLbl>
-  <dgm:styleLbl name="parChTrans2D2">
-    <dgm:scene3d>
-      <a:camera prst="orthographicFront"/>
-      <a:lightRig rig="threePt" dir="t"/>
-    </dgm:scene3d>
-    <dgm:sp3d/>
-    <dgm:txPr/>
-    <dgm:style>
-      <a:lnRef idx="2">
-        <a:scrgbClr r="0" g="0" b="0"/>
-      </a:lnRef>
-      <a:fillRef idx="1">
-        <a:scrgbClr r="0" g="0" b="0"/>
-      </a:fillRef>
-      <a:effectRef idx="0">
-        <a:scrgbClr r="0" g="0" b="0"/>
-      </a:effectRef>
-      <a:fontRef idx="minor">
-        <a:schemeClr val="lt1"/>
-      </a:fontRef>
-    </dgm:style>
-  </dgm:styleLbl>
-  <dgm:styleLbl name="parChTrans2D3">
-    <dgm:scene3d>
-      <a:camera prst="orthographicFront"/>
-      <a:lightRig rig="threePt" dir="t"/>
-    </dgm:scene3d>
-    <dgm:sp3d/>
-    <dgm:txPr/>
-    <dgm:style>
-      <a:lnRef idx="2">
-        <a:scrgbClr r="0" g="0" b="0"/>
-      </a:lnRef>
-      <a:fillRef idx="1">
-        <a:scrgbClr r="0" g="0" b="0"/>
-      </a:fillRef>
-      <a:effectRef idx="0">
-        <a:scrgbClr r="0" g="0" b="0"/>
-      </a:effectRef>
-      <a:fontRef idx="minor">
-        <a:schemeClr val="lt1"/>
-      </a:fontRef>
-    </dgm:style>
-  </dgm:styleLbl>
-  <dgm:styleLbl name="parChTrans2D4">
-    <dgm:scene3d>
-      <a:camera prst="orthographicFront"/>
-      <a:lightRig rig="threePt" dir="t"/>
-    </dgm:scene3d>
-    <dgm:sp3d/>
-    <dgm:txPr/>
-    <dgm:style>
-      <a:lnRef idx="2">
-        <a:scrgbClr r="0" g="0" b="0"/>
-      </a:lnRef>
-      <a:fillRef idx="1">
-        <a:scrgbClr r="0" g="0" b="0"/>
-      </a:fillRef>
-      <a:effectRef idx="0">
-        <a:scrgbClr r="0" g="0" b="0"/>
-      </a:effectRef>
-      <a:fontRef idx="minor">
-        <a:schemeClr val="lt1"/>
-      </a:fontRef>
-    </dgm:style>
-  </dgm:styleLbl>
-  <dgm:styleLbl name="parChTrans1D1">
-    <dgm:scene3d>
-      <a:camera prst="orthographicFront"/>
-      <a:lightRig rig="threePt" dir="t"/>
-    </dgm:scene3d>
-    <dgm:sp3d/>
-    <dgm:txPr/>
-    <dgm:style>
-      <a:lnRef idx="2">
-        <a:scrgbClr r="0" g="0" b="0"/>
-      </a:lnRef>
-      <a:fillRef idx="0">
-        <a:scrgbClr r="0" g="0" b="0"/>
-      </a:fillRef>
-      <a:effectRef idx="0">
-        <a:scrgbClr r="0" g="0" b="0"/>
-      </a:effectRef>
-      <a:fontRef idx="minor"/>
-    </dgm:style>
-  </dgm:styleLbl>
-  <dgm:styleLbl name="parChTrans1D2">
-    <dgm:scene3d>
-      <a:camera prst="orthographicFront"/>
-      <a:lightRig rig="threePt" dir="t"/>
-    </dgm:scene3d>
-    <dgm:sp3d/>
-    <dgm:txPr/>
-    <dgm:style>
-      <a:lnRef idx="2">
-        <a:scrgbClr r="0" g="0" b="0"/>
-      </a:lnRef>
-      <a:fillRef idx="0">
-        <a:scrgbClr r="0" g="0" b="0"/>
-      </a:fillRef>
-      <a:effectRef idx="0">
-        <a:scrgbClr r="0" g="0" b="0"/>
-      </a:effectRef>
-      <a:fontRef idx="minor"/>
-    </dgm:style>
-  </dgm:styleLbl>
-  <dgm:styleLbl name="parChTrans1D3">
-    <dgm:scene3d>
-      <a:camera prst="orthographicFront"/>
-      <a:lightRig rig="threePt" dir="t"/>
-    </dgm:scene3d>
-    <dgm:sp3d/>
-    <dgm:txPr/>
-    <dgm:style>
-      <a:lnRef idx="2">
-        <a:scrgbClr r="0" g="0" b="0"/>
-      </a:lnRef>
-      <a:fillRef idx="0">
-        <a:scrgbClr r="0" g="0" b="0"/>
-      </a:fillRef>
-      <a:effectRef idx="0">
-        <a:scrgbClr r="0" g="0" b="0"/>
-      </a:effectRef>
-      <a:fontRef idx="minor"/>
-    </dgm:style>
-  </dgm:styleLbl>
-  <dgm:styleLbl name="parChTrans1D4">
-    <dgm:scene3d>
-      <a:camera prst="orthographicFront"/>
-      <a:lightRig rig="threePt" dir="t"/>
-    </dgm:scene3d>
-    <dgm:sp3d/>
-    <dgm:txPr/>
-    <dgm:style>
-      <a:lnRef idx="2">
-        <a:scrgbClr r="0" g="0" b="0"/>
-      </a:lnRef>
-      <a:fillRef idx="0">
-        <a:scrgbClr r="0" g="0" b="0"/>
-      </a:fillRef>
-      <a:effectRef idx="0">
-        <a:scrgbClr r="0" g="0" b="0"/>
-      </a:effectRef>
-      <a:fontRef idx="minor"/>
-    </dgm:style>
-  </dgm:styleLbl>
-  <dgm:styleLbl name="fgAcc1">
-    <dgm:scene3d>
-      <a:camera prst="orthographicFront"/>
-      <a:lightRig rig="threePt" dir="t"/>
-    </dgm:scene3d>
-    <dgm:sp3d/>
-    <dgm:txPr/>
-    <dgm:style>
-      <a:lnRef idx="2">
-        <a:scrgbClr r="0" g="0" b="0"/>
-      </a:lnRef>
-      <a:fillRef idx="1">
-        <a:scrgbClr r="0" g="0" b="0"/>
-      </a:fillRef>
-      <a:effectRef idx="0">
-        <a:scrgbClr r="0" g="0" b="0"/>
-      </a:effectRef>
-      <a:fontRef idx="minor"/>
-    </dgm:style>
-  </dgm:styleLbl>
-  <dgm:styleLbl name="conFgAcc1">
-    <dgm:scene3d>
-      <a:camera prst="orthographicFront"/>
-      <a:lightRig rig="threePt" dir="t"/>
-    </dgm:scene3d>
-    <dgm:sp3d/>
-    <dgm:txPr/>
-    <dgm:style>
-      <a:lnRef idx="2">
-        <a:scrgbClr r="0" g="0" b="0"/>
-      </a:lnRef>
-      <a:fillRef idx="1">
-        <a:scrgbClr r="0" g="0" b="0"/>
-      </a:fillRef>
-      <a:effectRef idx="0">
-        <a:scrgbClr r="0" g="0" b="0"/>
-      </a:effectRef>
-      <a:fontRef idx="minor"/>
-    </dgm:style>
-  </dgm:styleLbl>
-  <dgm:styleLbl name="alignAcc1">
-    <dgm:scene3d>
-      <a:camera prst="orthographicFront"/>
-      <a:lightRig rig="threePt" dir="t"/>
-    </dgm:scene3d>
-    <dgm:sp3d/>
-    <dgm:txPr/>
-    <dgm:style>
-      <a:lnRef idx="2">
-        <a:scrgbClr r="0" g="0" b="0"/>
-      </a:lnRef>
-      <a:fillRef idx="1">
-        <a:scrgbClr r="0" g="0" b="0"/>
-      </a:fillRef>
-      <a:effectRef idx="0">
-        <a:scrgbClr r="0" g="0" b="0"/>
-      </a:effectRef>
-      <a:fontRef idx="minor"/>
-    </dgm:style>
-  </dgm:styleLbl>
-  <dgm:styleLbl name="trAlignAcc1">
-    <dgm:scene3d>
-      <a:camera prst="orthographicFront"/>
-      <a:lightRig rig="threePt" dir="t"/>
-    </dgm:scene3d>
-    <dgm:sp3d/>
-    <dgm:txPr/>
-    <dgm:style>
-      <a:lnRef idx="1">
-        <a:scrgbClr r="0" g="0" b="0"/>
-      </a:lnRef>
-      <a:fillRef idx="1">
-        <a:scrgbClr r="0" g="0" b="0"/>
-      </a:fillRef>
-      <a:effectRef idx="0">
-        <a:scrgbClr r="0" g="0" b="0"/>
-      </a:effectRef>
-      <a:fontRef idx="minor"/>
-    </dgm:style>
-  </dgm:styleLbl>
-  <dgm:styleLbl name="bgAcc1">
-    <dgm:scene3d>
-      <a:camera prst="orthographicFront"/>
-      <a:lightRig rig="threePt" dir="t"/>
-    </dgm:scene3d>
-    <dgm:sp3d/>
-    <dgm:txPr/>
-    <dgm:style>
-      <a:lnRef idx="2">
-        <a:scrgbClr r="0" g="0" b="0"/>
-      </a:lnRef>
-      <a:fillRef idx="1">
-        <a:scrgbClr r="0" g="0" b="0"/>
-      </a:fillRef>
-      <a:effectRef idx="0">
-        <a:scrgbClr r="0" g="0" b="0"/>
-      </a:effectRef>
-      <a:fontRef idx="minor"/>
-    </dgm:style>
-  </dgm:styleLbl>
-  <dgm:styleLbl name="solidFgAcc1">
-    <dgm:scene3d>
-      <a:camera prst="orthographicFront"/>
-      <a:lightRig rig="threePt" dir="t"/>
-    </dgm:scene3d>
-    <dgm:sp3d/>
-    <dgm:txPr/>
-    <dgm:style>
-      <a:lnRef idx="2">
-        <a:scrgbClr r="0" g="0" b="0"/>
-      </a:lnRef>
-      <a:fillRef idx="1">
-        <a:scrgbClr r="0" g="0" b="0"/>
-      </a:fillRef>
-      <a:effectRef idx="0">
-        <a:scrgbClr r="0" g="0" b="0"/>
-      </a:effectRef>
-      <a:fontRef idx="minor"/>
-    </dgm:style>
-  </dgm:styleLbl>
-  <dgm:styleLbl name="solidAlignAcc1">
-    <dgm:scene3d>
-      <a:camera prst="orthographicFront"/>
-      <a:lightRig rig="threePt" dir="t"/>
-    </dgm:scene3d>
-    <dgm:sp3d/>
-    <dgm:txPr/>
-    <dgm:style>
-      <a:lnRef idx="2">
-        <a:scrgbClr r="0" g="0" b="0"/>
-      </a:lnRef>
-      <a:fillRef idx="1">
-        <a:scrgbClr r="0" g="0" b="0"/>
-      </a:fillRef>
-      <a:effectRef idx="0">
-        <a:scrgbClr r="0" g="0" b="0"/>
-      </a:effectRef>
-      <a:fontRef idx="minor"/>
-    </dgm:style>
-  </dgm:styleLbl>
-  <dgm:styleLbl name="solidBgAcc1">
-    <dgm:scene3d>
-      <a:camera prst="orthographicFront"/>
-      <a:lightRig rig="threePt" dir="t"/>
-    </dgm:scene3d>
-    <dgm:sp3d/>
-    <dgm:txPr/>
-    <dgm:style>
-      <a:lnRef idx="2">
-        <a:scrgbClr r="0" g="0" b="0"/>
-      </a:lnRef>
-      <a:fillRef idx="1">
-        <a:scrgbClr r="0" g="0" b="0"/>
-      </a:fillRef>
-      <a:effectRef idx="0">
-        <a:scrgbClr r="0" g="0" b="0"/>
-      </a:effectRef>
-      <a:fontRef idx="minor"/>
-    </dgm:style>
-  </dgm:styleLbl>
-  <dgm:styleLbl name="fgAccFollowNode1">
-    <dgm:scene3d>
-      <a:camera prst="orthographicFront"/>
-      <a:lightRig rig="threePt" dir="t"/>
-    </dgm:scene3d>
-    <dgm:sp3d/>
-    <dgm:txPr/>
-    <dgm:style>
-      <a:lnRef idx="2">
-        <a:scrgbClr r="0" g="0" b="0"/>
-      </a:lnRef>
-      <a:fillRef idx="1">
-        <a:scrgbClr r="0" g="0" b="0"/>
-      </a:fillRef>
-      <a:effectRef idx="0">
-        <a:scrgbClr r="0" g="0" b="0"/>
-      </a:effectRef>
-      <a:fontRef idx="minor"/>
-    </dgm:style>
-  </dgm:styleLbl>
-  <dgm:styleLbl name="alignAccFollowNode1">
-    <dgm:scene3d>
-      <a:camera prst="orthographicFront"/>
-      <a:lightRig rig="threePt" dir="t"/>
-    </dgm:scene3d>
-    <dgm:sp3d/>
-    <dgm:txPr/>
-    <dgm:style>
-      <a:lnRef idx="2">
-        <a:scrgbClr r="0" g="0" b="0"/>
-      </a:lnRef>
-      <a:fillRef idx="1">
-        <a:scrgbClr r="0" g="0" b="0"/>
-      </a:fillRef>
-      <a:effectRef idx="0">
-        <a:scrgbClr r="0" g="0" b="0"/>
-      </a:effectRef>
-      <a:fontRef idx="minor"/>
-    </dgm:style>
-  </dgm:styleLbl>
-  <dgm:styleLbl name="bgAccFollowNode1">
-    <dgm:scene3d>
-      <a:camera prst="orthographicFront"/>
-      <a:lightRig rig="threePt" dir="t"/>
-    </dgm:scene3d>
-    <dgm:sp3d/>
-    <dgm:txPr/>
-    <dgm:style>
-      <a:lnRef idx="2">
-        <a:scrgbClr r="0" g="0" b="0"/>
-      </a:lnRef>
-      <a:fillRef idx="1">
-        <a:scrgbClr r="0" g="0" b="0"/>
-      </a:fillRef>
-      <a:effectRef idx="0">
-        <a:scrgbClr r="0" g="0" b="0"/>
-      </a:effectRef>
-      <a:fontRef idx="minor"/>
-    </dgm:style>
-  </dgm:styleLbl>
-  <dgm:styleLbl name="fgAcc0">
-    <dgm:scene3d>
-      <a:camera prst="orthographicFront"/>
-      <a:lightRig rig="threePt" dir="t"/>
-    </dgm:scene3d>
-    <dgm:sp3d/>
-    <dgm:txPr/>
-    <dgm:style>
-      <a:lnRef idx="2">
-        <a:scrgbClr r="0" g="0" b="0"/>
-      </a:lnRef>
-      <a:fillRef idx="1">
-        <a:scrgbClr r="0" g="0" b="0"/>
-      </a:fillRef>
-      <a:effectRef idx="0">
-        <a:scrgbClr r="0" g="0" b="0"/>
-      </a:effectRef>
-      <a:fontRef idx="minor"/>
-    </dgm:style>
-  </dgm:styleLbl>
-  <dgm:styleLbl name="fgAcc2">
-    <dgm:scene3d>
-      <a:camera prst="orthographicFront"/>
-      <a:lightRig rig="threePt" dir="t"/>
-    </dgm:scene3d>
-    <dgm:sp3d/>
-    <dgm:txPr/>
-    <dgm:style>
-      <a:lnRef idx="2">
-        <a:scrgbClr r="0" g="0" b="0"/>
-      </a:lnRef>
-      <a:fillRef idx="1">
-        <a:scrgbClr r="0" g="0" b="0"/>
-      </a:fillRef>
-      <a:effectRef idx="0">
-        <a:scrgbClr r="0" g="0" b="0"/>
-      </a:effectRef>
-      <a:fontRef idx="minor"/>
-    </dgm:style>
-  </dgm:styleLbl>
-  <dgm:styleLbl name="fgAcc3">
-    <dgm:scene3d>
-      <a:camera prst="orthographicFront"/>
-      <a:lightRig rig="threePt" dir="t"/>
-    </dgm:scene3d>
-    <dgm:sp3d/>
-    <dgm:txPr/>
-    <dgm:style>
-      <a:lnRef idx="2">
-        <a:scrgbClr r="0" g="0" b="0"/>
-      </a:lnRef>
-      <a:fillRef idx="1">
-        <a:scrgbClr r="0" g="0" b="0"/>
-      </a:fillRef>
-      <a:effectRef idx="0">
-        <a:scrgbClr r="0" g="0" b="0"/>
-      </a:effectRef>
-      <a:fontRef idx="minor"/>
-    </dgm:style>
-  </dgm:styleLbl>
-  <dgm:styleLbl name="fgAcc4">
-    <dgm:scene3d>
-      <a:camera prst="orthographicFront"/>
-      <a:lightRig rig="threePt" dir="t"/>
-    </dgm:scene3d>
-    <dgm:sp3d/>
-    <dgm:txPr/>
-    <dgm:style>
-      <a:lnRef idx="2">
-        <a:scrgbClr r="0" g="0" b="0"/>
-      </a:lnRef>
-      <a:fillRef idx="1">
-        <a:scrgbClr r="0" g="0" b="0"/>
-      </a:fillRef>
-      <a:effectRef idx="0">
-        <a:scrgbClr r="0" g="0" b="0"/>
-      </a:effectRef>
-      <a:fontRef idx="minor"/>
-    </dgm:style>
-  </dgm:styleLbl>
-  <dgm:styleLbl name="bgShp">
-    <dgm:scene3d>
-      <a:camera prst="orthographicFront"/>
-      <a:lightRig rig="threePt" dir="t"/>
-    </dgm:scene3d>
-    <dgm:sp3d/>
-    <dgm:txPr/>
-    <dgm:style>
-      <a:lnRef idx="0">
-        <a:scrgbClr r="0" g="0" b="0"/>
-      </a:lnRef>
-      <a:fillRef idx="1">
-        <a:scrgbClr r="0" g="0" b="0"/>
-      </a:fillRef>
-      <a:effectRef idx="0">
-        <a:scrgbClr r="0" g="0" b="0"/>
-      </a:effectRef>
-      <a:fontRef idx="minor"/>
-    </dgm:style>
-  </dgm:styleLbl>
-  <dgm:styleLbl name="dkBgShp">
-    <dgm:scene3d>
-      <a:camera prst="orthographicFront"/>
-      <a:lightRig rig="threePt" dir="t"/>
-    </dgm:scene3d>
-    <dgm:sp3d/>
-    <dgm:txPr/>
-    <dgm:style>
-      <a:lnRef idx="0">
-        <a:scrgbClr r="0" g="0" b="0"/>
-      </a:lnRef>
-      <a:fillRef idx="1">
-        <a:scrgbClr r="0" g="0" b="0"/>
-      </a:fillRef>
-      <a:effectRef idx="0">
-        <a:scrgbClr r="0" g="0" b="0"/>
-      </a:effectRef>
-      <a:fontRef idx="minor"/>
-    </dgm:style>
-  </dgm:styleLbl>
-  <dgm:styleLbl name="trBgShp">
-    <dgm:scene3d>
-      <a:camera prst="orthographicFront"/>
-      <a:lightRig rig="threePt" dir="t"/>
-    </dgm:scene3d>
-    <dgm:sp3d/>
-    <dgm:txPr/>
-    <dgm:style>
-      <a:lnRef idx="0">
-        <a:scrgbClr r="0" g="0" b="0"/>
-      </a:lnRef>
-      <a:fillRef idx="1">
-        <a:scrgbClr r="0" g="0" b="0"/>
-      </a:fillRef>
-      <a:effectRef idx="0">
-        <a:scrgbClr r="0" g="0" b="0"/>
-      </a:effectRef>
-      <a:fontRef idx="minor"/>
-    </dgm:style>
-  </dgm:styleLbl>
-  <dgm:styleLbl name="fgShp">
-    <dgm:scene3d>
-      <a:camera prst="orthographicFront"/>
-      <a:lightRig rig="threePt" dir="t"/>
-    </dgm:scene3d>
-    <dgm:sp3d/>
-    <dgm:txPr/>
-    <dgm:style>
-      <a:lnRef idx="2">
-        <a:scrgbClr r="0" g="0" b="0"/>
-      </a:lnRef>
-      <a:fillRef idx="1">
-        <a:scrgbClr r="0" g="0" b="0"/>
-      </a:fillRef>
-      <a:effectRef idx="0">
-        <a:scrgbClr r="0" g="0" b="0"/>
-      </a:effectRef>
-      <a:fontRef idx="minor"/>
-    </dgm:style>
-  </dgm:styleLbl>
-  <dgm:styleLbl name="revTx">
-    <dgm:scene3d>
-      <a:camera prst="orthographicFront"/>
-      <a:lightRig rig="threePt" dir="t"/>
-    </dgm:scene3d>
-    <dgm:sp3d/>
-    <dgm:txPr/>
-    <dgm:style>
-      <a:lnRef idx="0">
-        <a:scrgbClr r="0" g="0" b="0"/>
-      </a:lnRef>
-      <a:fillRef idx="0">
-        <a:scrgbClr r="0" g="0" b="0"/>
-      </a:fillRef>
-      <a:effectRef idx="0">
-        <a:scrgbClr r="0" g="0" b="0"/>
-      </a:effectRef>
-      <a:fontRef idx="minor"/>
-    </dgm:style>
-  </dgm:styleLbl>
-</dgm:styleDef>
-</file>
-
-<file path=ppt/diagrams/quickStyle4.xml><?xml version="1.0" encoding="utf-8"?>
 <dgm:styleDef xmlns:dgm="http://schemas.openxmlformats.org/drawingml/2006/diagram" xmlns:a="http://schemas.openxmlformats.org/drawingml/2006/main" uniqueId="urn:microsoft.com/office/officeart/2005/8/quickstyle/simple1">
   <dgm:title val=""/>
   <dgm:desc val=""/>
@@ -14022,7 +10438,7 @@
           <a:p>
             <a:fld id="{AC8CEC3D-96F7-401F-9673-3EE7F75C9C5B}" type="datetimeFigureOut">
               <a:rPr lang="en-US"/>
-              <a:t>11/29/2021</a:t>
+              <a:t>11/30/2021</a:t>
             </a:fld>
             <a:endParaRPr dirty="0"/>
           </a:p>
@@ -14187,7 +10603,7 @@
           <a:p>
             <a:fld id="{F032BCF4-D26D-4DAF-9F57-FE1E61FE7935}" type="datetimeFigureOut">
               <a:rPr lang="en-US"/>
-              <a:t>11/29/2021</a:t>
+              <a:t>11/30/2021</a:t>
             </a:fld>
             <a:endParaRPr dirty="0"/>
           </a:p>
@@ -15014,7 +11430,7 @@
           <a:p>
             <a:fld id="{DAD2365B-5397-4552-89D2-3C31D6B894C4}" type="datetime1">
               <a:rPr lang="en-US" smtClean="0"/>
-              <a:t>11/29/2021</a:t>
+              <a:t>11/30/2021</a:t>
             </a:fld>
             <a:endParaRPr lang="en-US" dirty="0"/>
           </a:p>
@@ -15243,7 +11659,7 @@
           <a:p>
             <a:fld id="{3718D474-84CF-40A5-B032-DFFDE135438A}" type="datetime1">
               <a:rPr lang="en-US" smtClean="0"/>
-              <a:t>11/29/2021</a:t>
+              <a:t>11/30/2021</a:t>
             </a:fld>
             <a:endParaRPr lang="en-US" dirty="0"/>
           </a:p>
@@ -15465,7 +11881,7 @@
           <a:p>
             <a:fld id="{7067C6EF-6B90-465F-AC36-47BDECADBD65}" type="datetime1">
               <a:rPr lang="en-US" smtClean="0"/>
-              <a:t>11/29/2021</a:t>
+              <a:t>11/30/2021</a:t>
             </a:fld>
             <a:endParaRPr lang="en-US" dirty="0"/>
           </a:p>
@@ -15682,7 +12098,7 @@
           <a:p>
             <a:fld id="{ED1E4A86-2703-4937-ABF7-D8FBDB5C3D3E}" type="datetime1">
               <a:rPr lang="en-US" smtClean="0"/>
-              <a:t>11/29/2021</a:t>
+              <a:t>11/30/2021</a:t>
             </a:fld>
             <a:endParaRPr lang="en-US" dirty="0"/>
           </a:p>
@@ -15948,7 +12364,7 @@
           <a:p>
             <a:fld id="{12E02F23-BD92-4B7B-9DFF-42EEC8F21ED4}" type="datetime1">
               <a:rPr lang="en-US" smtClean="0"/>
-              <a:t>11/29/2021</a:t>
+              <a:t>11/30/2021</a:t>
             </a:fld>
             <a:endParaRPr lang="en-US" dirty="0"/>
           </a:p>
@@ -16250,7 +12666,7 @@
           <a:p>
             <a:fld id="{8814B7EA-8738-442B-ADC7-3A7E6F5C49CD}" type="datetime1">
               <a:rPr lang="en-US" smtClean="0"/>
-              <a:t>11/29/2021</a:t>
+              <a:t>11/30/2021</a:t>
             </a:fld>
             <a:endParaRPr lang="en-US" dirty="0"/>
           </a:p>
@@ -16700,7 +13116,7 @@
           <a:p>
             <a:fld id="{8FE5692D-78A6-499F-901A-E660774CC8EE}" type="datetime1">
               <a:rPr lang="en-US" smtClean="0"/>
-              <a:t>11/29/2021</a:t>
+              <a:t>11/30/2021</a:t>
             </a:fld>
             <a:endParaRPr lang="en-US" dirty="0"/>
           </a:p>
@@ -16833,7 +13249,7 @@
           <a:p>
             <a:fld id="{6776F355-F21B-43C0-ABBD-B5AEBBE279A6}" type="datetime1">
               <a:rPr lang="en-US" smtClean="0"/>
-              <a:t>11/29/2021</a:t>
+              <a:t>11/30/2021</a:t>
             </a:fld>
             <a:endParaRPr lang="en-US" dirty="0"/>
           </a:p>
@@ -16943,7 +13359,7 @@
           <a:p>
             <a:fld id="{C0AB95E7-F437-40FB-91EE-0B08B57CB523}" type="datetime1">
               <a:rPr lang="en-US" smtClean="0"/>
-              <a:t>11/29/2021</a:t>
+              <a:t>11/30/2021</a:t>
             </a:fld>
             <a:endParaRPr lang="en-US" dirty="0"/>
           </a:p>
@@ -17243,7 +13659,7 @@
           <a:p>
             <a:fld id="{67709EEF-87D9-4049-9A5D-A2B5E4C83A85}" type="datetime1">
               <a:rPr lang="en-US" smtClean="0"/>
-              <a:t>11/29/2021</a:t>
+              <a:t>11/30/2021</a:t>
             </a:fld>
             <a:endParaRPr lang="en-US" dirty="0"/>
           </a:p>
@@ -17532,7 +13948,7 @@
           <a:p>
             <a:fld id="{CAEBD992-82F2-4752-BCD7-4BDCCFA26099}" type="datetime1">
               <a:rPr lang="en-US" smtClean="0"/>
-              <a:t>11/29/2021</a:t>
+              <a:t>11/30/2021</a:t>
             </a:fld>
             <a:endParaRPr lang="en-US" dirty="0"/>
           </a:p>
@@ -17830,7 +14246,7 @@
             <a:fld id="{7590C4DA-EDE6-465C-B91D-0B6D7078AFBA}" type="datetime1">
               <a:rPr lang="en-US" smtClean="0"/>
               <a:pPr/>
-              <a:t>11/29/2021</a:t>
+              <a:t>11/30/2021</a:t>
             </a:fld>
             <a:endParaRPr lang="en-US" dirty="0"/>
           </a:p>
@@ -19135,8 +15551,12 @@
           <a:lstStyle/>
           <a:p>
             <a:r>
+              <a:rPr lang="en-US" dirty="0"/>
+              <a:t>Our Model </a:t>
+            </a:r>
+            <a:r>
               <a:rPr lang="en-US"/>
-              <a:t>Our Products and Services</a:t>
+              <a:t>and Hyper-tuning</a:t>
             </a:r>
             <a:endParaRPr lang="en-US" dirty="0"/>
           </a:p>
@@ -19152,51 +15572,301 @@
             <p:ph sz="half" idx="1"/>
           </p:nvPr>
         </p:nvSpPr>
-        <p:spPr/>
+        <p:spPr>
+          <a:xfrm>
+            <a:off x="3960812" y="757341"/>
+            <a:ext cx="5029200" cy="914400"/>
+          </a:xfrm>
+        </p:spPr>
         <p:txBody>
           <a:bodyPr/>
           <a:lstStyle/>
           <a:p>
+            <a:pPr marL="0" indent="0" algn="ctr">
+              <a:buNone/>
+            </a:pPr>
             <a:r>
               <a:rPr lang="en-US" dirty="0"/>
-              <a:t>List the products or services your company provides that will help the customer achieve their objectives.</a:t>
-            </a:r>
-          </a:p>
-          <a:p>
-            <a:r>
-              <a:rPr lang="en-US" dirty="0"/>
-              <a:t>Example: </a:t>
-            </a:r>
-          </a:p>
-          <a:p>
-            <a:pPr lvl="1"/>
-            <a:r>
-              <a:rPr lang="en-US" dirty="0"/>
-              <a:t>Using a variety of research methodologies, Trey Research can provide support in the following areas:</a:t>
+              <a:t>Gradient Boosting Regressor</a:t>
             </a:r>
           </a:p>
         </p:txBody>
       </p:sp>
-      <p:graphicFrame>
-        <p:nvGraphicFramePr>
-          <p:cNvPr id="5" name="Content Placeholder 4" descr="Basic venn diagram showing overlapping relationships between 4 tasks"/>
-          <p:cNvGraphicFramePr>
-            <a:graphicFrameLocks noGrp="1"/>
-          </p:cNvGraphicFramePr>
-          <p:nvPr>
-            <p:ph sz="half" idx="2"/>
-          </p:nvPr>
-        </p:nvGraphicFramePr>
-        <p:xfrm>
-          <a:off x="6551613" y="685800"/>
-          <a:ext cx="5029200" cy="4191000"/>
-        </p:xfrm>
-        <a:graphic>
-          <a:graphicData uri="http://schemas.openxmlformats.org/drawingml/2006/diagram">
-            <dgm:relIds xmlns:dgm="http://schemas.openxmlformats.org/drawingml/2006/diagram" xmlns:r="http://schemas.openxmlformats.org/officeDocument/2006/relationships" r:dm="rId2" r:lo="rId3" r:qs="rId4" r:cs="rId5"/>
-          </a:graphicData>
-        </a:graphic>
-      </p:graphicFrame>
+      <p:sp>
+        <p:nvSpPr>
+          <p:cNvPr id="7" name="Content Placeholder 2">
+            <a:extLst>
+              <a:ext uri="{FF2B5EF4-FFF2-40B4-BE49-F238E27FC236}">
+                <a16:creationId xmlns:a16="http://schemas.microsoft.com/office/drawing/2014/main" id="{DB376CA9-F44E-44C0-98E7-521AF9BFB8ED}"/>
+              </a:ext>
+            </a:extLst>
+          </p:cNvPr>
+          <p:cNvSpPr txBox="1">
+            <a:spLocks/>
+          </p:cNvSpPr>
+          <p:nvPr/>
+        </p:nvSpPr>
+        <p:spPr>
+          <a:xfrm>
+            <a:off x="3960812" y="3178894"/>
+            <a:ext cx="5029200" cy="914400"/>
+          </a:xfrm>
+          <a:prstGeom prst="rect">
+            <a:avLst/>
+          </a:prstGeom>
+        </p:spPr>
+        <p:txBody>
+          <a:bodyPr vert="horz" lIns="91440" tIns="45720" rIns="91440" bIns="45720" rtlCol="0">
+            <a:normAutofit/>
+          </a:bodyPr>
+          <a:lstStyle>
+            <a:lvl1pPr marL="228600" indent="-228600" algn="l" defTabSz="914400" rtl="0" eaLnBrk="1" latinLnBrk="0" hangingPunct="1">
+              <a:lnSpc>
+                <a:spcPct val="90000"/>
+              </a:lnSpc>
+              <a:spcBef>
+                <a:spcPts val="1800"/>
+              </a:spcBef>
+              <a:buClr>
+                <a:schemeClr val="tx1"/>
+              </a:buClr>
+              <a:buSzPct val="80000"/>
+              <a:buFont typeface="Arial" pitchFamily="34" charset="0"/>
+              <a:buChar char="•"/>
+              <a:defRPr sz="2800" kern="1200">
+                <a:solidFill>
+                  <a:schemeClr val="tx1"/>
+                </a:solidFill>
+                <a:latin typeface="+mn-lt"/>
+                <a:ea typeface="+mn-ea"/>
+                <a:cs typeface="+mn-cs"/>
+              </a:defRPr>
+            </a:lvl1pPr>
+            <a:lvl2pPr marL="615950" indent="-285750" algn="l" defTabSz="914400" rtl="0" eaLnBrk="1" latinLnBrk="0" hangingPunct="1">
+              <a:lnSpc>
+                <a:spcPct val="90000"/>
+              </a:lnSpc>
+              <a:spcBef>
+                <a:spcPts val="600"/>
+              </a:spcBef>
+              <a:buSzPct val="80000"/>
+              <a:buFont typeface="Corbel" pitchFamily="34" charset="0"/>
+              <a:buChar char="–"/>
+              <a:defRPr sz="2400" kern="1200">
+                <a:solidFill>
+                  <a:schemeClr val="tx1"/>
+                </a:solidFill>
+                <a:latin typeface="+mn-lt"/>
+                <a:ea typeface="+mn-ea"/>
+                <a:cs typeface="+mn-cs"/>
+              </a:defRPr>
+            </a:lvl2pPr>
+            <a:lvl3pPr marL="996696" indent="-228600" algn="l" defTabSz="914400" rtl="0" eaLnBrk="1" latinLnBrk="0" hangingPunct="1">
+              <a:lnSpc>
+                <a:spcPct val="90000"/>
+              </a:lnSpc>
+              <a:spcBef>
+                <a:spcPts val="600"/>
+              </a:spcBef>
+              <a:buClr>
+                <a:schemeClr val="tx1"/>
+              </a:buClr>
+              <a:buSzPct val="80000"/>
+              <a:buFont typeface="Arial" pitchFamily="34" charset="0"/>
+              <a:buChar char="•"/>
+              <a:defRPr sz="2000" kern="1200">
+                <a:solidFill>
+                  <a:schemeClr val="tx1"/>
+                </a:solidFill>
+                <a:latin typeface="+mn-lt"/>
+                <a:ea typeface="+mn-ea"/>
+                <a:cs typeface="+mn-cs"/>
+              </a:defRPr>
+            </a:lvl3pPr>
+            <a:lvl4pPr marL="1380744" indent="-283464" algn="l" defTabSz="914400" rtl="0" eaLnBrk="1" latinLnBrk="0" hangingPunct="1">
+              <a:lnSpc>
+                <a:spcPct val="90000"/>
+              </a:lnSpc>
+              <a:spcBef>
+                <a:spcPts val="600"/>
+              </a:spcBef>
+              <a:buFont typeface="Corbel" pitchFamily="34" charset="0"/>
+              <a:buChar char="–"/>
+              <a:defRPr sz="1800" kern="1200">
+                <a:solidFill>
+                  <a:schemeClr val="tx1"/>
+                </a:solidFill>
+                <a:latin typeface="+mn-lt"/>
+                <a:ea typeface="+mn-ea"/>
+                <a:cs typeface="+mn-cs"/>
+              </a:defRPr>
+            </a:lvl4pPr>
+            <a:lvl5pPr marL="1764792" indent="-228600" algn="l" defTabSz="914400" rtl="0" eaLnBrk="1" latinLnBrk="0" hangingPunct="1">
+              <a:lnSpc>
+                <a:spcPct val="90000"/>
+              </a:lnSpc>
+              <a:spcBef>
+                <a:spcPts val="600"/>
+              </a:spcBef>
+              <a:buClr>
+                <a:schemeClr val="tx1"/>
+              </a:buClr>
+              <a:buSzPct val="80000"/>
+              <a:buFont typeface="Arial" pitchFamily="34" charset="0"/>
+              <a:buChar char="•"/>
+              <a:defRPr sz="1800" kern="1200">
+                <a:solidFill>
+                  <a:schemeClr val="tx1"/>
+                </a:solidFill>
+                <a:latin typeface="+mn-lt"/>
+                <a:ea typeface="+mn-ea"/>
+                <a:cs typeface="+mn-cs"/>
+              </a:defRPr>
+            </a:lvl5pPr>
+            <a:lvl6pPr marL="2148840" indent="-283464" algn="l" defTabSz="914400" rtl="0" eaLnBrk="1" latinLnBrk="0" hangingPunct="1">
+              <a:lnSpc>
+                <a:spcPct val="90000"/>
+              </a:lnSpc>
+              <a:spcBef>
+                <a:spcPts val="600"/>
+              </a:spcBef>
+              <a:buFont typeface="Corbel" pitchFamily="34" charset="0"/>
+              <a:buChar char="–"/>
+              <a:defRPr sz="1800" kern="1200" baseline="0">
+                <a:solidFill>
+                  <a:schemeClr val="tx1"/>
+                </a:solidFill>
+                <a:latin typeface="+mn-lt"/>
+                <a:ea typeface="+mn-ea"/>
+                <a:cs typeface="+mn-cs"/>
+              </a:defRPr>
+            </a:lvl6pPr>
+            <a:lvl7pPr marL="2532888" indent="-228600" algn="l" defTabSz="914400" rtl="0" eaLnBrk="1" latinLnBrk="0" hangingPunct="1">
+              <a:lnSpc>
+                <a:spcPct val="90000"/>
+              </a:lnSpc>
+              <a:spcBef>
+                <a:spcPts val="600"/>
+              </a:spcBef>
+              <a:buSzPct val="80000"/>
+              <a:buFont typeface="Arial" pitchFamily="34" charset="0"/>
+              <a:buChar char="•"/>
+              <a:defRPr sz="1800" kern="1200" baseline="0">
+                <a:solidFill>
+                  <a:schemeClr val="tx1"/>
+                </a:solidFill>
+                <a:latin typeface="+mn-lt"/>
+                <a:ea typeface="+mn-ea"/>
+                <a:cs typeface="+mn-cs"/>
+              </a:defRPr>
+            </a:lvl7pPr>
+            <a:lvl8pPr marL="2916936" indent="-283464" algn="l" defTabSz="914400" rtl="0" eaLnBrk="1" latinLnBrk="0" hangingPunct="1">
+              <a:lnSpc>
+                <a:spcPct val="90000"/>
+              </a:lnSpc>
+              <a:spcBef>
+                <a:spcPts val="600"/>
+              </a:spcBef>
+              <a:buFont typeface="Corbel" pitchFamily="34" charset="0"/>
+              <a:buChar char="–"/>
+              <a:defRPr sz="1800" kern="1200" baseline="0">
+                <a:solidFill>
+                  <a:schemeClr val="tx1"/>
+                </a:solidFill>
+                <a:latin typeface="+mn-lt"/>
+                <a:ea typeface="+mn-ea"/>
+                <a:cs typeface="+mn-cs"/>
+              </a:defRPr>
+            </a:lvl8pPr>
+            <a:lvl9pPr marL="3358134" indent="-285750" algn="l" defTabSz="914400" rtl="0" eaLnBrk="1" latinLnBrk="0" hangingPunct="1">
+              <a:lnSpc>
+                <a:spcPct val="90000"/>
+              </a:lnSpc>
+              <a:spcBef>
+                <a:spcPts val="600"/>
+              </a:spcBef>
+              <a:buSzPct val="80000"/>
+              <a:buFont typeface="Arial" panose="020B0604020202020204" pitchFamily="34" charset="0"/>
+              <a:buChar char="•"/>
+              <a:defRPr sz="1800" kern="1200">
+                <a:solidFill>
+                  <a:schemeClr val="tx1"/>
+                </a:solidFill>
+                <a:latin typeface="+mn-lt"/>
+                <a:ea typeface="+mn-ea"/>
+                <a:cs typeface="+mn-cs"/>
+              </a:defRPr>
+            </a:lvl9pPr>
+          </a:lstStyle>
+          <a:p>
+            <a:pPr marL="0" indent="0" algn="ctr">
+              <a:buNone/>
+            </a:pPr>
+            <a:r>
+              <a:rPr lang="en-US" dirty="0"/>
+              <a:t>After Hyper-tuning</a:t>
+            </a:r>
+          </a:p>
+        </p:txBody>
+      </p:sp>
+      <p:pic>
+        <p:nvPicPr>
+          <p:cNvPr id="9" name="Picture 8">
+            <a:extLst>
+              <a:ext uri="{FF2B5EF4-FFF2-40B4-BE49-F238E27FC236}">
+                <a16:creationId xmlns:a16="http://schemas.microsoft.com/office/drawing/2014/main" id="{BCD39BF0-AAEB-4D2E-AD1B-4EBCD55E9AF8}"/>
+              </a:ext>
+            </a:extLst>
+          </p:cNvPr>
+          <p:cNvPicPr>
+            <a:picLocks noChangeAspect="1"/>
+          </p:cNvPicPr>
+          <p:nvPr/>
+        </p:nvPicPr>
+        <p:blipFill rotWithShape="1">
+          <a:blip r:embed="rId2"/>
+          <a:srcRect l="6250" t="-1951" r="14587" b="1951"/>
+          <a:stretch/>
+        </p:blipFill>
+        <p:spPr>
+          <a:xfrm>
+            <a:off x="3579941" y="1393107"/>
+            <a:ext cx="5760720" cy="1364442"/>
+          </a:xfrm>
+          <a:prstGeom prst="rect">
+            <a:avLst/>
+          </a:prstGeom>
+        </p:spPr>
+      </p:pic>
+      <p:pic>
+        <p:nvPicPr>
+          <p:cNvPr id="11" name="Picture 10">
+            <a:extLst>
+              <a:ext uri="{FF2B5EF4-FFF2-40B4-BE49-F238E27FC236}">
+                <a16:creationId xmlns:a16="http://schemas.microsoft.com/office/drawing/2014/main" id="{3FFB786C-24FA-4E71-996F-684DEB79D6DD}"/>
+              </a:ext>
+            </a:extLst>
+          </p:cNvPr>
+          <p:cNvPicPr>
+            <a:picLocks noChangeAspect="1"/>
+          </p:cNvPicPr>
+          <p:nvPr/>
+        </p:nvPicPr>
+        <p:blipFill rotWithShape="1">
+          <a:blip r:embed="rId3"/>
+          <a:srcRect l="5040" t="-2229" r="9078" b="2229"/>
+          <a:stretch/>
+        </p:blipFill>
+        <p:spPr>
+          <a:xfrm>
+            <a:off x="3578353" y="3900238"/>
+            <a:ext cx="5760720" cy="1398218"/>
+          </a:xfrm>
+          <a:prstGeom prst="rect">
+            <a:avLst/>
+          </a:prstGeom>
+        </p:spPr>
+      </p:pic>
     </p:spTree>
     <p:extLst>
       <p:ext uri="{BB962C8B-B14F-4D97-AF65-F5344CB8AC3E}">
